--- a/practical_class/class_ppt/0421程一實習.pptx
+++ b/practical_class/class_ppt/0421程一實習.pptx
@@ -5,11 +5,27 @@
     <p:sldMasterId id="2147483648" r:id="rId1"/>
   </p:sldMasterIdLst>
   <p:notesMasterIdLst>
-    <p:notesMasterId r:id="rId4"/>
+    <p:notesMasterId r:id="rId20"/>
   </p:notesMasterIdLst>
   <p:sldIdLst>
     <p:sldId id="256" r:id="rId2"/>
-    <p:sldId id="257" r:id="rId3"/>
+    <p:sldId id="258" r:id="rId3"/>
+    <p:sldId id="257" r:id="rId4"/>
+    <p:sldId id="270" r:id="rId5"/>
+    <p:sldId id="271" r:id="rId6"/>
+    <p:sldId id="273" r:id="rId7"/>
+    <p:sldId id="261" r:id="rId8"/>
+    <p:sldId id="259" r:id="rId9"/>
+    <p:sldId id="272" r:id="rId10"/>
+    <p:sldId id="260" r:id="rId11"/>
+    <p:sldId id="265" r:id="rId12"/>
+    <p:sldId id="268" r:id="rId13"/>
+    <p:sldId id="269" r:id="rId14"/>
+    <p:sldId id="262" r:id="rId15"/>
+    <p:sldId id="266" r:id="rId16"/>
+    <p:sldId id="263" r:id="rId17"/>
+    <p:sldId id="264" r:id="rId18"/>
+    <p:sldId id="267" r:id="rId19"/>
   </p:sldIdLst>
   <p:sldSz cx="12192000" cy="6858000"/>
   <p:notesSz cx="6858000" cy="9144000"/>
@@ -210,7 +226,7 @@
           <a:p>
             <a:fld id="{4A026C94-271D-49A1-BABA-212293D723B7}" type="datetimeFigureOut">
               <a:rPr lang="zh-TW" altLang="en-US" smtClean="0"/>
-              <a:t>2022/4/15</a:t>
+              <a:t>2022/4/20</a:t>
             </a:fld>
             <a:endParaRPr lang="zh-TW" altLang="en-US"/>
           </a:p>
@@ -477,6 +493,388 @@
 </p:notesMaster>
 </file>
 
+<file path=ppt/notesSlides/notesSlide1.xml><?xml version="1.0" encoding="utf-8"?>
+<p:notes xmlns:a="http://schemas.openxmlformats.org/drawingml/2006/main" xmlns:r="http://schemas.openxmlformats.org/officeDocument/2006/relationships" xmlns:p="http://schemas.openxmlformats.org/presentationml/2006/main">
+  <p:cSld>
+    <p:spTree>
+      <p:nvGrpSpPr>
+        <p:cNvPr id="1" name=""/>
+        <p:cNvGrpSpPr/>
+        <p:nvPr/>
+      </p:nvGrpSpPr>
+      <p:grpSpPr>
+        <a:xfrm>
+          <a:off x="0" y="0"/>
+          <a:ext cx="0" cy="0"/>
+          <a:chOff x="0" y="0"/>
+          <a:chExt cx="0" cy="0"/>
+        </a:xfrm>
+      </p:grpSpPr>
+      <p:sp>
+        <p:nvSpPr>
+          <p:cNvPr id="2" name="投影片影像版面配置區 1"/>
+          <p:cNvSpPr>
+            <a:spLocks noGrp="1" noRot="1" noChangeAspect="1"/>
+          </p:cNvSpPr>
+          <p:nvPr>
+            <p:ph type="sldImg"/>
+          </p:nvPr>
+        </p:nvSpPr>
+        <p:spPr/>
+      </p:sp>
+      <p:sp>
+        <p:nvSpPr>
+          <p:cNvPr id="3" name="備忘稿版面配置區 2"/>
+          <p:cNvSpPr>
+            <a:spLocks noGrp="1"/>
+          </p:cNvSpPr>
+          <p:nvPr>
+            <p:ph type="body" idx="1"/>
+          </p:nvPr>
+        </p:nvSpPr>
+        <p:spPr/>
+        <p:txBody>
+          <a:bodyPr/>
+          <a:lstStyle/>
+          <a:p>
+            <a:endParaRPr lang="zh-TW" altLang="en-US" dirty="0"/>
+          </a:p>
+        </p:txBody>
+      </p:sp>
+      <p:sp>
+        <p:nvSpPr>
+          <p:cNvPr id="4" name="投影片編號版面配置區 3"/>
+          <p:cNvSpPr>
+            <a:spLocks noGrp="1"/>
+          </p:cNvSpPr>
+          <p:nvPr>
+            <p:ph type="sldNum" sz="quarter" idx="5"/>
+          </p:nvPr>
+        </p:nvSpPr>
+        <p:spPr/>
+        <p:txBody>
+          <a:bodyPr/>
+          <a:lstStyle/>
+          <a:p>
+            <a:fld id="{92CD3976-0A53-43C7-A43E-A2410759C6DA}" type="slidenum">
+              <a:rPr lang="zh-TW" altLang="en-US" smtClean="0"/>
+              <a:t>2</a:t>
+            </a:fld>
+            <a:endParaRPr lang="zh-TW" altLang="en-US"/>
+          </a:p>
+        </p:txBody>
+      </p:sp>
+    </p:spTree>
+    <p:extLst>
+      <p:ext uri="{BB962C8B-B14F-4D97-AF65-F5344CB8AC3E}">
+        <p14:creationId xmlns:p14="http://schemas.microsoft.com/office/powerpoint/2010/main" val="995811952"/>
+      </p:ext>
+    </p:extLst>
+  </p:cSld>
+  <p:clrMapOvr>
+    <a:masterClrMapping/>
+  </p:clrMapOvr>
+</p:notes>
+</file>
+
+<file path=ppt/notesSlides/notesSlide2.xml><?xml version="1.0" encoding="utf-8"?>
+<p:notes xmlns:a="http://schemas.openxmlformats.org/drawingml/2006/main" xmlns:r="http://schemas.openxmlformats.org/officeDocument/2006/relationships" xmlns:p="http://schemas.openxmlformats.org/presentationml/2006/main">
+  <p:cSld>
+    <p:spTree>
+      <p:nvGrpSpPr>
+        <p:cNvPr id="1" name=""/>
+        <p:cNvGrpSpPr/>
+        <p:nvPr/>
+      </p:nvGrpSpPr>
+      <p:grpSpPr>
+        <a:xfrm>
+          <a:off x="0" y="0"/>
+          <a:ext cx="0" cy="0"/>
+          <a:chOff x="0" y="0"/>
+          <a:chExt cx="0" cy="0"/>
+        </a:xfrm>
+      </p:grpSpPr>
+      <p:sp>
+        <p:nvSpPr>
+          <p:cNvPr id="2" name="投影片影像版面配置區 1"/>
+          <p:cNvSpPr>
+            <a:spLocks noGrp="1" noRot="1" noChangeAspect="1"/>
+          </p:cNvSpPr>
+          <p:nvPr>
+            <p:ph type="sldImg"/>
+          </p:nvPr>
+        </p:nvSpPr>
+        <p:spPr/>
+      </p:sp>
+      <p:sp>
+        <p:nvSpPr>
+          <p:cNvPr id="3" name="備忘稿版面配置區 2"/>
+          <p:cNvSpPr>
+            <a:spLocks noGrp="1"/>
+          </p:cNvSpPr>
+          <p:nvPr>
+            <p:ph type="body" idx="1"/>
+          </p:nvPr>
+        </p:nvSpPr>
+        <p:spPr/>
+        <p:txBody>
+          <a:bodyPr/>
+          <a:lstStyle/>
+          <a:p>
+            <a:r>
+              <a:rPr lang="en-US" altLang="zh-TW" dirty="0"/>
+              <a:t>Win +</a:t>
+            </a:r>
+            <a:endParaRPr lang="zh-TW" altLang="en-US" dirty="0"/>
+          </a:p>
+        </p:txBody>
+      </p:sp>
+      <p:sp>
+        <p:nvSpPr>
+          <p:cNvPr id="4" name="投影片編號版面配置區 3"/>
+          <p:cNvSpPr>
+            <a:spLocks noGrp="1"/>
+          </p:cNvSpPr>
+          <p:nvPr>
+            <p:ph type="sldNum" sz="quarter" idx="5"/>
+          </p:nvPr>
+        </p:nvSpPr>
+        <p:spPr/>
+        <p:txBody>
+          <a:bodyPr/>
+          <a:lstStyle/>
+          <a:p>
+            <a:fld id="{92CD3976-0A53-43C7-A43E-A2410759C6DA}" type="slidenum">
+              <a:rPr lang="zh-TW" altLang="en-US" smtClean="0"/>
+              <a:t>3</a:t>
+            </a:fld>
+            <a:endParaRPr lang="zh-TW" altLang="en-US"/>
+          </a:p>
+        </p:txBody>
+      </p:sp>
+    </p:spTree>
+    <p:extLst>
+      <p:ext uri="{BB962C8B-B14F-4D97-AF65-F5344CB8AC3E}">
+        <p14:creationId xmlns:p14="http://schemas.microsoft.com/office/powerpoint/2010/main" val="141333022"/>
+      </p:ext>
+    </p:extLst>
+  </p:cSld>
+  <p:clrMapOvr>
+    <a:masterClrMapping/>
+  </p:clrMapOvr>
+</p:notes>
+</file>
+
+<file path=ppt/notesSlides/notesSlide3.xml><?xml version="1.0" encoding="utf-8"?>
+<p:notes xmlns:a="http://schemas.openxmlformats.org/drawingml/2006/main" xmlns:r="http://schemas.openxmlformats.org/officeDocument/2006/relationships" xmlns:p="http://schemas.openxmlformats.org/presentationml/2006/main">
+  <p:cSld>
+    <p:spTree>
+      <p:nvGrpSpPr>
+        <p:cNvPr id="1" name=""/>
+        <p:cNvGrpSpPr/>
+        <p:nvPr/>
+      </p:nvGrpSpPr>
+      <p:grpSpPr>
+        <a:xfrm>
+          <a:off x="0" y="0"/>
+          <a:ext cx="0" cy="0"/>
+          <a:chOff x="0" y="0"/>
+          <a:chExt cx="0" cy="0"/>
+        </a:xfrm>
+      </p:grpSpPr>
+      <p:sp>
+        <p:nvSpPr>
+          <p:cNvPr id="2" name="投影片影像版面配置區 1"/>
+          <p:cNvSpPr>
+            <a:spLocks noGrp="1" noRot="1" noChangeAspect="1"/>
+          </p:cNvSpPr>
+          <p:nvPr>
+            <p:ph type="sldImg"/>
+          </p:nvPr>
+        </p:nvSpPr>
+        <p:spPr/>
+      </p:sp>
+      <p:sp>
+        <p:nvSpPr>
+          <p:cNvPr id="3" name="備忘稿版面配置區 2"/>
+          <p:cNvSpPr>
+            <a:spLocks noGrp="1"/>
+          </p:cNvSpPr>
+          <p:nvPr>
+            <p:ph type="body" idx="1"/>
+          </p:nvPr>
+        </p:nvSpPr>
+        <p:spPr/>
+        <p:txBody>
+          <a:bodyPr/>
+          <a:lstStyle/>
+          <a:p>
+            <a:r>
+              <a:rPr lang="zh-TW" altLang="en-US" dirty="0"/>
+              <a:t>應用遞迴在每層求解</a:t>
+            </a:r>
+            <a:endParaRPr lang="en-US" altLang="zh-TW" dirty="0"/>
+          </a:p>
+          <a:p>
+            <a:r>
+              <a:rPr lang="zh-TW" altLang="en-US" dirty="0"/>
+              <a:t>用分治步驟了解遞迴實際運作</a:t>
+            </a:r>
+          </a:p>
+        </p:txBody>
+      </p:sp>
+      <p:sp>
+        <p:nvSpPr>
+          <p:cNvPr id="4" name="投影片編號版面配置區 3"/>
+          <p:cNvSpPr>
+            <a:spLocks noGrp="1"/>
+          </p:cNvSpPr>
+          <p:nvPr>
+            <p:ph type="sldNum" sz="quarter" idx="5"/>
+          </p:nvPr>
+        </p:nvSpPr>
+        <p:spPr/>
+        <p:txBody>
+          <a:bodyPr/>
+          <a:lstStyle/>
+          <a:p>
+            <a:fld id="{92CD3976-0A53-43C7-A43E-A2410759C6DA}" type="slidenum">
+              <a:rPr lang="zh-TW" altLang="en-US" smtClean="0"/>
+              <a:t>7</a:t>
+            </a:fld>
+            <a:endParaRPr lang="zh-TW" altLang="en-US"/>
+          </a:p>
+        </p:txBody>
+      </p:sp>
+    </p:spTree>
+    <p:extLst>
+      <p:ext uri="{BB962C8B-B14F-4D97-AF65-F5344CB8AC3E}">
+        <p14:creationId xmlns:p14="http://schemas.microsoft.com/office/powerpoint/2010/main" val="2096458004"/>
+      </p:ext>
+    </p:extLst>
+  </p:cSld>
+  <p:clrMapOvr>
+    <a:masterClrMapping/>
+  </p:clrMapOvr>
+</p:notes>
+</file>
+
+<file path=ppt/notesSlides/notesSlide4.xml><?xml version="1.0" encoding="utf-8"?>
+<p:notes xmlns:a="http://schemas.openxmlformats.org/drawingml/2006/main" xmlns:r="http://schemas.openxmlformats.org/officeDocument/2006/relationships" xmlns:p="http://schemas.openxmlformats.org/presentationml/2006/main">
+  <p:cSld>
+    <p:spTree>
+      <p:nvGrpSpPr>
+        <p:cNvPr id="1" name=""/>
+        <p:cNvGrpSpPr/>
+        <p:nvPr/>
+      </p:nvGrpSpPr>
+      <p:grpSpPr>
+        <a:xfrm>
+          <a:off x="0" y="0"/>
+          <a:ext cx="0" cy="0"/>
+          <a:chOff x="0" y="0"/>
+          <a:chExt cx="0" cy="0"/>
+        </a:xfrm>
+      </p:grpSpPr>
+      <p:sp>
+        <p:nvSpPr>
+          <p:cNvPr id="2" name="投影片影像版面配置區 1"/>
+          <p:cNvSpPr>
+            <a:spLocks noGrp="1" noRot="1" noChangeAspect="1"/>
+          </p:cNvSpPr>
+          <p:nvPr>
+            <p:ph type="sldImg"/>
+          </p:nvPr>
+        </p:nvSpPr>
+        <p:spPr/>
+      </p:sp>
+      <p:sp>
+        <p:nvSpPr>
+          <p:cNvPr id="3" name="備忘稿版面配置區 2"/>
+          <p:cNvSpPr>
+            <a:spLocks noGrp="1"/>
+          </p:cNvSpPr>
+          <p:nvPr>
+            <p:ph type="body" idx="1"/>
+          </p:nvPr>
+        </p:nvSpPr>
+        <p:spPr/>
+        <p:txBody>
+          <a:bodyPr/>
+          <a:lstStyle/>
+          <a:p>
+            <a:r>
+              <a:rPr lang="zh-TW" altLang="en-US" dirty="0"/>
+              <a:t>要爬到第</a:t>
+            </a:r>
+            <a:r>
+              <a:rPr lang="en-US" altLang="zh-TW" dirty="0"/>
+              <a:t>10</a:t>
+            </a:r>
+            <a:r>
+              <a:rPr lang="zh-TW" altLang="en-US" dirty="0"/>
+              <a:t>階，一定是從第</a:t>
+            </a:r>
+            <a:r>
+              <a:rPr lang="en-US" altLang="zh-TW" dirty="0"/>
+              <a:t>8</a:t>
+            </a:r>
+            <a:r>
+              <a:rPr lang="zh-TW" altLang="en-US" dirty="0"/>
+              <a:t>或第</a:t>
+            </a:r>
+            <a:r>
+              <a:rPr lang="en-US" altLang="zh-TW" dirty="0"/>
+              <a:t>9</a:t>
+            </a:r>
+            <a:r>
+              <a:rPr lang="zh-TW" altLang="en-US" dirty="0"/>
+              <a:t>階上來</a:t>
+            </a:r>
+            <a:r>
+              <a:rPr lang="en-US" altLang="zh-TW" dirty="0"/>
+              <a:t>…</a:t>
+            </a:r>
+            <a:endParaRPr lang="zh-TW" altLang="en-US" dirty="0"/>
+          </a:p>
+        </p:txBody>
+      </p:sp>
+      <p:sp>
+        <p:nvSpPr>
+          <p:cNvPr id="4" name="投影片編號版面配置區 3"/>
+          <p:cNvSpPr>
+            <a:spLocks noGrp="1"/>
+          </p:cNvSpPr>
+          <p:nvPr>
+            <p:ph type="sldNum" sz="quarter" idx="5"/>
+          </p:nvPr>
+        </p:nvSpPr>
+        <p:spPr/>
+        <p:txBody>
+          <a:bodyPr/>
+          <a:lstStyle/>
+          <a:p>
+            <a:fld id="{92CD3976-0A53-43C7-A43E-A2410759C6DA}" type="slidenum">
+              <a:rPr lang="zh-TW" altLang="en-US" smtClean="0"/>
+              <a:t>16</a:t>
+            </a:fld>
+            <a:endParaRPr lang="zh-TW" altLang="en-US"/>
+          </a:p>
+        </p:txBody>
+      </p:sp>
+    </p:spTree>
+    <p:extLst>
+      <p:ext uri="{BB962C8B-B14F-4D97-AF65-F5344CB8AC3E}">
+        <p14:creationId xmlns:p14="http://schemas.microsoft.com/office/powerpoint/2010/main" val="349006753"/>
+      </p:ext>
+    </p:extLst>
+  </p:cSld>
+  <p:clrMapOvr>
+    <a:masterClrMapping/>
+  </p:clrMapOvr>
+</p:notes>
+</file>
+
 <file path=ppt/slideLayouts/slideLayout1.xml><?xml version="1.0" encoding="utf-8"?>
 <p:sldLayout xmlns:a="http://schemas.openxmlformats.org/drawingml/2006/main" xmlns:r="http://schemas.openxmlformats.org/officeDocument/2006/relationships" xmlns:p="http://schemas.openxmlformats.org/presentationml/2006/main" type="title" preserve="1">
   <p:cSld name="標題投影片">
@@ -624,7 +1022,7 @@
           <a:p>
             <a:fld id="{EC09F29B-51DF-41BF-B9C1-3A09295E2F91}" type="datetimeFigureOut">
               <a:rPr lang="zh-TW" altLang="en-US" smtClean="0"/>
-              <a:t>2022/4/15</a:t>
+              <a:t>2022/4/20</a:t>
             </a:fld>
             <a:endParaRPr lang="zh-TW" altLang="en-US"/>
           </a:p>
@@ -822,7 +1220,7 @@
           <a:p>
             <a:fld id="{EC09F29B-51DF-41BF-B9C1-3A09295E2F91}" type="datetimeFigureOut">
               <a:rPr lang="zh-TW" altLang="en-US" smtClean="0"/>
-              <a:t>2022/4/15</a:t>
+              <a:t>2022/4/20</a:t>
             </a:fld>
             <a:endParaRPr lang="zh-TW" altLang="en-US"/>
           </a:p>
@@ -1030,7 +1428,7 @@
           <a:p>
             <a:fld id="{EC09F29B-51DF-41BF-B9C1-3A09295E2F91}" type="datetimeFigureOut">
               <a:rPr lang="zh-TW" altLang="en-US" smtClean="0"/>
-              <a:t>2022/4/15</a:t>
+              <a:t>2022/4/20</a:t>
             </a:fld>
             <a:endParaRPr lang="zh-TW" altLang="en-US"/>
           </a:p>
@@ -1228,7 +1626,7 @@
           <a:p>
             <a:fld id="{EC09F29B-51DF-41BF-B9C1-3A09295E2F91}" type="datetimeFigureOut">
               <a:rPr lang="zh-TW" altLang="en-US" smtClean="0"/>
-              <a:t>2022/4/15</a:t>
+              <a:t>2022/4/20</a:t>
             </a:fld>
             <a:endParaRPr lang="zh-TW" altLang="en-US"/>
           </a:p>
@@ -1503,7 +1901,7 @@
           <a:p>
             <a:fld id="{EC09F29B-51DF-41BF-B9C1-3A09295E2F91}" type="datetimeFigureOut">
               <a:rPr lang="zh-TW" altLang="en-US" smtClean="0"/>
-              <a:t>2022/4/15</a:t>
+              <a:t>2022/4/20</a:t>
             </a:fld>
             <a:endParaRPr lang="zh-TW" altLang="en-US"/>
           </a:p>
@@ -1768,7 +2166,7 @@
           <a:p>
             <a:fld id="{EC09F29B-51DF-41BF-B9C1-3A09295E2F91}" type="datetimeFigureOut">
               <a:rPr lang="zh-TW" altLang="en-US" smtClean="0"/>
-              <a:t>2022/4/15</a:t>
+              <a:t>2022/4/20</a:t>
             </a:fld>
             <a:endParaRPr lang="zh-TW" altLang="en-US"/>
           </a:p>
@@ -2180,7 +2578,7 @@
           <a:p>
             <a:fld id="{EC09F29B-51DF-41BF-B9C1-3A09295E2F91}" type="datetimeFigureOut">
               <a:rPr lang="zh-TW" altLang="en-US" smtClean="0"/>
-              <a:t>2022/4/15</a:t>
+              <a:t>2022/4/20</a:t>
             </a:fld>
             <a:endParaRPr lang="zh-TW" altLang="en-US"/>
           </a:p>
@@ -2321,7 +2719,7 @@
           <a:p>
             <a:fld id="{EC09F29B-51DF-41BF-B9C1-3A09295E2F91}" type="datetimeFigureOut">
               <a:rPr lang="zh-TW" altLang="en-US" smtClean="0"/>
-              <a:t>2022/4/15</a:t>
+              <a:t>2022/4/20</a:t>
             </a:fld>
             <a:endParaRPr lang="zh-TW" altLang="en-US"/>
           </a:p>
@@ -2434,7 +2832,7 @@
           <a:p>
             <a:fld id="{EC09F29B-51DF-41BF-B9C1-3A09295E2F91}" type="datetimeFigureOut">
               <a:rPr lang="zh-TW" altLang="en-US" smtClean="0"/>
-              <a:t>2022/4/15</a:t>
+              <a:t>2022/4/20</a:t>
             </a:fld>
             <a:endParaRPr lang="zh-TW" altLang="en-US"/>
           </a:p>
@@ -2745,7 +3143,7 @@
           <a:p>
             <a:fld id="{EC09F29B-51DF-41BF-B9C1-3A09295E2F91}" type="datetimeFigureOut">
               <a:rPr lang="zh-TW" altLang="en-US" smtClean="0"/>
-              <a:t>2022/4/15</a:t>
+              <a:t>2022/4/20</a:t>
             </a:fld>
             <a:endParaRPr lang="zh-TW" altLang="en-US"/>
           </a:p>
@@ -3033,7 +3431,7 @@
           <a:p>
             <a:fld id="{EC09F29B-51DF-41BF-B9C1-3A09295E2F91}" type="datetimeFigureOut">
               <a:rPr lang="zh-TW" altLang="en-US" smtClean="0"/>
-              <a:t>2022/4/15</a:t>
+              <a:t>2022/4/20</a:t>
             </a:fld>
             <a:endParaRPr lang="zh-TW" altLang="en-US"/>
           </a:p>
@@ -3274,7 +3672,7 @@
           <a:p>
             <a:fld id="{EC09F29B-51DF-41BF-B9C1-3A09295E2F91}" type="datetimeFigureOut">
               <a:rPr lang="zh-TW" altLang="en-US" smtClean="0"/>
-              <a:t>2022/4/15</a:t>
+              <a:t>2022/4/20</a:t>
             </a:fld>
             <a:endParaRPr lang="zh-TW" altLang="en-US"/>
           </a:p>
@@ -3795,6 +4193,2582 @@
 </p:sld>
 </file>
 
+<file path=ppt/slides/slide10.xml><?xml version="1.0" encoding="utf-8"?>
+<p:sld xmlns:a="http://schemas.openxmlformats.org/drawingml/2006/main" xmlns:r="http://schemas.openxmlformats.org/officeDocument/2006/relationships" xmlns:p="http://schemas.openxmlformats.org/presentationml/2006/main">
+  <p:cSld>
+    <p:spTree>
+      <p:nvGrpSpPr>
+        <p:cNvPr id="1" name=""/>
+        <p:cNvGrpSpPr/>
+        <p:nvPr/>
+      </p:nvGrpSpPr>
+      <p:grpSpPr>
+        <a:xfrm>
+          <a:off x="0" y="0"/>
+          <a:ext cx="0" cy="0"/>
+          <a:chOff x="0" y="0"/>
+          <a:chExt cx="0" cy="0"/>
+        </a:xfrm>
+      </p:grpSpPr>
+      <p:sp>
+        <p:nvSpPr>
+          <p:cNvPr id="2" name="標題 1">
+            <a:extLst>
+              <a:ext uri="{FF2B5EF4-FFF2-40B4-BE49-F238E27FC236}">
+                <a16:creationId xmlns:a16="http://schemas.microsoft.com/office/drawing/2014/main" id="{77ECF30A-EA8A-49A8-ADDC-48C9FBF59D61}"/>
+              </a:ext>
+            </a:extLst>
+          </p:cNvPr>
+          <p:cNvSpPr>
+            <a:spLocks noGrp="1"/>
+          </p:cNvSpPr>
+          <p:nvPr>
+            <p:ph type="title"/>
+          </p:nvPr>
+        </p:nvSpPr>
+        <p:spPr/>
+        <p:txBody>
+          <a:bodyPr/>
+          <a:lstStyle/>
+          <a:p>
+            <a:r>
+              <a:rPr lang="zh-TW" altLang="en-US" dirty="0"/>
+              <a:t>階層遞迴公式</a:t>
+            </a:r>
+          </a:p>
+        </p:txBody>
+      </p:sp>
+      <p:sp>
+        <p:nvSpPr>
+          <p:cNvPr id="3" name="內容版面配置區 2">
+            <a:extLst>
+              <a:ext uri="{FF2B5EF4-FFF2-40B4-BE49-F238E27FC236}">
+                <a16:creationId xmlns:a16="http://schemas.microsoft.com/office/drawing/2014/main" id="{218BF48D-A6B0-4CAB-89C7-676EF1D02590}"/>
+              </a:ext>
+            </a:extLst>
+          </p:cNvPr>
+          <p:cNvSpPr>
+            <a:spLocks noGrp="1"/>
+          </p:cNvSpPr>
+          <p:nvPr>
+            <p:ph idx="1"/>
+          </p:nvPr>
+        </p:nvSpPr>
+        <p:spPr/>
+        <p:txBody>
+          <a:bodyPr/>
+          <a:lstStyle/>
+          <a:p>
+            <a:pPr marL="1371600" lvl="3" indent="0">
+              <a:buNone/>
+            </a:pPr>
+            <a:r>
+              <a:rPr lang="en-US" altLang="zh-TW" sz="5400" dirty="0"/>
+              <a:t>	</a:t>
+            </a:r>
+            <a:r>
+              <a:rPr lang="en-US" altLang="zh-TW" sz="4400" dirty="0"/>
+              <a:t>1				n = 0</a:t>
+            </a:r>
+          </a:p>
+          <a:p>
+            <a:pPr marL="0" indent="0">
+              <a:buNone/>
+            </a:pPr>
+            <a:r>
+              <a:rPr lang="en-US" altLang="zh-TW" sz="4400" dirty="0"/>
+              <a:t>n!</a:t>
+            </a:r>
+            <a:r>
+              <a:rPr lang="zh-TW" altLang="en-US" sz="4400" dirty="0"/>
+              <a:t> </a:t>
+            </a:r>
+            <a:r>
+              <a:rPr lang="en-US" altLang="zh-TW" sz="4400" dirty="0"/>
+              <a:t>=</a:t>
+            </a:r>
+            <a:r>
+              <a:rPr lang="zh-TW" altLang="en-US" sz="4400" dirty="0"/>
+              <a:t> </a:t>
+            </a:r>
+            <a:r>
+              <a:rPr lang="en-US" altLang="zh-TW" sz="4400" dirty="0"/>
+              <a:t>{</a:t>
+            </a:r>
+          </a:p>
+          <a:p>
+            <a:pPr marL="1371600" lvl="3" indent="0">
+              <a:buNone/>
+            </a:pPr>
+            <a:r>
+              <a:rPr lang="en-US" altLang="zh-TW" sz="4400" dirty="0"/>
+              <a:t>	n * (n – 1)!		n &gt; 0</a:t>
+            </a:r>
+            <a:endParaRPr lang="zh-TW" altLang="en-US" sz="4400" dirty="0"/>
+          </a:p>
+        </p:txBody>
+      </p:sp>
+      <p:sp>
+        <p:nvSpPr>
+          <p:cNvPr id="4" name="矩形 3">
+            <a:extLst>
+              <a:ext uri="{FF2B5EF4-FFF2-40B4-BE49-F238E27FC236}">
+                <a16:creationId xmlns:a16="http://schemas.microsoft.com/office/drawing/2014/main" id="{83C883E6-8ACF-435D-9D74-50638C2CE5E1}"/>
+              </a:ext>
+            </a:extLst>
+          </p:cNvPr>
+          <p:cNvSpPr/>
+          <p:nvPr/>
+        </p:nvSpPr>
+        <p:spPr>
+          <a:xfrm>
+            <a:off x="8668158" y="1825625"/>
+            <a:ext cx="2954655" cy="923330"/>
+          </a:xfrm>
+          <a:prstGeom prst="rect">
+            <a:avLst/>
+          </a:prstGeom>
+          <a:noFill/>
+        </p:spPr>
+        <p:txBody>
+          <a:bodyPr wrap="none" lIns="91440" tIns="45720" rIns="91440" bIns="45720">
+            <a:spAutoFit/>
+          </a:bodyPr>
+          <a:lstStyle/>
+          <a:p>
+            <a:pPr algn="ctr"/>
+            <a:r>
+              <a:rPr lang="zh-TW" altLang="en-US" sz="5400" b="1" cap="none" spc="0" dirty="0">
+                <a:ln w="12700" cmpd="sng">
+                  <a:solidFill>
+                    <a:schemeClr val="accent4"/>
+                  </a:solidFill>
+                  <a:prstDash val="solid"/>
+                </a:ln>
+                <a:gradFill>
+                  <a:gsLst>
+                    <a:gs pos="0">
+                      <a:schemeClr val="accent4"/>
+                    </a:gs>
+                    <a:gs pos="4000">
+                      <a:schemeClr val="accent4">
+                        <a:lumMod val="60000"/>
+                        <a:lumOff val="40000"/>
+                      </a:schemeClr>
+                    </a:gs>
+                    <a:gs pos="87000">
+                      <a:schemeClr val="accent4">
+                        <a:lumMod val="20000"/>
+                        <a:lumOff val="80000"/>
+                      </a:schemeClr>
+                    </a:gs>
+                  </a:gsLst>
+                  <a:lin ang="5400000"/>
+                </a:gradFill>
+                <a:effectLst/>
+              </a:rPr>
+              <a:t>基本情況</a:t>
+            </a:r>
+          </a:p>
+        </p:txBody>
+      </p:sp>
+      <p:sp>
+        <p:nvSpPr>
+          <p:cNvPr id="5" name="矩形 4">
+            <a:extLst>
+              <a:ext uri="{FF2B5EF4-FFF2-40B4-BE49-F238E27FC236}">
+                <a16:creationId xmlns:a16="http://schemas.microsoft.com/office/drawing/2014/main" id="{22479590-8A27-4A93-8BA7-192E01D41361}"/>
+              </a:ext>
+            </a:extLst>
+          </p:cNvPr>
+          <p:cNvSpPr/>
+          <p:nvPr/>
+        </p:nvSpPr>
+        <p:spPr>
+          <a:xfrm>
+            <a:off x="8668158" y="3185716"/>
+            <a:ext cx="2954655" cy="923330"/>
+          </a:xfrm>
+          <a:prstGeom prst="rect">
+            <a:avLst/>
+          </a:prstGeom>
+          <a:noFill/>
+        </p:spPr>
+        <p:txBody>
+          <a:bodyPr wrap="none" lIns="91440" tIns="45720" rIns="91440" bIns="45720">
+            <a:spAutoFit/>
+          </a:bodyPr>
+          <a:lstStyle/>
+          <a:p>
+            <a:pPr algn="ctr"/>
+            <a:r>
+              <a:rPr lang="zh-TW" altLang="en-US" sz="5400" b="1" dirty="0">
+                <a:ln w="12700" cmpd="sng">
+                  <a:solidFill>
+                    <a:schemeClr val="accent4"/>
+                  </a:solidFill>
+                  <a:prstDash val="solid"/>
+                </a:ln>
+                <a:gradFill>
+                  <a:gsLst>
+                    <a:gs pos="0">
+                      <a:schemeClr val="accent4"/>
+                    </a:gs>
+                    <a:gs pos="4000">
+                      <a:schemeClr val="accent4">
+                        <a:lumMod val="60000"/>
+                        <a:lumOff val="40000"/>
+                      </a:schemeClr>
+                    </a:gs>
+                    <a:gs pos="87000">
+                      <a:schemeClr val="accent4">
+                        <a:lumMod val="20000"/>
+                        <a:lumOff val="80000"/>
+                      </a:schemeClr>
+                    </a:gs>
+                  </a:gsLst>
+                  <a:lin ang="5400000"/>
+                </a:gradFill>
+              </a:rPr>
+              <a:t>遞迴</a:t>
+            </a:r>
+            <a:r>
+              <a:rPr lang="zh-TW" altLang="en-US" sz="5400" b="1" cap="none" spc="0" dirty="0">
+                <a:ln w="12700" cmpd="sng">
+                  <a:solidFill>
+                    <a:schemeClr val="accent4"/>
+                  </a:solidFill>
+                  <a:prstDash val="solid"/>
+                </a:ln>
+                <a:gradFill>
+                  <a:gsLst>
+                    <a:gs pos="0">
+                      <a:schemeClr val="accent4"/>
+                    </a:gs>
+                    <a:gs pos="4000">
+                      <a:schemeClr val="accent4">
+                        <a:lumMod val="60000"/>
+                        <a:lumOff val="40000"/>
+                      </a:schemeClr>
+                    </a:gs>
+                    <a:gs pos="87000">
+                      <a:schemeClr val="accent4">
+                        <a:lumMod val="20000"/>
+                        <a:lumOff val="80000"/>
+                      </a:schemeClr>
+                    </a:gs>
+                  </a:gsLst>
+                  <a:lin ang="5400000"/>
+                </a:gradFill>
+                <a:effectLst/>
+              </a:rPr>
+              <a:t>情況</a:t>
+            </a:r>
+          </a:p>
+        </p:txBody>
+      </p:sp>
+    </p:spTree>
+    <p:extLst>
+      <p:ext uri="{BB962C8B-B14F-4D97-AF65-F5344CB8AC3E}">
+        <p14:creationId xmlns:p14="http://schemas.microsoft.com/office/powerpoint/2010/main" val="3470351545"/>
+      </p:ext>
+    </p:extLst>
+  </p:cSld>
+  <p:clrMapOvr>
+    <a:masterClrMapping/>
+  </p:clrMapOvr>
+</p:sld>
+</file>
+
+<file path=ppt/slides/slide11.xml><?xml version="1.0" encoding="utf-8"?>
+<p:sld xmlns:a="http://schemas.openxmlformats.org/drawingml/2006/main" xmlns:r="http://schemas.openxmlformats.org/officeDocument/2006/relationships" xmlns:p="http://schemas.openxmlformats.org/presentationml/2006/main">
+  <p:cSld>
+    <p:spTree>
+      <p:nvGrpSpPr>
+        <p:cNvPr id="1" name=""/>
+        <p:cNvGrpSpPr/>
+        <p:nvPr/>
+      </p:nvGrpSpPr>
+      <p:grpSpPr>
+        <a:xfrm>
+          <a:off x="0" y="0"/>
+          <a:ext cx="0" cy="0"/>
+          <a:chOff x="0" y="0"/>
+          <a:chExt cx="0" cy="0"/>
+        </a:xfrm>
+      </p:grpSpPr>
+      <p:sp>
+        <p:nvSpPr>
+          <p:cNvPr id="2" name="標題 1">
+            <a:extLst>
+              <a:ext uri="{FF2B5EF4-FFF2-40B4-BE49-F238E27FC236}">
+                <a16:creationId xmlns:a16="http://schemas.microsoft.com/office/drawing/2014/main" id="{62772E60-81E7-40EB-908B-EA196CC44844}"/>
+              </a:ext>
+            </a:extLst>
+          </p:cNvPr>
+          <p:cNvSpPr>
+            <a:spLocks noGrp="1"/>
+          </p:cNvSpPr>
+          <p:nvPr>
+            <p:ph type="title"/>
+          </p:nvPr>
+        </p:nvSpPr>
+        <p:spPr/>
+        <p:txBody>
+          <a:bodyPr/>
+          <a:lstStyle/>
+          <a:p>
+            <a:endParaRPr lang="zh-TW" altLang="en-US"/>
+          </a:p>
+        </p:txBody>
+      </p:sp>
+      <p:pic>
+        <p:nvPicPr>
+          <p:cNvPr id="5" name="內容版面配置區 4">
+            <a:extLst>
+              <a:ext uri="{FF2B5EF4-FFF2-40B4-BE49-F238E27FC236}">
+                <a16:creationId xmlns:a16="http://schemas.microsoft.com/office/drawing/2014/main" id="{88151EC9-CFDD-47B9-998B-B667E7C17399}"/>
+              </a:ext>
+            </a:extLst>
+          </p:cNvPr>
+          <p:cNvPicPr>
+            <a:picLocks noGrp="1" noChangeAspect="1"/>
+          </p:cNvPicPr>
+          <p:nvPr>
+            <p:ph idx="1"/>
+          </p:nvPr>
+        </p:nvPicPr>
+        <p:blipFill>
+          <a:blip r:embed="rId2">
+            <a:extLst>
+              <a:ext uri="{28A0092B-C50C-407E-A947-70E740481C1C}">
+                <a14:useLocalDpi xmlns:a14="http://schemas.microsoft.com/office/drawing/2010/main" val="0"/>
+              </a:ext>
+            </a:extLst>
+          </a:blip>
+          <a:stretch>
+            <a:fillRect/>
+          </a:stretch>
+        </p:blipFill>
+        <p:spPr>
+          <a:xfrm>
+            <a:off x="2280111" y="617984"/>
+            <a:ext cx="7631777" cy="5622032"/>
+          </a:xfrm>
+        </p:spPr>
+      </p:pic>
+    </p:spTree>
+    <p:extLst>
+      <p:ext uri="{BB962C8B-B14F-4D97-AF65-F5344CB8AC3E}">
+        <p14:creationId xmlns:p14="http://schemas.microsoft.com/office/powerpoint/2010/main" val="668977519"/>
+      </p:ext>
+    </p:extLst>
+  </p:cSld>
+  <p:clrMapOvr>
+    <a:masterClrMapping/>
+  </p:clrMapOvr>
+</p:sld>
+</file>
+
+<file path=ppt/slides/slide12.xml><?xml version="1.0" encoding="utf-8"?>
+<p:sld xmlns:a="http://schemas.openxmlformats.org/drawingml/2006/main" xmlns:r="http://schemas.openxmlformats.org/officeDocument/2006/relationships" xmlns:p="http://schemas.openxmlformats.org/presentationml/2006/main">
+  <p:cSld>
+    <p:spTree>
+      <p:nvGrpSpPr>
+        <p:cNvPr id="1" name=""/>
+        <p:cNvGrpSpPr/>
+        <p:nvPr/>
+      </p:nvGrpSpPr>
+      <p:grpSpPr>
+        <a:xfrm>
+          <a:off x="0" y="0"/>
+          <a:ext cx="0" cy="0"/>
+          <a:chOff x="0" y="0"/>
+          <a:chExt cx="0" cy="0"/>
+        </a:xfrm>
+      </p:grpSpPr>
+      <p:sp>
+        <p:nvSpPr>
+          <p:cNvPr id="2" name="標題 1">
+            <a:extLst>
+              <a:ext uri="{FF2B5EF4-FFF2-40B4-BE49-F238E27FC236}">
+                <a16:creationId xmlns:a16="http://schemas.microsoft.com/office/drawing/2014/main" id="{ACE3966F-F2CD-4E29-9740-B09FAE31A8C4}"/>
+              </a:ext>
+            </a:extLst>
+          </p:cNvPr>
+          <p:cNvSpPr>
+            <a:spLocks noGrp="1"/>
+          </p:cNvSpPr>
+          <p:nvPr>
+            <p:ph type="title"/>
+          </p:nvPr>
+        </p:nvSpPr>
+        <p:spPr/>
+        <p:txBody>
+          <a:bodyPr/>
+          <a:lstStyle/>
+          <a:p>
+            <a:pPr algn="ctr"/>
+            <a:r>
+              <a:rPr lang="zh-TW" altLang="en-US" dirty="0"/>
+              <a:t>練習二</a:t>
+            </a:r>
+            <a:r>
+              <a:rPr lang="en-US" altLang="zh-TW" dirty="0"/>
+              <a:t>-  </a:t>
+            </a:r>
+            <a:r>
+              <a:rPr lang="zh-TW" altLang="en-US" dirty="0"/>
+              <a:t>費氏數列</a:t>
+            </a:r>
+          </a:p>
+        </p:txBody>
+      </p:sp>
+      <p:sp>
+        <p:nvSpPr>
+          <p:cNvPr id="3" name="內容版面配置區 2">
+            <a:extLst>
+              <a:ext uri="{FF2B5EF4-FFF2-40B4-BE49-F238E27FC236}">
+                <a16:creationId xmlns:a16="http://schemas.microsoft.com/office/drawing/2014/main" id="{1DB8D199-56E5-47F0-BCE3-49A854384477}"/>
+              </a:ext>
+            </a:extLst>
+          </p:cNvPr>
+          <p:cNvSpPr>
+            <a:spLocks noGrp="1"/>
+          </p:cNvSpPr>
+          <p:nvPr>
+            <p:ph idx="1"/>
+          </p:nvPr>
+        </p:nvSpPr>
+        <p:spPr>
+          <a:xfrm>
+            <a:off x="838200" y="1825625"/>
+            <a:ext cx="11353800" cy="4351338"/>
+          </a:xfrm>
+        </p:spPr>
+        <p:txBody>
+          <a:bodyPr>
+            <a:normAutofit/>
+          </a:bodyPr>
+          <a:lstStyle/>
+          <a:p>
+            <a:r>
+              <a:rPr lang="zh-TW" altLang="en-US" sz="3600" dirty="0"/>
+              <a:t>寫一函式，計算費氏數列第</a:t>
+            </a:r>
+            <a:r>
+              <a:rPr lang="en-US" altLang="zh-TW" sz="3600" dirty="0"/>
+              <a:t>n</a:t>
+            </a:r>
+            <a:r>
+              <a:rPr lang="zh-TW" altLang="en-US" sz="3600" dirty="0"/>
+              <a:t>個數的值</a:t>
+            </a:r>
+            <a:endParaRPr lang="en-US" altLang="zh-TW" sz="3600" dirty="0"/>
+          </a:p>
+          <a:p>
+            <a:pPr marL="0" indent="0">
+              <a:buNone/>
+            </a:pPr>
+            <a:r>
+              <a:rPr lang="en-US" altLang="zh-TW" dirty="0"/>
+              <a:t>1</a:t>
+            </a:r>
+            <a:r>
+              <a:rPr lang="zh-TW" altLang="en-US" dirty="0"/>
+              <a:t>、 </a:t>
+            </a:r>
+            <a:r>
+              <a:rPr lang="en-US" altLang="zh-TW" dirty="0"/>
+              <a:t>1</a:t>
+            </a:r>
+            <a:r>
+              <a:rPr lang="zh-TW" altLang="en-US" dirty="0"/>
+              <a:t>、 </a:t>
+            </a:r>
+            <a:r>
+              <a:rPr lang="en-US" altLang="zh-TW" dirty="0"/>
+              <a:t>2</a:t>
+            </a:r>
+            <a:r>
+              <a:rPr lang="zh-TW" altLang="en-US" dirty="0"/>
+              <a:t>、 </a:t>
+            </a:r>
+            <a:r>
+              <a:rPr lang="en-US" altLang="zh-TW" dirty="0"/>
+              <a:t>3</a:t>
+            </a:r>
+            <a:r>
+              <a:rPr lang="zh-TW" altLang="en-US" dirty="0"/>
+              <a:t>、 </a:t>
+            </a:r>
+            <a:r>
+              <a:rPr lang="en-US" altLang="zh-TW" dirty="0"/>
+              <a:t>5</a:t>
+            </a:r>
+            <a:r>
+              <a:rPr lang="zh-TW" altLang="en-US" dirty="0"/>
+              <a:t>、 </a:t>
+            </a:r>
+            <a:r>
+              <a:rPr lang="en-US" altLang="zh-TW" dirty="0"/>
+              <a:t>8</a:t>
+            </a:r>
+            <a:r>
+              <a:rPr lang="zh-TW" altLang="en-US" dirty="0"/>
+              <a:t>、 </a:t>
+            </a:r>
+            <a:r>
+              <a:rPr lang="en-US" altLang="zh-TW" dirty="0"/>
+              <a:t>13</a:t>
+            </a:r>
+            <a:r>
+              <a:rPr lang="zh-TW" altLang="en-US" dirty="0"/>
+              <a:t>、 </a:t>
+            </a:r>
+            <a:r>
+              <a:rPr lang="en-US" altLang="zh-TW" dirty="0"/>
+              <a:t>21</a:t>
+            </a:r>
+            <a:r>
+              <a:rPr lang="zh-TW" altLang="en-US" dirty="0"/>
+              <a:t>、 </a:t>
+            </a:r>
+            <a:r>
+              <a:rPr lang="en-US" altLang="zh-TW" dirty="0"/>
+              <a:t>34</a:t>
+            </a:r>
+            <a:r>
+              <a:rPr lang="zh-TW" altLang="en-US" dirty="0"/>
+              <a:t>、 </a:t>
+            </a:r>
+            <a:r>
+              <a:rPr lang="en-US" altLang="zh-TW" dirty="0"/>
+              <a:t>55</a:t>
+            </a:r>
+            <a:r>
+              <a:rPr lang="zh-TW" altLang="en-US" dirty="0"/>
+              <a:t>、 </a:t>
+            </a:r>
+            <a:r>
+              <a:rPr lang="en-US" altLang="zh-TW" dirty="0"/>
+              <a:t>89</a:t>
+            </a:r>
+            <a:r>
+              <a:rPr lang="zh-TW" altLang="en-US" dirty="0"/>
+              <a:t>、 </a:t>
+            </a:r>
+            <a:r>
+              <a:rPr lang="en-US" altLang="zh-TW" dirty="0"/>
+              <a:t>144</a:t>
+            </a:r>
+            <a:r>
+              <a:rPr lang="zh-TW" altLang="en-US" dirty="0"/>
+              <a:t>、 </a:t>
+            </a:r>
+            <a:r>
+              <a:rPr lang="en-US" altLang="zh-TW" dirty="0"/>
+              <a:t>233</a:t>
+            </a:r>
+            <a:r>
+              <a:rPr lang="zh-TW" altLang="en-US" dirty="0"/>
+              <a:t>、 </a:t>
+            </a:r>
+            <a:r>
+              <a:rPr lang="en-US" altLang="zh-TW" dirty="0"/>
+              <a:t>377</a:t>
+            </a:r>
+            <a:endParaRPr lang="zh-TW" altLang="en-US" dirty="0"/>
+          </a:p>
+        </p:txBody>
+      </p:sp>
+      <p:sp>
+        <p:nvSpPr>
+          <p:cNvPr id="4" name="內容版面配置區 2">
+            <a:extLst>
+              <a:ext uri="{FF2B5EF4-FFF2-40B4-BE49-F238E27FC236}">
+                <a16:creationId xmlns:a16="http://schemas.microsoft.com/office/drawing/2014/main" id="{038D5773-4658-4502-90A6-76FE031C1735}"/>
+              </a:ext>
+            </a:extLst>
+          </p:cNvPr>
+          <p:cNvSpPr txBox="1">
+            <a:spLocks/>
+          </p:cNvSpPr>
+          <p:nvPr/>
+        </p:nvSpPr>
+        <p:spPr>
+          <a:xfrm>
+            <a:off x="1531776" y="3107029"/>
+            <a:ext cx="10515600" cy="4351338"/>
+          </a:xfrm>
+          <a:prstGeom prst="rect">
+            <a:avLst/>
+          </a:prstGeom>
+        </p:spPr>
+        <p:txBody>
+          <a:bodyPr vert="horz" lIns="91440" tIns="45720" rIns="91440" bIns="45720" rtlCol="0">
+            <a:normAutofit/>
+          </a:bodyPr>
+          <a:lstStyle>
+            <a:lvl1pPr marL="228600" indent="-228600" algn="l" defTabSz="914400" rtl="0" eaLnBrk="1" latinLnBrk="0" hangingPunct="1">
+              <a:lnSpc>
+                <a:spcPct val="90000"/>
+              </a:lnSpc>
+              <a:spcBef>
+                <a:spcPts val="1000"/>
+              </a:spcBef>
+              <a:buFont typeface="Arial" panose="020B0604020202020204" pitchFamily="34" charset="0"/>
+              <a:buChar char="•"/>
+              <a:defRPr sz="2800" kern="1200">
+                <a:solidFill>
+                  <a:schemeClr val="tx1"/>
+                </a:solidFill>
+                <a:latin typeface="+mn-lt"/>
+                <a:ea typeface="+mn-ea"/>
+                <a:cs typeface="+mn-cs"/>
+              </a:defRPr>
+            </a:lvl1pPr>
+            <a:lvl2pPr marL="685800" indent="-228600" algn="l" defTabSz="914400" rtl="0" eaLnBrk="1" latinLnBrk="0" hangingPunct="1">
+              <a:lnSpc>
+                <a:spcPct val="90000"/>
+              </a:lnSpc>
+              <a:spcBef>
+                <a:spcPts val="500"/>
+              </a:spcBef>
+              <a:buFont typeface="Arial" panose="020B0604020202020204" pitchFamily="34" charset="0"/>
+              <a:buChar char="•"/>
+              <a:defRPr sz="2400" kern="1200">
+                <a:solidFill>
+                  <a:schemeClr val="tx1"/>
+                </a:solidFill>
+                <a:latin typeface="+mn-lt"/>
+                <a:ea typeface="+mn-ea"/>
+                <a:cs typeface="+mn-cs"/>
+              </a:defRPr>
+            </a:lvl2pPr>
+            <a:lvl3pPr marL="1143000" indent="-228600" algn="l" defTabSz="914400" rtl="0" eaLnBrk="1" latinLnBrk="0" hangingPunct="1">
+              <a:lnSpc>
+                <a:spcPct val="90000"/>
+              </a:lnSpc>
+              <a:spcBef>
+                <a:spcPts val="500"/>
+              </a:spcBef>
+              <a:buFont typeface="Arial" panose="020B0604020202020204" pitchFamily="34" charset="0"/>
+              <a:buChar char="•"/>
+              <a:defRPr sz="2000" kern="1200">
+                <a:solidFill>
+                  <a:schemeClr val="tx1"/>
+                </a:solidFill>
+                <a:latin typeface="+mn-lt"/>
+                <a:ea typeface="+mn-ea"/>
+                <a:cs typeface="+mn-cs"/>
+              </a:defRPr>
+            </a:lvl3pPr>
+            <a:lvl4pPr marL="1600200" indent="-228600" algn="l" defTabSz="914400" rtl="0" eaLnBrk="1" latinLnBrk="0" hangingPunct="1">
+              <a:lnSpc>
+                <a:spcPct val="90000"/>
+              </a:lnSpc>
+              <a:spcBef>
+                <a:spcPts val="500"/>
+              </a:spcBef>
+              <a:buFont typeface="Arial" panose="020B0604020202020204" pitchFamily="34" charset="0"/>
+              <a:buChar char="•"/>
+              <a:defRPr sz="1800" kern="1200">
+                <a:solidFill>
+                  <a:schemeClr val="tx1"/>
+                </a:solidFill>
+                <a:latin typeface="+mn-lt"/>
+                <a:ea typeface="+mn-ea"/>
+                <a:cs typeface="+mn-cs"/>
+              </a:defRPr>
+            </a:lvl4pPr>
+            <a:lvl5pPr marL="2057400" indent="-228600" algn="l" defTabSz="914400" rtl="0" eaLnBrk="1" latinLnBrk="0" hangingPunct="1">
+              <a:lnSpc>
+                <a:spcPct val="90000"/>
+              </a:lnSpc>
+              <a:spcBef>
+                <a:spcPts val="500"/>
+              </a:spcBef>
+              <a:buFont typeface="Arial" panose="020B0604020202020204" pitchFamily="34" charset="0"/>
+              <a:buChar char="•"/>
+              <a:defRPr sz="1800" kern="1200">
+                <a:solidFill>
+                  <a:schemeClr val="tx1"/>
+                </a:solidFill>
+                <a:latin typeface="+mn-lt"/>
+                <a:ea typeface="+mn-ea"/>
+                <a:cs typeface="+mn-cs"/>
+              </a:defRPr>
+            </a:lvl5pPr>
+            <a:lvl6pPr marL="2514600" indent="-228600" algn="l" defTabSz="914400" rtl="0" eaLnBrk="1" latinLnBrk="0" hangingPunct="1">
+              <a:lnSpc>
+                <a:spcPct val="90000"/>
+              </a:lnSpc>
+              <a:spcBef>
+                <a:spcPts val="500"/>
+              </a:spcBef>
+              <a:buFont typeface="Arial" panose="020B0604020202020204" pitchFamily="34" charset="0"/>
+              <a:buChar char="•"/>
+              <a:defRPr sz="1800" kern="1200">
+                <a:solidFill>
+                  <a:schemeClr val="tx1"/>
+                </a:solidFill>
+                <a:latin typeface="+mn-lt"/>
+                <a:ea typeface="+mn-ea"/>
+                <a:cs typeface="+mn-cs"/>
+              </a:defRPr>
+            </a:lvl6pPr>
+            <a:lvl7pPr marL="2971800" indent="-228600" algn="l" defTabSz="914400" rtl="0" eaLnBrk="1" latinLnBrk="0" hangingPunct="1">
+              <a:lnSpc>
+                <a:spcPct val="90000"/>
+              </a:lnSpc>
+              <a:spcBef>
+                <a:spcPts val="500"/>
+              </a:spcBef>
+              <a:buFont typeface="Arial" panose="020B0604020202020204" pitchFamily="34" charset="0"/>
+              <a:buChar char="•"/>
+              <a:defRPr sz="1800" kern="1200">
+                <a:solidFill>
+                  <a:schemeClr val="tx1"/>
+                </a:solidFill>
+                <a:latin typeface="+mn-lt"/>
+                <a:ea typeface="+mn-ea"/>
+                <a:cs typeface="+mn-cs"/>
+              </a:defRPr>
+            </a:lvl7pPr>
+            <a:lvl8pPr marL="3429000" indent="-228600" algn="l" defTabSz="914400" rtl="0" eaLnBrk="1" latinLnBrk="0" hangingPunct="1">
+              <a:lnSpc>
+                <a:spcPct val="90000"/>
+              </a:lnSpc>
+              <a:spcBef>
+                <a:spcPts val="500"/>
+              </a:spcBef>
+              <a:buFont typeface="Arial" panose="020B0604020202020204" pitchFamily="34" charset="0"/>
+              <a:buChar char="•"/>
+              <a:defRPr sz="1800" kern="1200">
+                <a:solidFill>
+                  <a:schemeClr val="tx1"/>
+                </a:solidFill>
+                <a:latin typeface="+mn-lt"/>
+                <a:ea typeface="+mn-ea"/>
+                <a:cs typeface="+mn-cs"/>
+              </a:defRPr>
+            </a:lvl8pPr>
+            <a:lvl9pPr marL="3886200" indent="-228600" algn="l" defTabSz="914400" rtl="0" eaLnBrk="1" latinLnBrk="0" hangingPunct="1">
+              <a:lnSpc>
+                <a:spcPct val="90000"/>
+              </a:lnSpc>
+              <a:spcBef>
+                <a:spcPts val="500"/>
+              </a:spcBef>
+              <a:buFont typeface="Arial" panose="020B0604020202020204" pitchFamily="34" charset="0"/>
+              <a:buChar char="•"/>
+              <a:defRPr sz="1800" kern="1200">
+                <a:solidFill>
+                  <a:schemeClr val="tx1"/>
+                </a:solidFill>
+                <a:latin typeface="+mn-lt"/>
+                <a:ea typeface="+mn-ea"/>
+                <a:cs typeface="+mn-cs"/>
+              </a:defRPr>
+            </a:lvl9pPr>
+          </a:lstStyle>
+          <a:p>
+            <a:pPr marL="1371600" lvl="3" indent="0">
+              <a:buFont typeface="Arial" panose="020B0604020202020204" pitchFamily="34" charset="0"/>
+              <a:buNone/>
+            </a:pPr>
+            <a:r>
+              <a:rPr lang="en-US" altLang="zh-TW" sz="5400" dirty="0"/>
+              <a:t>			</a:t>
+            </a:r>
+            <a:r>
+              <a:rPr lang="en-US" altLang="zh-TW" sz="4400" dirty="0"/>
+              <a:t>1				n = 1</a:t>
+            </a:r>
+          </a:p>
+          <a:p>
+            <a:pPr marL="0" indent="0">
+              <a:buNone/>
+            </a:pPr>
+            <a:r>
+              <a:rPr lang="en-US" altLang="zh-TW" sz="4400" dirty="0"/>
+              <a:t>f(n)</a:t>
+            </a:r>
+            <a:r>
+              <a:rPr lang="zh-TW" altLang="en-US" sz="4400" dirty="0"/>
+              <a:t> </a:t>
+            </a:r>
+            <a:r>
+              <a:rPr lang="en-US" altLang="zh-TW" sz="4400" dirty="0"/>
+              <a:t>=</a:t>
+            </a:r>
+            <a:r>
+              <a:rPr lang="zh-TW" altLang="en-US" sz="4400" dirty="0"/>
+              <a:t> </a:t>
+            </a:r>
+            <a:r>
+              <a:rPr lang="en-US" altLang="zh-TW" sz="4400" dirty="0"/>
+              <a:t>{			 1				n = 2</a:t>
+            </a:r>
+          </a:p>
+          <a:p>
+            <a:pPr marL="1371600" lvl="3" indent="0">
+              <a:buFont typeface="Arial" panose="020B0604020202020204" pitchFamily="34" charset="0"/>
+              <a:buNone/>
+            </a:pPr>
+            <a:r>
+              <a:rPr lang="en-US" altLang="zh-TW" sz="4400" dirty="0"/>
+              <a:t>			f(n-1)+f(n-2)	n &gt;= 3</a:t>
+            </a:r>
+            <a:endParaRPr lang="zh-TW" altLang="en-US" sz="4400" dirty="0"/>
+          </a:p>
+        </p:txBody>
+      </p:sp>
+    </p:spTree>
+    <p:extLst>
+      <p:ext uri="{BB962C8B-B14F-4D97-AF65-F5344CB8AC3E}">
+        <p14:creationId xmlns:p14="http://schemas.microsoft.com/office/powerpoint/2010/main" val="3344962668"/>
+      </p:ext>
+    </p:extLst>
+  </p:cSld>
+  <p:clrMapOvr>
+    <a:masterClrMapping/>
+  </p:clrMapOvr>
+</p:sld>
+</file>
+
+<file path=ppt/slides/slide13.xml><?xml version="1.0" encoding="utf-8"?>
+<p:sld xmlns:a="http://schemas.openxmlformats.org/drawingml/2006/main" xmlns:r="http://schemas.openxmlformats.org/officeDocument/2006/relationships" xmlns:p="http://schemas.openxmlformats.org/presentationml/2006/main">
+  <p:cSld>
+    <p:spTree>
+      <p:nvGrpSpPr>
+        <p:cNvPr id="1" name=""/>
+        <p:cNvGrpSpPr/>
+        <p:nvPr/>
+      </p:nvGrpSpPr>
+      <p:grpSpPr>
+        <a:xfrm>
+          <a:off x="0" y="0"/>
+          <a:ext cx="0" cy="0"/>
+          <a:chOff x="0" y="0"/>
+          <a:chExt cx="0" cy="0"/>
+        </a:xfrm>
+      </p:grpSpPr>
+      <p:sp>
+        <p:nvSpPr>
+          <p:cNvPr id="2" name="標題 1">
+            <a:extLst>
+              <a:ext uri="{FF2B5EF4-FFF2-40B4-BE49-F238E27FC236}">
+                <a16:creationId xmlns:a16="http://schemas.microsoft.com/office/drawing/2014/main" id="{32CEF628-9F2E-45C4-B0F9-72E022CB8DD9}"/>
+              </a:ext>
+            </a:extLst>
+          </p:cNvPr>
+          <p:cNvSpPr>
+            <a:spLocks noGrp="1"/>
+          </p:cNvSpPr>
+          <p:nvPr>
+            <p:ph type="title"/>
+          </p:nvPr>
+        </p:nvSpPr>
+        <p:spPr/>
+        <p:txBody>
+          <a:bodyPr/>
+          <a:lstStyle/>
+          <a:p>
+            <a:endParaRPr lang="zh-TW" altLang="en-US"/>
+          </a:p>
+        </p:txBody>
+      </p:sp>
+      <p:pic>
+        <p:nvPicPr>
+          <p:cNvPr id="5" name="內容版面配置區 4">
+            <a:extLst>
+              <a:ext uri="{FF2B5EF4-FFF2-40B4-BE49-F238E27FC236}">
+                <a16:creationId xmlns:a16="http://schemas.microsoft.com/office/drawing/2014/main" id="{5EE141D9-F011-45D7-B2EB-7E661434D47E}"/>
+              </a:ext>
+            </a:extLst>
+          </p:cNvPr>
+          <p:cNvPicPr>
+            <a:picLocks noGrp="1" noChangeAspect="1"/>
+          </p:cNvPicPr>
+          <p:nvPr>
+            <p:ph idx="1"/>
+          </p:nvPr>
+        </p:nvPicPr>
+        <p:blipFill>
+          <a:blip r:embed="rId2">
+            <a:extLst>
+              <a:ext uri="{28A0092B-C50C-407E-A947-70E740481C1C}">
+                <a14:useLocalDpi xmlns:a14="http://schemas.microsoft.com/office/drawing/2010/main" val="0"/>
+              </a:ext>
+            </a:extLst>
+          </a:blip>
+          <a:stretch>
+            <a:fillRect/>
+          </a:stretch>
+        </p:blipFill>
+        <p:spPr>
+          <a:xfrm>
+            <a:off x="396497" y="999914"/>
+            <a:ext cx="11639993" cy="4523149"/>
+          </a:xfrm>
+        </p:spPr>
+      </p:pic>
+    </p:spTree>
+    <p:extLst>
+      <p:ext uri="{BB962C8B-B14F-4D97-AF65-F5344CB8AC3E}">
+        <p14:creationId xmlns:p14="http://schemas.microsoft.com/office/powerpoint/2010/main" val="720462901"/>
+      </p:ext>
+    </p:extLst>
+  </p:cSld>
+  <p:clrMapOvr>
+    <a:masterClrMapping/>
+  </p:clrMapOvr>
+</p:sld>
+</file>
+
+<file path=ppt/slides/slide14.xml><?xml version="1.0" encoding="utf-8"?>
+<p:sld xmlns:a="http://schemas.openxmlformats.org/drawingml/2006/main" xmlns:r="http://schemas.openxmlformats.org/officeDocument/2006/relationships" xmlns:p="http://schemas.openxmlformats.org/presentationml/2006/main">
+  <p:cSld>
+    <p:spTree>
+      <p:nvGrpSpPr>
+        <p:cNvPr id="1" name=""/>
+        <p:cNvGrpSpPr/>
+        <p:nvPr/>
+      </p:nvGrpSpPr>
+      <p:grpSpPr>
+        <a:xfrm>
+          <a:off x="0" y="0"/>
+          <a:ext cx="0" cy="0"/>
+          <a:chOff x="0" y="0"/>
+          <a:chExt cx="0" cy="0"/>
+        </a:xfrm>
+      </p:grpSpPr>
+      <p:sp>
+        <p:nvSpPr>
+          <p:cNvPr id="2" name="標題 1">
+            <a:extLst>
+              <a:ext uri="{FF2B5EF4-FFF2-40B4-BE49-F238E27FC236}">
+                <a16:creationId xmlns:a16="http://schemas.microsoft.com/office/drawing/2014/main" id="{93160251-5558-48AD-BE87-A69B39B41CCB}"/>
+              </a:ext>
+            </a:extLst>
+          </p:cNvPr>
+          <p:cNvSpPr>
+            <a:spLocks noGrp="1"/>
+          </p:cNvSpPr>
+          <p:nvPr>
+            <p:ph type="title"/>
+          </p:nvPr>
+        </p:nvSpPr>
+        <p:spPr/>
+        <p:txBody>
+          <a:bodyPr/>
+          <a:lstStyle/>
+          <a:p>
+            <a:pPr algn="ctr"/>
+            <a:r>
+              <a:rPr lang="zh-TW" altLang="en-US" dirty="0"/>
+              <a:t>練習三</a:t>
+            </a:r>
+          </a:p>
+        </p:txBody>
+      </p:sp>
+      <p:sp>
+        <p:nvSpPr>
+          <p:cNvPr id="3" name="內容版面配置區 2">
+            <a:extLst>
+              <a:ext uri="{FF2B5EF4-FFF2-40B4-BE49-F238E27FC236}">
+                <a16:creationId xmlns:a16="http://schemas.microsoft.com/office/drawing/2014/main" id="{08EB39D6-C873-463B-9445-B2584EA19E26}"/>
+              </a:ext>
+            </a:extLst>
+          </p:cNvPr>
+          <p:cNvSpPr>
+            <a:spLocks noGrp="1"/>
+          </p:cNvSpPr>
+          <p:nvPr>
+            <p:ph idx="1"/>
+          </p:nvPr>
+        </p:nvSpPr>
+        <p:spPr/>
+        <p:txBody>
+          <a:bodyPr/>
+          <a:lstStyle/>
+          <a:p>
+            <a:r>
+              <a:rPr lang="zh-TW" altLang="en-US" dirty="0"/>
+              <a:t>寫一函式，回傳兩數的最大公因數。</a:t>
+            </a:r>
+          </a:p>
+        </p:txBody>
+      </p:sp>
+      <p:sp>
+        <p:nvSpPr>
+          <p:cNvPr id="4" name="內容版面配置區 2">
+            <a:extLst>
+              <a:ext uri="{FF2B5EF4-FFF2-40B4-BE49-F238E27FC236}">
+                <a16:creationId xmlns:a16="http://schemas.microsoft.com/office/drawing/2014/main" id="{EF23D3D6-847D-4264-872D-F3E906F41264}"/>
+              </a:ext>
+            </a:extLst>
+          </p:cNvPr>
+          <p:cNvSpPr txBox="1">
+            <a:spLocks/>
+          </p:cNvSpPr>
+          <p:nvPr/>
+        </p:nvSpPr>
+        <p:spPr>
+          <a:xfrm>
+            <a:off x="1531776" y="3107029"/>
+            <a:ext cx="10515600" cy="4351338"/>
+          </a:xfrm>
+          <a:prstGeom prst="rect">
+            <a:avLst/>
+          </a:prstGeom>
+        </p:spPr>
+        <p:txBody>
+          <a:bodyPr vert="horz" lIns="91440" tIns="45720" rIns="91440" bIns="45720" rtlCol="0">
+            <a:normAutofit/>
+          </a:bodyPr>
+          <a:lstStyle>
+            <a:lvl1pPr marL="228600" indent="-228600" algn="l" defTabSz="914400" rtl="0" eaLnBrk="1" latinLnBrk="0" hangingPunct="1">
+              <a:lnSpc>
+                <a:spcPct val="90000"/>
+              </a:lnSpc>
+              <a:spcBef>
+                <a:spcPts val="1000"/>
+              </a:spcBef>
+              <a:buFont typeface="Arial" panose="020B0604020202020204" pitchFamily="34" charset="0"/>
+              <a:buChar char="•"/>
+              <a:defRPr sz="2800" kern="1200">
+                <a:solidFill>
+                  <a:schemeClr val="tx1"/>
+                </a:solidFill>
+                <a:latin typeface="+mn-lt"/>
+                <a:ea typeface="+mn-ea"/>
+                <a:cs typeface="+mn-cs"/>
+              </a:defRPr>
+            </a:lvl1pPr>
+            <a:lvl2pPr marL="685800" indent="-228600" algn="l" defTabSz="914400" rtl="0" eaLnBrk="1" latinLnBrk="0" hangingPunct="1">
+              <a:lnSpc>
+                <a:spcPct val="90000"/>
+              </a:lnSpc>
+              <a:spcBef>
+                <a:spcPts val="500"/>
+              </a:spcBef>
+              <a:buFont typeface="Arial" panose="020B0604020202020204" pitchFamily="34" charset="0"/>
+              <a:buChar char="•"/>
+              <a:defRPr sz="2400" kern="1200">
+                <a:solidFill>
+                  <a:schemeClr val="tx1"/>
+                </a:solidFill>
+                <a:latin typeface="+mn-lt"/>
+                <a:ea typeface="+mn-ea"/>
+                <a:cs typeface="+mn-cs"/>
+              </a:defRPr>
+            </a:lvl2pPr>
+            <a:lvl3pPr marL="1143000" indent="-228600" algn="l" defTabSz="914400" rtl="0" eaLnBrk="1" latinLnBrk="0" hangingPunct="1">
+              <a:lnSpc>
+                <a:spcPct val="90000"/>
+              </a:lnSpc>
+              <a:spcBef>
+                <a:spcPts val="500"/>
+              </a:spcBef>
+              <a:buFont typeface="Arial" panose="020B0604020202020204" pitchFamily="34" charset="0"/>
+              <a:buChar char="•"/>
+              <a:defRPr sz="2000" kern="1200">
+                <a:solidFill>
+                  <a:schemeClr val="tx1"/>
+                </a:solidFill>
+                <a:latin typeface="+mn-lt"/>
+                <a:ea typeface="+mn-ea"/>
+                <a:cs typeface="+mn-cs"/>
+              </a:defRPr>
+            </a:lvl3pPr>
+            <a:lvl4pPr marL="1600200" indent="-228600" algn="l" defTabSz="914400" rtl="0" eaLnBrk="1" latinLnBrk="0" hangingPunct="1">
+              <a:lnSpc>
+                <a:spcPct val="90000"/>
+              </a:lnSpc>
+              <a:spcBef>
+                <a:spcPts val="500"/>
+              </a:spcBef>
+              <a:buFont typeface="Arial" panose="020B0604020202020204" pitchFamily="34" charset="0"/>
+              <a:buChar char="•"/>
+              <a:defRPr sz="1800" kern="1200">
+                <a:solidFill>
+                  <a:schemeClr val="tx1"/>
+                </a:solidFill>
+                <a:latin typeface="+mn-lt"/>
+                <a:ea typeface="+mn-ea"/>
+                <a:cs typeface="+mn-cs"/>
+              </a:defRPr>
+            </a:lvl4pPr>
+            <a:lvl5pPr marL="2057400" indent="-228600" algn="l" defTabSz="914400" rtl="0" eaLnBrk="1" latinLnBrk="0" hangingPunct="1">
+              <a:lnSpc>
+                <a:spcPct val="90000"/>
+              </a:lnSpc>
+              <a:spcBef>
+                <a:spcPts val="500"/>
+              </a:spcBef>
+              <a:buFont typeface="Arial" panose="020B0604020202020204" pitchFamily="34" charset="0"/>
+              <a:buChar char="•"/>
+              <a:defRPr sz="1800" kern="1200">
+                <a:solidFill>
+                  <a:schemeClr val="tx1"/>
+                </a:solidFill>
+                <a:latin typeface="+mn-lt"/>
+                <a:ea typeface="+mn-ea"/>
+                <a:cs typeface="+mn-cs"/>
+              </a:defRPr>
+            </a:lvl5pPr>
+            <a:lvl6pPr marL="2514600" indent="-228600" algn="l" defTabSz="914400" rtl="0" eaLnBrk="1" latinLnBrk="0" hangingPunct="1">
+              <a:lnSpc>
+                <a:spcPct val="90000"/>
+              </a:lnSpc>
+              <a:spcBef>
+                <a:spcPts val="500"/>
+              </a:spcBef>
+              <a:buFont typeface="Arial" panose="020B0604020202020204" pitchFamily="34" charset="0"/>
+              <a:buChar char="•"/>
+              <a:defRPr sz="1800" kern="1200">
+                <a:solidFill>
+                  <a:schemeClr val="tx1"/>
+                </a:solidFill>
+                <a:latin typeface="+mn-lt"/>
+                <a:ea typeface="+mn-ea"/>
+                <a:cs typeface="+mn-cs"/>
+              </a:defRPr>
+            </a:lvl6pPr>
+            <a:lvl7pPr marL="2971800" indent="-228600" algn="l" defTabSz="914400" rtl="0" eaLnBrk="1" latinLnBrk="0" hangingPunct="1">
+              <a:lnSpc>
+                <a:spcPct val="90000"/>
+              </a:lnSpc>
+              <a:spcBef>
+                <a:spcPts val="500"/>
+              </a:spcBef>
+              <a:buFont typeface="Arial" panose="020B0604020202020204" pitchFamily="34" charset="0"/>
+              <a:buChar char="•"/>
+              <a:defRPr sz="1800" kern="1200">
+                <a:solidFill>
+                  <a:schemeClr val="tx1"/>
+                </a:solidFill>
+                <a:latin typeface="+mn-lt"/>
+                <a:ea typeface="+mn-ea"/>
+                <a:cs typeface="+mn-cs"/>
+              </a:defRPr>
+            </a:lvl7pPr>
+            <a:lvl8pPr marL="3429000" indent="-228600" algn="l" defTabSz="914400" rtl="0" eaLnBrk="1" latinLnBrk="0" hangingPunct="1">
+              <a:lnSpc>
+                <a:spcPct val="90000"/>
+              </a:lnSpc>
+              <a:spcBef>
+                <a:spcPts val="500"/>
+              </a:spcBef>
+              <a:buFont typeface="Arial" panose="020B0604020202020204" pitchFamily="34" charset="0"/>
+              <a:buChar char="•"/>
+              <a:defRPr sz="1800" kern="1200">
+                <a:solidFill>
+                  <a:schemeClr val="tx1"/>
+                </a:solidFill>
+                <a:latin typeface="+mn-lt"/>
+                <a:ea typeface="+mn-ea"/>
+                <a:cs typeface="+mn-cs"/>
+              </a:defRPr>
+            </a:lvl8pPr>
+            <a:lvl9pPr marL="3886200" indent="-228600" algn="l" defTabSz="914400" rtl="0" eaLnBrk="1" latinLnBrk="0" hangingPunct="1">
+              <a:lnSpc>
+                <a:spcPct val="90000"/>
+              </a:lnSpc>
+              <a:spcBef>
+                <a:spcPts val="500"/>
+              </a:spcBef>
+              <a:buFont typeface="Arial" panose="020B0604020202020204" pitchFamily="34" charset="0"/>
+              <a:buChar char="•"/>
+              <a:defRPr sz="1800" kern="1200">
+                <a:solidFill>
+                  <a:schemeClr val="tx1"/>
+                </a:solidFill>
+                <a:latin typeface="+mn-lt"/>
+                <a:ea typeface="+mn-ea"/>
+                <a:cs typeface="+mn-cs"/>
+              </a:defRPr>
+            </a:lvl9pPr>
+          </a:lstStyle>
+          <a:p>
+            <a:pPr marL="1371600" lvl="3" indent="0">
+              <a:buFont typeface="Arial" panose="020B0604020202020204" pitchFamily="34" charset="0"/>
+              <a:buNone/>
+            </a:pPr>
+            <a:r>
+              <a:rPr lang="en-US" altLang="zh-TW" sz="5400" dirty="0"/>
+              <a:t>			</a:t>
+            </a:r>
+            <a:r>
+              <a:rPr lang="en-US" altLang="zh-TW" sz="4400" dirty="0"/>
+              <a:t>a				b = 0</a:t>
+            </a:r>
+          </a:p>
+          <a:p>
+            <a:pPr marL="0" indent="0">
+              <a:buFont typeface="Arial" panose="020B0604020202020204" pitchFamily="34" charset="0"/>
+              <a:buNone/>
+            </a:pPr>
+            <a:r>
+              <a:rPr lang="en-US" altLang="zh-TW" sz="4400" dirty="0" err="1"/>
+              <a:t>gcd</a:t>
+            </a:r>
+            <a:r>
+              <a:rPr lang="en-US" altLang="zh-TW" sz="4400" dirty="0"/>
+              <a:t>(a, b)</a:t>
+            </a:r>
+            <a:r>
+              <a:rPr lang="zh-TW" altLang="en-US" sz="4400" dirty="0"/>
+              <a:t> </a:t>
+            </a:r>
+            <a:r>
+              <a:rPr lang="en-US" altLang="zh-TW" sz="4400" dirty="0"/>
+              <a:t>=</a:t>
+            </a:r>
+            <a:r>
+              <a:rPr lang="zh-TW" altLang="en-US" sz="4400" dirty="0"/>
+              <a:t> </a:t>
+            </a:r>
+            <a:r>
+              <a:rPr lang="en-US" altLang="zh-TW" sz="4400" dirty="0"/>
+              <a:t>{</a:t>
+            </a:r>
+          </a:p>
+          <a:p>
+            <a:pPr marL="1371600" lvl="3" indent="0">
+              <a:buFont typeface="Arial" panose="020B0604020202020204" pitchFamily="34" charset="0"/>
+              <a:buNone/>
+            </a:pPr>
+            <a:r>
+              <a:rPr lang="en-US" altLang="zh-TW" sz="4400" dirty="0"/>
+              <a:t>			</a:t>
+            </a:r>
+            <a:r>
+              <a:rPr lang="en-US" altLang="zh-TW" sz="4400" dirty="0" err="1"/>
+              <a:t>gcd</a:t>
+            </a:r>
+            <a:r>
+              <a:rPr lang="en-US" altLang="zh-TW" sz="4400" dirty="0"/>
+              <a:t>(b, </a:t>
+            </a:r>
+            <a:r>
+              <a:rPr lang="en-US" altLang="zh-TW" sz="4400" dirty="0" err="1"/>
+              <a:t>a%b</a:t>
+            </a:r>
+            <a:r>
+              <a:rPr lang="en-US" altLang="zh-TW" sz="4400" dirty="0"/>
+              <a:t>)		b != 0</a:t>
+            </a:r>
+            <a:endParaRPr lang="zh-TW" altLang="en-US" sz="4400" dirty="0"/>
+          </a:p>
+        </p:txBody>
+      </p:sp>
+    </p:spTree>
+    <p:extLst>
+      <p:ext uri="{BB962C8B-B14F-4D97-AF65-F5344CB8AC3E}">
+        <p14:creationId xmlns:p14="http://schemas.microsoft.com/office/powerpoint/2010/main" val="309989631"/>
+      </p:ext>
+    </p:extLst>
+  </p:cSld>
+  <p:clrMapOvr>
+    <a:masterClrMapping/>
+  </p:clrMapOvr>
+</p:sld>
+</file>
+
+<file path=ppt/slides/slide15.xml><?xml version="1.0" encoding="utf-8"?>
+<p:sld xmlns:a="http://schemas.openxmlformats.org/drawingml/2006/main" xmlns:r="http://schemas.openxmlformats.org/officeDocument/2006/relationships" xmlns:p="http://schemas.openxmlformats.org/presentationml/2006/main">
+  <p:cSld>
+    <p:spTree>
+      <p:nvGrpSpPr>
+        <p:cNvPr id="1" name=""/>
+        <p:cNvGrpSpPr/>
+        <p:nvPr/>
+      </p:nvGrpSpPr>
+      <p:grpSpPr>
+        <a:xfrm>
+          <a:off x="0" y="0"/>
+          <a:ext cx="0" cy="0"/>
+          <a:chOff x="0" y="0"/>
+          <a:chExt cx="0" cy="0"/>
+        </a:xfrm>
+      </p:grpSpPr>
+      <p:sp>
+        <p:nvSpPr>
+          <p:cNvPr id="2" name="標題 1">
+            <a:extLst>
+              <a:ext uri="{FF2B5EF4-FFF2-40B4-BE49-F238E27FC236}">
+                <a16:creationId xmlns:a16="http://schemas.microsoft.com/office/drawing/2014/main" id="{E787F75B-F734-4198-B703-FADEBFDC640A}"/>
+              </a:ext>
+            </a:extLst>
+          </p:cNvPr>
+          <p:cNvSpPr>
+            <a:spLocks noGrp="1"/>
+          </p:cNvSpPr>
+          <p:nvPr>
+            <p:ph type="title"/>
+          </p:nvPr>
+        </p:nvSpPr>
+        <p:spPr/>
+        <p:txBody>
+          <a:bodyPr/>
+          <a:lstStyle/>
+          <a:p>
+            <a:endParaRPr lang="zh-TW" altLang="en-US"/>
+          </a:p>
+        </p:txBody>
+      </p:sp>
+      <p:pic>
+        <p:nvPicPr>
+          <p:cNvPr id="5" name="內容版面配置區 4">
+            <a:extLst>
+              <a:ext uri="{FF2B5EF4-FFF2-40B4-BE49-F238E27FC236}">
+                <a16:creationId xmlns:a16="http://schemas.microsoft.com/office/drawing/2014/main" id="{8A2C12B3-092A-4A8A-9DF1-D43E5FDA6DC7}"/>
+              </a:ext>
+            </a:extLst>
+          </p:cNvPr>
+          <p:cNvPicPr>
+            <a:picLocks noGrp="1" noChangeAspect="1"/>
+          </p:cNvPicPr>
+          <p:nvPr>
+            <p:ph idx="1"/>
+          </p:nvPr>
+        </p:nvPicPr>
+        <p:blipFill>
+          <a:blip r:embed="rId2">
+            <a:extLst>
+              <a:ext uri="{28A0092B-C50C-407E-A947-70E740481C1C}">
+                <a14:useLocalDpi xmlns:a14="http://schemas.microsoft.com/office/drawing/2010/main" val="0"/>
+              </a:ext>
+            </a:extLst>
+          </a:blip>
+          <a:stretch>
+            <a:fillRect/>
+          </a:stretch>
+        </p:blipFill>
+        <p:spPr>
+          <a:xfrm>
+            <a:off x="2707340" y="909916"/>
+            <a:ext cx="6777320" cy="5373446"/>
+          </a:xfrm>
+        </p:spPr>
+      </p:pic>
+    </p:spTree>
+    <p:extLst>
+      <p:ext uri="{BB962C8B-B14F-4D97-AF65-F5344CB8AC3E}">
+        <p14:creationId xmlns:p14="http://schemas.microsoft.com/office/powerpoint/2010/main" val="3042645494"/>
+      </p:ext>
+    </p:extLst>
+  </p:cSld>
+  <p:clrMapOvr>
+    <a:masterClrMapping/>
+  </p:clrMapOvr>
+</p:sld>
+</file>
+
+<file path=ppt/slides/slide16.xml><?xml version="1.0" encoding="utf-8"?>
+<p:sld xmlns:a="http://schemas.openxmlformats.org/drawingml/2006/main" xmlns:r="http://schemas.openxmlformats.org/officeDocument/2006/relationships" xmlns:p="http://schemas.openxmlformats.org/presentationml/2006/main">
+  <p:cSld>
+    <p:spTree>
+      <p:nvGrpSpPr>
+        <p:cNvPr id="1" name=""/>
+        <p:cNvGrpSpPr/>
+        <p:nvPr/>
+      </p:nvGrpSpPr>
+      <p:grpSpPr>
+        <a:xfrm>
+          <a:off x="0" y="0"/>
+          <a:ext cx="0" cy="0"/>
+          <a:chOff x="0" y="0"/>
+          <a:chExt cx="0" cy="0"/>
+        </a:xfrm>
+      </p:grpSpPr>
+      <p:sp>
+        <p:nvSpPr>
+          <p:cNvPr id="2" name="標題 1">
+            <a:extLst>
+              <a:ext uri="{FF2B5EF4-FFF2-40B4-BE49-F238E27FC236}">
+                <a16:creationId xmlns:a16="http://schemas.microsoft.com/office/drawing/2014/main" id="{776EB20C-75A3-495F-B554-EC7A9E8E0342}"/>
+              </a:ext>
+            </a:extLst>
+          </p:cNvPr>
+          <p:cNvSpPr>
+            <a:spLocks noGrp="1"/>
+          </p:cNvSpPr>
+          <p:nvPr>
+            <p:ph type="title"/>
+          </p:nvPr>
+        </p:nvSpPr>
+        <p:spPr/>
+        <p:txBody>
+          <a:bodyPr/>
+          <a:lstStyle/>
+          <a:p>
+            <a:pPr algn="ctr"/>
+            <a:r>
+              <a:rPr lang="zh-TW" altLang="en-US" dirty="0"/>
+              <a:t>課堂練習</a:t>
+            </a:r>
+          </a:p>
+        </p:txBody>
+      </p:sp>
+      <p:sp>
+        <p:nvSpPr>
+          <p:cNvPr id="3" name="內容版面配置區 2">
+            <a:extLst>
+              <a:ext uri="{FF2B5EF4-FFF2-40B4-BE49-F238E27FC236}">
+                <a16:creationId xmlns:a16="http://schemas.microsoft.com/office/drawing/2014/main" id="{8A502779-E6A2-4E54-96CF-1210332C9FEC}"/>
+              </a:ext>
+            </a:extLst>
+          </p:cNvPr>
+          <p:cNvSpPr>
+            <a:spLocks noGrp="1"/>
+          </p:cNvSpPr>
+          <p:nvPr>
+            <p:ph idx="1"/>
+          </p:nvPr>
+        </p:nvSpPr>
+        <p:spPr/>
+        <p:txBody>
+          <a:bodyPr>
+            <a:normAutofit/>
+          </a:bodyPr>
+          <a:lstStyle/>
+          <a:p>
+            <a:r>
+              <a:rPr lang="zh-TW" altLang="en-US" dirty="0"/>
+              <a:t>假設你正在爬樓梯。需要爬 </a:t>
+            </a:r>
+            <a:r>
+              <a:rPr lang="en-US" altLang="zh-TW" dirty="0"/>
+              <a:t>n </a:t>
+            </a:r>
+            <a:r>
+              <a:rPr lang="zh-TW" altLang="en-US" dirty="0"/>
+              <a:t>階才能到達樓頂。你</a:t>
+            </a:r>
+            <a:r>
+              <a:rPr lang="zh-TW" altLang="en-US" dirty="0">
+                <a:solidFill>
+                  <a:schemeClr val="accent4">
+                    <a:lumMod val="60000"/>
+                    <a:lumOff val="40000"/>
+                  </a:schemeClr>
+                </a:solidFill>
+              </a:rPr>
+              <a:t>每次可以爬 </a:t>
+            </a:r>
+            <a:r>
+              <a:rPr lang="en-US" altLang="zh-TW" dirty="0">
+                <a:solidFill>
+                  <a:schemeClr val="accent4">
+                    <a:lumMod val="60000"/>
+                    <a:lumOff val="40000"/>
+                  </a:schemeClr>
+                </a:solidFill>
+              </a:rPr>
+              <a:t>1 </a:t>
+            </a:r>
+            <a:r>
+              <a:rPr lang="zh-TW" altLang="en-US" dirty="0">
+                <a:solidFill>
+                  <a:schemeClr val="accent4">
+                    <a:lumMod val="60000"/>
+                    <a:lumOff val="40000"/>
+                  </a:schemeClr>
+                </a:solidFill>
+              </a:rPr>
+              <a:t>或 </a:t>
+            </a:r>
+            <a:r>
+              <a:rPr lang="en-US" altLang="zh-TW" dirty="0">
+                <a:solidFill>
+                  <a:schemeClr val="accent4">
+                    <a:lumMod val="60000"/>
+                    <a:lumOff val="40000"/>
+                  </a:schemeClr>
+                </a:solidFill>
+              </a:rPr>
+              <a:t>2 </a:t>
+            </a:r>
+            <a:r>
+              <a:rPr lang="zh-TW" altLang="en-US" dirty="0">
+                <a:solidFill>
+                  <a:schemeClr val="accent4">
+                    <a:lumMod val="60000"/>
+                    <a:lumOff val="40000"/>
+                  </a:schemeClr>
+                </a:solidFill>
+              </a:rPr>
+              <a:t>個台階</a:t>
+            </a:r>
+            <a:r>
+              <a:rPr lang="zh-TW" altLang="en-US" dirty="0"/>
+              <a:t>。請問有多少種不同的方法可以爬到樓頂？</a:t>
+            </a:r>
+            <a:endParaRPr lang="en-US" altLang="zh-TW" dirty="0"/>
+          </a:p>
+          <a:p>
+            <a:endParaRPr lang="en-US" altLang="zh-TW" dirty="0"/>
+          </a:p>
+          <a:p>
+            <a:r>
+              <a:rPr lang="zh-TW" altLang="en-US" dirty="0"/>
+              <a:t>輸入： </a:t>
+            </a:r>
+            <a:r>
+              <a:rPr lang="en-US" altLang="zh-TW" dirty="0"/>
+              <a:t>3</a:t>
+            </a:r>
+          </a:p>
+          <a:p>
+            <a:r>
+              <a:rPr lang="zh-TW" altLang="en-US" dirty="0"/>
+              <a:t>輸出： </a:t>
+            </a:r>
+            <a:r>
+              <a:rPr lang="en-US" altLang="zh-TW" dirty="0"/>
+              <a:t>3</a:t>
+            </a:r>
+          </a:p>
+          <a:p>
+            <a:r>
+              <a:rPr lang="zh-TW" altLang="en-US" dirty="0"/>
+              <a:t>解釋： 有三種方法可以爬到樓頂。</a:t>
+            </a:r>
+            <a:endParaRPr lang="en-US" altLang="zh-TW" dirty="0"/>
+          </a:p>
+          <a:p>
+            <a:pPr lvl="1"/>
+            <a:r>
+              <a:rPr lang="en-US" altLang="zh-TW" dirty="0"/>
+              <a:t>1 </a:t>
+            </a:r>
+            <a:r>
+              <a:rPr lang="zh-TW" altLang="en-US" dirty="0"/>
+              <a:t>階 </a:t>
+            </a:r>
+            <a:r>
+              <a:rPr lang="en-US" altLang="zh-TW" dirty="0"/>
+              <a:t>+ 1 </a:t>
+            </a:r>
+            <a:r>
+              <a:rPr lang="zh-TW" altLang="en-US" dirty="0"/>
+              <a:t>階 </a:t>
+            </a:r>
+            <a:r>
+              <a:rPr lang="en-US" altLang="zh-TW" dirty="0"/>
+              <a:t>+ 1 </a:t>
+            </a:r>
+            <a:r>
+              <a:rPr lang="zh-TW" altLang="en-US" dirty="0"/>
+              <a:t>階</a:t>
+            </a:r>
+            <a:endParaRPr lang="en-US" altLang="zh-TW" dirty="0"/>
+          </a:p>
+          <a:p>
+            <a:pPr lvl="1"/>
+            <a:r>
+              <a:rPr lang="en-US" altLang="zh-TW" dirty="0"/>
+              <a:t>1 </a:t>
+            </a:r>
+            <a:r>
+              <a:rPr lang="zh-TW" altLang="en-US" dirty="0"/>
+              <a:t>階 </a:t>
+            </a:r>
+            <a:r>
+              <a:rPr lang="en-US" altLang="zh-TW" dirty="0"/>
+              <a:t>+ 2 </a:t>
+            </a:r>
+            <a:r>
+              <a:rPr lang="zh-TW" altLang="en-US" dirty="0"/>
+              <a:t>階</a:t>
+            </a:r>
+            <a:endParaRPr lang="en-US" altLang="zh-TW" dirty="0"/>
+          </a:p>
+          <a:p>
+            <a:pPr lvl="1"/>
+            <a:r>
+              <a:rPr lang="en-US" altLang="zh-TW" dirty="0"/>
+              <a:t>2 </a:t>
+            </a:r>
+            <a:r>
+              <a:rPr lang="zh-TW" altLang="en-US" dirty="0"/>
+              <a:t>階 </a:t>
+            </a:r>
+            <a:r>
+              <a:rPr lang="en-US" altLang="zh-TW" dirty="0"/>
+              <a:t>+ 1 </a:t>
+            </a:r>
+            <a:r>
+              <a:rPr lang="zh-TW" altLang="en-US" dirty="0"/>
+              <a:t>階</a:t>
+            </a:r>
+          </a:p>
+        </p:txBody>
+      </p:sp>
+      <p:cxnSp>
+        <p:nvCxnSpPr>
+          <p:cNvPr id="18" name="直線接點 17">
+            <a:extLst>
+              <a:ext uri="{FF2B5EF4-FFF2-40B4-BE49-F238E27FC236}">
+                <a16:creationId xmlns:a16="http://schemas.microsoft.com/office/drawing/2014/main" id="{F5486ECD-EFD4-46F9-97D1-DB8E115D8F2A}"/>
+              </a:ext>
+            </a:extLst>
+          </p:cNvPr>
+          <p:cNvCxnSpPr>
+            <a:stCxn id="4" idx="5"/>
+            <a:endCxn id="6" idx="1"/>
+          </p:cNvCxnSpPr>
+          <p:nvPr/>
+        </p:nvCxnSpPr>
+        <p:spPr>
+          <a:xfrm>
+            <a:off x="10384144" y="3772511"/>
+            <a:ext cx="452636" cy="357391"/>
+          </a:xfrm>
+          <a:prstGeom prst="line">
+            <a:avLst/>
+          </a:prstGeom>
+          <a:ln w="57150"/>
+        </p:spPr>
+        <p:style>
+          <a:lnRef idx="1">
+            <a:schemeClr val="accent1"/>
+          </a:lnRef>
+          <a:fillRef idx="0">
+            <a:schemeClr val="accent1"/>
+          </a:fillRef>
+          <a:effectRef idx="0">
+            <a:schemeClr val="accent1"/>
+          </a:effectRef>
+          <a:fontRef idx="minor">
+            <a:schemeClr val="tx1"/>
+          </a:fontRef>
+        </p:style>
+      </p:cxnSp>
+      <p:cxnSp>
+        <p:nvCxnSpPr>
+          <p:cNvPr id="20" name="直線接點 19">
+            <a:extLst>
+              <a:ext uri="{FF2B5EF4-FFF2-40B4-BE49-F238E27FC236}">
+                <a16:creationId xmlns:a16="http://schemas.microsoft.com/office/drawing/2014/main" id="{2410157C-F085-4A76-9E52-15E427EECC29}"/>
+              </a:ext>
+            </a:extLst>
+          </p:cNvPr>
+          <p:cNvCxnSpPr>
+            <a:stCxn id="7" idx="4"/>
+          </p:cNvCxnSpPr>
+          <p:nvPr/>
+        </p:nvCxnSpPr>
+        <p:spPr>
+          <a:xfrm flipH="1">
+            <a:off x="7856376" y="6311900"/>
+            <a:ext cx="326572" cy="641552"/>
+          </a:xfrm>
+          <a:prstGeom prst="line">
+            <a:avLst/>
+          </a:prstGeom>
+        </p:spPr>
+        <p:style>
+          <a:lnRef idx="1">
+            <a:schemeClr val="accent1"/>
+          </a:lnRef>
+          <a:fillRef idx="0">
+            <a:schemeClr val="accent1"/>
+          </a:fillRef>
+          <a:effectRef idx="0">
+            <a:schemeClr val="accent1"/>
+          </a:effectRef>
+          <a:fontRef idx="minor">
+            <a:schemeClr val="tx1"/>
+          </a:fontRef>
+        </p:style>
+      </p:cxnSp>
+      <p:cxnSp>
+        <p:nvCxnSpPr>
+          <p:cNvPr id="22" name="直線接點 21">
+            <a:extLst>
+              <a:ext uri="{FF2B5EF4-FFF2-40B4-BE49-F238E27FC236}">
+                <a16:creationId xmlns:a16="http://schemas.microsoft.com/office/drawing/2014/main" id="{6B08AAA3-8792-4E7D-95EF-5156D2EF8CC6}"/>
+              </a:ext>
+            </a:extLst>
+          </p:cNvPr>
+          <p:cNvCxnSpPr>
+            <a:stCxn id="7" idx="4"/>
+          </p:cNvCxnSpPr>
+          <p:nvPr/>
+        </p:nvCxnSpPr>
+        <p:spPr>
+          <a:xfrm>
+            <a:off x="8182948" y="6311900"/>
+            <a:ext cx="668695" cy="669544"/>
+          </a:xfrm>
+          <a:prstGeom prst="line">
+            <a:avLst/>
+          </a:prstGeom>
+        </p:spPr>
+        <p:style>
+          <a:lnRef idx="1">
+            <a:schemeClr val="accent1"/>
+          </a:lnRef>
+          <a:fillRef idx="0">
+            <a:schemeClr val="accent1"/>
+          </a:fillRef>
+          <a:effectRef idx="0">
+            <a:schemeClr val="accent1"/>
+          </a:effectRef>
+          <a:fontRef idx="minor">
+            <a:schemeClr val="tx1"/>
+          </a:fontRef>
+        </p:style>
+      </p:cxnSp>
+      <p:cxnSp>
+        <p:nvCxnSpPr>
+          <p:cNvPr id="24" name="直線接點 23">
+            <a:extLst>
+              <a:ext uri="{FF2B5EF4-FFF2-40B4-BE49-F238E27FC236}">
+                <a16:creationId xmlns:a16="http://schemas.microsoft.com/office/drawing/2014/main" id="{26C0C526-959F-46C9-B2D7-F21111EBEEDC}"/>
+              </a:ext>
+            </a:extLst>
+          </p:cNvPr>
+          <p:cNvCxnSpPr>
+            <a:stCxn id="8" idx="4"/>
+          </p:cNvCxnSpPr>
+          <p:nvPr/>
+        </p:nvCxnSpPr>
+        <p:spPr>
+          <a:xfrm flipH="1">
+            <a:off x="9369492" y="6311900"/>
+            <a:ext cx="172616" cy="706867"/>
+          </a:xfrm>
+          <a:prstGeom prst="line">
+            <a:avLst/>
+          </a:prstGeom>
+        </p:spPr>
+        <p:style>
+          <a:lnRef idx="1">
+            <a:schemeClr val="accent1"/>
+          </a:lnRef>
+          <a:fillRef idx="0">
+            <a:schemeClr val="accent1"/>
+          </a:fillRef>
+          <a:effectRef idx="0">
+            <a:schemeClr val="accent1"/>
+          </a:effectRef>
+          <a:fontRef idx="minor">
+            <a:schemeClr val="tx1"/>
+          </a:fontRef>
+        </p:style>
+      </p:cxnSp>
+      <p:cxnSp>
+        <p:nvCxnSpPr>
+          <p:cNvPr id="26" name="直線接點 25">
+            <a:extLst>
+              <a:ext uri="{FF2B5EF4-FFF2-40B4-BE49-F238E27FC236}">
+                <a16:creationId xmlns:a16="http://schemas.microsoft.com/office/drawing/2014/main" id="{7D891270-E735-45D8-BA50-634C045BABC4}"/>
+              </a:ext>
+            </a:extLst>
+          </p:cNvPr>
+          <p:cNvCxnSpPr>
+            <a:stCxn id="8" idx="4"/>
+          </p:cNvCxnSpPr>
+          <p:nvPr/>
+        </p:nvCxnSpPr>
+        <p:spPr>
+          <a:xfrm>
+            <a:off x="9542108" y="6311900"/>
+            <a:ext cx="517849" cy="669544"/>
+          </a:xfrm>
+          <a:prstGeom prst="line">
+            <a:avLst/>
+          </a:prstGeom>
+        </p:spPr>
+        <p:style>
+          <a:lnRef idx="1">
+            <a:schemeClr val="accent1"/>
+          </a:lnRef>
+          <a:fillRef idx="0">
+            <a:schemeClr val="accent1"/>
+          </a:fillRef>
+          <a:effectRef idx="0">
+            <a:schemeClr val="accent1"/>
+          </a:effectRef>
+          <a:fontRef idx="minor">
+            <a:schemeClr val="tx1"/>
+          </a:fontRef>
+        </p:style>
+      </p:cxnSp>
+      <p:grpSp>
+        <p:nvGrpSpPr>
+          <p:cNvPr id="13" name="群組 12">
+            <a:extLst>
+              <a:ext uri="{FF2B5EF4-FFF2-40B4-BE49-F238E27FC236}">
+                <a16:creationId xmlns:a16="http://schemas.microsoft.com/office/drawing/2014/main" id="{2398789B-245F-4E2C-9EE5-BB2BB3314156}"/>
+              </a:ext>
+            </a:extLst>
+          </p:cNvPr>
+          <p:cNvGrpSpPr/>
+          <p:nvPr/>
+        </p:nvGrpSpPr>
+        <p:grpSpPr>
+          <a:xfrm>
+            <a:off x="7665099" y="2852648"/>
+            <a:ext cx="4055705" cy="3459252"/>
+            <a:chOff x="7665099" y="2852648"/>
+            <a:chExt cx="4055705" cy="3459252"/>
+          </a:xfrm>
+        </p:grpSpPr>
+        <p:cxnSp>
+          <p:nvCxnSpPr>
+            <p:cNvPr id="10" name="直線接點 9">
+              <a:extLst>
+                <a:ext uri="{FF2B5EF4-FFF2-40B4-BE49-F238E27FC236}">
+                  <a16:creationId xmlns:a16="http://schemas.microsoft.com/office/drawing/2014/main" id="{699F4646-EF54-4B87-92B2-9CBE8A9A7CEC}"/>
+                </a:ext>
+              </a:extLst>
+            </p:cNvPr>
+            <p:cNvCxnSpPr>
+              <a:stCxn id="4" idx="3"/>
+              <a:endCxn id="5" idx="7"/>
+            </p:cNvCxnSpPr>
+            <p:nvPr/>
+          </p:nvCxnSpPr>
+          <p:spPr>
+            <a:xfrm flipH="1">
+              <a:off x="9217818" y="3772511"/>
+              <a:ext cx="433976" cy="357391"/>
+            </a:xfrm>
+            <a:prstGeom prst="line">
+              <a:avLst/>
+            </a:prstGeom>
+            <a:ln w="57150"/>
+          </p:spPr>
+          <p:style>
+            <a:lnRef idx="1">
+              <a:schemeClr val="accent1"/>
+            </a:lnRef>
+            <a:fillRef idx="0">
+              <a:schemeClr val="accent1"/>
+            </a:fillRef>
+            <a:effectRef idx="0">
+              <a:schemeClr val="accent1"/>
+            </a:effectRef>
+            <a:fontRef idx="minor">
+              <a:schemeClr val="tx1"/>
+            </a:fontRef>
+          </p:style>
+        </p:cxnSp>
+        <p:cxnSp>
+          <p:nvCxnSpPr>
+            <p:cNvPr id="12" name="直線接點 11">
+              <a:extLst>
+                <a:ext uri="{FF2B5EF4-FFF2-40B4-BE49-F238E27FC236}">
+                  <a16:creationId xmlns:a16="http://schemas.microsoft.com/office/drawing/2014/main" id="{16DF3D5B-3F19-47BA-BAC1-681005346457}"/>
+                </a:ext>
+              </a:extLst>
+            </p:cNvPr>
+            <p:cNvCxnSpPr>
+              <a:cxnSpLocks/>
+              <a:stCxn id="5" idx="3"/>
+            </p:cNvCxnSpPr>
+            <p:nvPr/>
+          </p:nvCxnSpPr>
+          <p:spPr>
+            <a:xfrm flipH="1">
+              <a:off x="8333794" y="4891942"/>
+              <a:ext cx="151674" cy="402235"/>
+            </a:xfrm>
+            <a:prstGeom prst="line">
+              <a:avLst/>
+            </a:prstGeom>
+            <a:ln w="57150"/>
+          </p:spPr>
+          <p:style>
+            <a:lnRef idx="1">
+              <a:schemeClr val="accent1"/>
+            </a:lnRef>
+            <a:fillRef idx="0">
+              <a:schemeClr val="accent1"/>
+            </a:fillRef>
+            <a:effectRef idx="0">
+              <a:schemeClr val="accent1"/>
+            </a:effectRef>
+            <a:fontRef idx="minor">
+              <a:schemeClr val="tx1"/>
+            </a:fontRef>
+          </p:style>
+        </p:cxnSp>
+        <p:cxnSp>
+          <p:nvCxnSpPr>
+            <p:cNvPr id="16" name="直線接點 15">
+              <a:extLst>
+                <a:ext uri="{FF2B5EF4-FFF2-40B4-BE49-F238E27FC236}">
+                  <a16:creationId xmlns:a16="http://schemas.microsoft.com/office/drawing/2014/main" id="{559925A5-3526-4210-8A06-C6ADE7631C2B}"/>
+                </a:ext>
+              </a:extLst>
+            </p:cNvPr>
+            <p:cNvCxnSpPr>
+              <a:stCxn id="5" idx="5"/>
+            </p:cNvCxnSpPr>
+            <p:nvPr/>
+          </p:nvCxnSpPr>
+          <p:spPr>
+            <a:xfrm>
+              <a:off x="9217818" y="4891942"/>
+              <a:ext cx="216988" cy="402235"/>
+            </a:xfrm>
+            <a:prstGeom prst="line">
+              <a:avLst/>
+            </a:prstGeom>
+            <a:ln w="76200"/>
+          </p:spPr>
+          <p:style>
+            <a:lnRef idx="1">
+              <a:schemeClr val="accent1"/>
+            </a:lnRef>
+            <a:fillRef idx="0">
+              <a:schemeClr val="accent1"/>
+            </a:fillRef>
+            <a:effectRef idx="0">
+              <a:schemeClr val="accent1"/>
+            </a:effectRef>
+            <a:fontRef idx="minor">
+              <a:schemeClr val="tx1"/>
+            </a:fontRef>
+          </p:style>
+        </p:cxnSp>
+        <p:grpSp>
+          <p:nvGrpSpPr>
+            <p:cNvPr id="11" name="群組 10">
+              <a:extLst>
+                <a:ext uri="{FF2B5EF4-FFF2-40B4-BE49-F238E27FC236}">
+                  <a16:creationId xmlns:a16="http://schemas.microsoft.com/office/drawing/2014/main" id="{A4093988-27B0-4A4F-9A00-226A3E899B8D}"/>
+                </a:ext>
+              </a:extLst>
+            </p:cNvPr>
+            <p:cNvGrpSpPr/>
+            <p:nvPr/>
+          </p:nvGrpSpPr>
+          <p:grpSpPr>
+            <a:xfrm>
+              <a:off x="7665099" y="2852648"/>
+              <a:ext cx="4055705" cy="3459252"/>
+              <a:chOff x="7693090" y="2505269"/>
+              <a:chExt cx="4055705" cy="3459252"/>
+            </a:xfrm>
+          </p:grpSpPr>
+          <p:cxnSp>
+            <p:nvCxnSpPr>
+              <p:cNvPr id="28" name="直線接點 27">
+                <a:extLst>
+                  <a:ext uri="{FF2B5EF4-FFF2-40B4-BE49-F238E27FC236}">
+                    <a16:creationId xmlns:a16="http://schemas.microsoft.com/office/drawing/2014/main" id="{59B6E369-F5DE-4D5D-9900-023AC57E6741}"/>
+                  </a:ext>
+                </a:extLst>
+              </p:cNvPr>
+              <p:cNvCxnSpPr>
+                <a:stCxn id="6" idx="4"/>
+              </p:cNvCxnSpPr>
+              <p:nvPr/>
+            </p:nvCxnSpPr>
+            <p:spPr>
+              <a:xfrm flipH="1">
+                <a:off x="10864771" y="4702386"/>
+                <a:ext cx="366175" cy="723292"/>
+              </a:xfrm>
+              <a:prstGeom prst="line">
+                <a:avLst/>
+              </a:prstGeom>
+            </p:spPr>
+            <p:style>
+              <a:lnRef idx="1">
+                <a:schemeClr val="accent1"/>
+              </a:lnRef>
+              <a:fillRef idx="0">
+                <a:schemeClr val="accent1"/>
+              </a:fillRef>
+              <a:effectRef idx="0">
+                <a:schemeClr val="accent1"/>
+              </a:effectRef>
+              <a:fontRef idx="minor">
+                <a:schemeClr val="tx1"/>
+              </a:fontRef>
+            </p:style>
+          </p:cxnSp>
+          <p:cxnSp>
+            <p:nvCxnSpPr>
+              <p:cNvPr id="30" name="直線接點 29">
+                <a:extLst>
+                  <a:ext uri="{FF2B5EF4-FFF2-40B4-BE49-F238E27FC236}">
+                    <a16:creationId xmlns:a16="http://schemas.microsoft.com/office/drawing/2014/main" id="{EB2A7C80-D46A-4B90-AC7A-4F176594EE27}"/>
+                  </a:ext>
+                </a:extLst>
+              </p:cNvPr>
+              <p:cNvCxnSpPr/>
+              <p:nvPr/>
+            </p:nvCxnSpPr>
+            <p:spPr>
+              <a:xfrm>
+                <a:off x="11278377" y="4745680"/>
+                <a:ext cx="376385" cy="679998"/>
+              </a:xfrm>
+              <a:prstGeom prst="line">
+                <a:avLst/>
+              </a:prstGeom>
+            </p:spPr>
+            <p:style>
+              <a:lnRef idx="1">
+                <a:schemeClr val="accent1"/>
+              </a:lnRef>
+              <a:fillRef idx="0">
+                <a:schemeClr val="accent1"/>
+              </a:fillRef>
+              <a:effectRef idx="0">
+                <a:schemeClr val="accent1"/>
+              </a:effectRef>
+              <a:fontRef idx="minor">
+                <a:schemeClr val="tx1"/>
+              </a:fontRef>
+            </p:style>
+          </p:cxnSp>
+          <p:grpSp>
+            <p:nvGrpSpPr>
+              <p:cNvPr id="9" name="群組 8">
+                <a:extLst>
+                  <a:ext uri="{FF2B5EF4-FFF2-40B4-BE49-F238E27FC236}">
+                    <a16:creationId xmlns:a16="http://schemas.microsoft.com/office/drawing/2014/main" id="{CEB08487-26D4-4CF4-A127-2BE9CB53CC4D}"/>
+                  </a:ext>
+                </a:extLst>
+              </p:cNvPr>
+              <p:cNvGrpSpPr/>
+              <p:nvPr/>
+            </p:nvGrpSpPr>
+            <p:grpSpPr>
+              <a:xfrm>
+                <a:off x="7693090" y="2505269"/>
+                <a:ext cx="4055705" cy="3459252"/>
+                <a:chOff x="7693090" y="2505269"/>
+                <a:chExt cx="4055705" cy="3459252"/>
+              </a:xfrm>
+            </p:grpSpPr>
+            <p:sp>
+              <p:nvSpPr>
+                <p:cNvPr id="4" name="橢圓 3">
+                  <a:extLst>
+                    <a:ext uri="{FF2B5EF4-FFF2-40B4-BE49-F238E27FC236}">
+                      <a16:creationId xmlns:a16="http://schemas.microsoft.com/office/drawing/2014/main" id="{8A06707F-BC83-4021-87CA-741CD3053D51}"/>
+                    </a:ext>
+                  </a:extLst>
+                </p:cNvPr>
+                <p:cNvSpPr/>
+                <p:nvPr/>
+              </p:nvSpPr>
+              <p:spPr>
+                <a:xfrm>
+                  <a:off x="9528111" y="2505269"/>
+                  <a:ext cx="1035698" cy="1077686"/>
+                </a:xfrm>
+                <a:prstGeom prst="ellipse">
+                  <a:avLst/>
+                </a:prstGeom>
+              </p:spPr>
+              <p:style>
+                <a:lnRef idx="2">
+                  <a:schemeClr val="accent1">
+                    <a:shade val="50000"/>
+                  </a:schemeClr>
+                </a:lnRef>
+                <a:fillRef idx="1">
+                  <a:schemeClr val="accent1"/>
+                </a:fillRef>
+                <a:effectRef idx="0">
+                  <a:schemeClr val="accent1"/>
+                </a:effectRef>
+                <a:fontRef idx="minor">
+                  <a:schemeClr val="lt1"/>
+                </a:fontRef>
+              </p:style>
+              <p:txBody>
+                <a:bodyPr rtlCol="0" anchor="ctr"/>
+                <a:lstStyle/>
+                <a:p>
+                  <a:pPr algn="ctr"/>
+                  <a:r>
+                    <a:rPr lang="en-US" altLang="zh-TW" sz="3600" dirty="0"/>
+                    <a:t>10</a:t>
+                  </a:r>
+                  <a:endParaRPr lang="zh-TW" altLang="en-US" sz="3600" dirty="0"/>
+                </a:p>
+              </p:txBody>
+            </p:sp>
+            <p:sp>
+              <p:nvSpPr>
+                <p:cNvPr id="5" name="橢圓 4">
+                  <a:extLst>
+                    <a:ext uri="{FF2B5EF4-FFF2-40B4-BE49-F238E27FC236}">
+                      <a16:creationId xmlns:a16="http://schemas.microsoft.com/office/drawing/2014/main" id="{3CC5AE12-6024-470D-8F60-2B4180352B58}"/>
+                    </a:ext>
+                  </a:extLst>
+                </p:cNvPr>
+                <p:cNvSpPr/>
+                <p:nvPr/>
+              </p:nvSpPr>
+              <p:spPr>
+                <a:xfrm>
+                  <a:off x="8361785" y="3624700"/>
+                  <a:ext cx="1035698" cy="1077686"/>
+                </a:xfrm>
+                <a:prstGeom prst="ellipse">
+                  <a:avLst/>
+                </a:prstGeom>
+              </p:spPr>
+              <p:style>
+                <a:lnRef idx="2">
+                  <a:schemeClr val="accent1">
+                    <a:shade val="50000"/>
+                  </a:schemeClr>
+                </a:lnRef>
+                <a:fillRef idx="1">
+                  <a:schemeClr val="accent1"/>
+                </a:fillRef>
+                <a:effectRef idx="0">
+                  <a:schemeClr val="accent1"/>
+                </a:effectRef>
+                <a:fontRef idx="minor">
+                  <a:schemeClr val="lt1"/>
+                </a:fontRef>
+              </p:style>
+              <p:txBody>
+                <a:bodyPr rtlCol="0" anchor="ctr"/>
+                <a:lstStyle/>
+                <a:p>
+                  <a:pPr algn="ctr"/>
+                  <a:r>
+                    <a:rPr lang="en-US" altLang="zh-TW" sz="4400" dirty="0"/>
+                    <a:t>9</a:t>
+                  </a:r>
+                  <a:endParaRPr lang="zh-TW" altLang="en-US" sz="4400" dirty="0"/>
+                </a:p>
+              </p:txBody>
+            </p:sp>
+            <p:sp>
+              <p:nvSpPr>
+                <p:cNvPr id="6" name="橢圓 5">
+                  <a:extLst>
+                    <a:ext uri="{FF2B5EF4-FFF2-40B4-BE49-F238E27FC236}">
+                      <a16:creationId xmlns:a16="http://schemas.microsoft.com/office/drawing/2014/main" id="{DF12BE6D-3AD7-4B97-A7DB-193738C0DF00}"/>
+                    </a:ext>
+                  </a:extLst>
+                </p:cNvPr>
+                <p:cNvSpPr/>
+                <p:nvPr/>
+              </p:nvSpPr>
+              <p:spPr>
+                <a:xfrm>
+                  <a:off x="10713097" y="3624700"/>
+                  <a:ext cx="1035698" cy="1077686"/>
+                </a:xfrm>
+                <a:prstGeom prst="ellipse">
+                  <a:avLst/>
+                </a:prstGeom>
+              </p:spPr>
+              <p:style>
+                <a:lnRef idx="2">
+                  <a:schemeClr val="accent1">
+                    <a:shade val="50000"/>
+                  </a:schemeClr>
+                </a:lnRef>
+                <a:fillRef idx="1">
+                  <a:schemeClr val="accent1"/>
+                </a:fillRef>
+                <a:effectRef idx="0">
+                  <a:schemeClr val="accent1"/>
+                </a:effectRef>
+                <a:fontRef idx="minor">
+                  <a:schemeClr val="lt1"/>
+                </a:fontRef>
+              </p:style>
+              <p:txBody>
+                <a:bodyPr rtlCol="0" anchor="ctr"/>
+                <a:lstStyle/>
+                <a:p>
+                  <a:pPr algn="ctr"/>
+                  <a:r>
+                    <a:rPr lang="en-US" altLang="zh-TW" sz="4400" dirty="0"/>
+                    <a:t>8</a:t>
+                  </a:r>
+                  <a:endParaRPr lang="zh-TW" altLang="en-US" sz="4400" dirty="0"/>
+                </a:p>
+              </p:txBody>
+            </p:sp>
+            <p:sp>
+              <p:nvSpPr>
+                <p:cNvPr id="7" name="橢圓 6">
+                  <a:extLst>
+                    <a:ext uri="{FF2B5EF4-FFF2-40B4-BE49-F238E27FC236}">
+                      <a16:creationId xmlns:a16="http://schemas.microsoft.com/office/drawing/2014/main" id="{29D5858D-0654-4598-8F69-A131767247BB}"/>
+                    </a:ext>
+                  </a:extLst>
+                </p:cNvPr>
+                <p:cNvSpPr/>
+                <p:nvPr/>
+              </p:nvSpPr>
+              <p:spPr>
+                <a:xfrm>
+                  <a:off x="7693090" y="4886835"/>
+                  <a:ext cx="1035698" cy="1077686"/>
+                </a:xfrm>
+                <a:prstGeom prst="ellipse">
+                  <a:avLst/>
+                </a:prstGeom>
+              </p:spPr>
+              <p:style>
+                <a:lnRef idx="2">
+                  <a:schemeClr val="accent1">
+                    <a:shade val="50000"/>
+                  </a:schemeClr>
+                </a:lnRef>
+                <a:fillRef idx="1">
+                  <a:schemeClr val="accent1"/>
+                </a:fillRef>
+                <a:effectRef idx="0">
+                  <a:schemeClr val="accent1"/>
+                </a:effectRef>
+                <a:fontRef idx="minor">
+                  <a:schemeClr val="lt1"/>
+                </a:fontRef>
+              </p:style>
+              <p:txBody>
+                <a:bodyPr rtlCol="0" anchor="ctr"/>
+                <a:lstStyle/>
+                <a:p>
+                  <a:pPr algn="ctr"/>
+                  <a:r>
+                    <a:rPr lang="en-US" altLang="zh-TW" sz="4800" dirty="0"/>
+                    <a:t>8</a:t>
+                  </a:r>
+                  <a:endParaRPr lang="zh-TW" altLang="en-US" sz="4800" dirty="0"/>
+                </a:p>
+              </p:txBody>
+            </p:sp>
+            <p:sp>
+              <p:nvSpPr>
+                <p:cNvPr id="8" name="橢圓 7">
+                  <a:extLst>
+                    <a:ext uri="{FF2B5EF4-FFF2-40B4-BE49-F238E27FC236}">
+                      <a16:creationId xmlns:a16="http://schemas.microsoft.com/office/drawing/2014/main" id="{FBB30FB7-6549-4949-AC4B-289B5D4ABEE7}"/>
+                    </a:ext>
+                  </a:extLst>
+                </p:cNvPr>
+                <p:cNvSpPr/>
+                <p:nvPr/>
+              </p:nvSpPr>
+              <p:spPr>
+                <a:xfrm>
+                  <a:off x="9052250" y="4886835"/>
+                  <a:ext cx="1035698" cy="1077686"/>
+                </a:xfrm>
+                <a:prstGeom prst="ellipse">
+                  <a:avLst/>
+                </a:prstGeom>
+              </p:spPr>
+              <p:style>
+                <a:lnRef idx="2">
+                  <a:schemeClr val="accent1">
+                    <a:shade val="50000"/>
+                  </a:schemeClr>
+                </a:lnRef>
+                <a:fillRef idx="1">
+                  <a:schemeClr val="accent1"/>
+                </a:fillRef>
+                <a:effectRef idx="0">
+                  <a:schemeClr val="accent1"/>
+                </a:effectRef>
+                <a:fontRef idx="minor">
+                  <a:schemeClr val="lt1"/>
+                </a:fontRef>
+              </p:style>
+              <p:txBody>
+                <a:bodyPr rtlCol="0" anchor="ctr"/>
+                <a:lstStyle/>
+                <a:p>
+                  <a:pPr algn="ctr"/>
+                  <a:r>
+                    <a:rPr lang="en-US" altLang="zh-TW" sz="5400" dirty="0"/>
+                    <a:t>7</a:t>
+                  </a:r>
+                  <a:endParaRPr lang="zh-TW" altLang="en-US" sz="5400" dirty="0"/>
+                </a:p>
+              </p:txBody>
+            </p:sp>
+            <p:sp>
+              <p:nvSpPr>
+                <p:cNvPr id="31" name="矩形 30">
+                  <a:extLst>
+                    <a:ext uri="{FF2B5EF4-FFF2-40B4-BE49-F238E27FC236}">
+                      <a16:creationId xmlns:a16="http://schemas.microsoft.com/office/drawing/2014/main" id="{1BF2997E-0185-4DDA-948F-005FBA8BC2ED}"/>
+                    </a:ext>
+                  </a:extLst>
+                </p:cNvPr>
+                <p:cNvSpPr/>
+                <p:nvPr/>
+              </p:nvSpPr>
+              <p:spPr>
+                <a:xfrm>
+                  <a:off x="10432145" y="2534357"/>
+                  <a:ext cx="1231426" cy="923330"/>
+                </a:xfrm>
+                <a:prstGeom prst="rect">
+                  <a:avLst/>
+                </a:prstGeom>
+                <a:noFill/>
+              </p:spPr>
+              <p:txBody>
+                <a:bodyPr wrap="none" lIns="91440" tIns="45720" rIns="91440" bIns="45720">
+                  <a:spAutoFit/>
+                </a:bodyPr>
+                <a:lstStyle/>
+                <a:p>
+                  <a:pPr algn="ctr"/>
+                  <a:r>
+                    <a:rPr lang="en-US" altLang="zh-TW" sz="5400" b="0" cap="none" spc="0" dirty="0">
+                      <a:ln w="0"/>
+                      <a:solidFill>
+                        <a:schemeClr val="tx1"/>
+                      </a:solidFill>
+                      <a:effectLst>
+                        <a:outerShdw blurRad="38100" dist="19050" dir="2700000" algn="tl" rotWithShape="0">
+                          <a:schemeClr val="dk1">
+                            <a:alpha val="40000"/>
+                          </a:schemeClr>
+                        </a:outerShdw>
+                      </a:effectLst>
+                    </a:rPr>
+                    <a:t>=89</a:t>
+                  </a:r>
+                  <a:endParaRPr lang="zh-TW" altLang="en-US" sz="5400" b="0" cap="none" spc="0" dirty="0">
+                    <a:ln w="0"/>
+                    <a:solidFill>
+                      <a:schemeClr val="tx1"/>
+                    </a:solidFill>
+                    <a:effectLst>
+                      <a:outerShdw blurRad="38100" dist="19050" dir="2700000" algn="tl" rotWithShape="0">
+                        <a:schemeClr val="dk1">
+                          <a:alpha val="40000"/>
+                        </a:schemeClr>
+                      </a:outerShdw>
+                    </a:effectLst>
+                  </a:endParaRPr>
+                </a:p>
+              </p:txBody>
+            </p:sp>
+          </p:grpSp>
+        </p:grpSp>
+      </p:grpSp>
+    </p:spTree>
+    <p:extLst>
+      <p:ext uri="{BB962C8B-B14F-4D97-AF65-F5344CB8AC3E}">
+        <p14:creationId xmlns:p14="http://schemas.microsoft.com/office/powerpoint/2010/main" val="3862365925"/>
+      </p:ext>
+    </p:extLst>
+  </p:cSld>
+  <p:clrMapOvr>
+    <a:masterClrMapping/>
+  </p:clrMapOvr>
+</p:sld>
+</file>
+
+<file path=ppt/slides/slide17.xml><?xml version="1.0" encoding="utf-8"?>
+<p:sld xmlns:a="http://schemas.openxmlformats.org/drawingml/2006/main" xmlns:r="http://schemas.openxmlformats.org/officeDocument/2006/relationships" xmlns:p="http://schemas.openxmlformats.org/presentationml/2006/main">
+  <p:cSld>
+    <p:spTree>
+      <p:nvGrpSpPr>
+        <p:cNvPr id="1" name=""/>
+        <p:cNvGrpSpPr/>
+        <p:nvPr/>
+      </p:nvGrpSpPr>
+      <p:grpSpPr>
+        <a:xfrm>
+          <a:off x="0" y="0"/>
+          <a:ext cx="0" cy="0"/>
+          <a:chOff x="0" y="0"/>
+          <a:chExt cx="0" cy="0"/>
+        </a:xfrm>
+      </p:grpSpPr>
+      <p:sp>
+        <p:nvSpPr>
+          <p:cNvPr id="4" name="內容版面配置區 2">
+            <a:extLst>
+              <a:ext uri="{FF2B5EF4-FFF2-40B4-BE49-F238E27FC236}">
+                <a16:creationId xmlns:a16="http://schemas.microsoft.com/office/drawing/2014/main" id="{9CC4B8FE-1EE5-4F88-8188-145248A02D2A}"/>
+              </a:ext>
+            </a:extLst>
+          </p:cNvPr>
+          <p:cNvSpPr>
+            <a:spLocks noGrp="1"/>
+          </p:cNvSpPr>
+          <p:nvPr>
+            <p:ph idx="1"/>
+          </p:nvPr>
+        </p:nvSpPr>
+        <p:spPr>
+          <a:xfrm>
+            <a:off x="2069841" y="1741649"/>
+            <a:ext cx="7895253" cy="2970310"/>
+          </a:xfrm>
+        </p:spPr>
+        <p:txBody>
+          <a:bodyPr/>
+          <a:lstStyle/>
+          <a:p>
+            <a:pPr marL="1371600" lvl="3" indent="0">
+              <a:buNone/>
+            </a:pPr>
+            <a:r>
+              <a:rPr lang="en-US" altLang="zh-TW" sz="5400" dirty="0"/>
+              <a:t>	</a:t>
+            </a:r>
+            <a:r>
+              <a:rPr lang="en-US" altLang="zh-TW" sz="4400" dirty="0"/>
+              <a:t>1				n = 1</a:t>
+            </a:r>
+          </a:p>
+          <a:p>
+            <a:pPr marL="0" indent="0">
+              <a:buNone/>
+            </a:pPr>
+            <a:r>
+              <a:rPr lang="en-US" altLang="zh-TW" sz="4400" dirty="0"/>
+              <a:t>f(n)=</a:t>
+            </a:r>
+            <a:r>
+              <a:rPr lang="zh-TW" altLang="en-US" sz="4400" dirty="0"/>
+              <a:t> </a:t>
+            </a:r>
+            <a:r>
+              <a:rPr lang="en-US" altLang="zh-TW" sz="4400" dirty="0"/>
+              <a:t>{	2				n = 2</a:t>
+            </a:r>
+          </a:p>
+          <a:p>
+            <a:pPr marL="1371600" lvl="3" indent="0">
+              <a:buNone/>
+            </a:pPr>
+            <a:r>
+              <a:rPr lang="en-US" altLang="zh-TW" sz="4400" dirty="0"/>
+              <a:t>	f(n-1)+f(n-2)	n &gt; 2</a:t>
+            </a:r>
+            <a:endParaRPr lang="zh-TW" altLang="en-US" sz="4400" dirty="0"/>
+          </a:p>
+        </p:txBody>
+      </p:sp>
+    </p:spTree>
+    <p:extLst>
+      <p:ext uri="{BB962C8B-B14F-4D97-AF65-F5344CB8AC3E}">
+        <p14:creationId xmlns:p14="http://schemas.microsoft.com/office/powerpoint/2010/main" val="4052941802"/>
+      </p:ext>
+    </p:extLst>
+  </p:cSld>
+  <p:clrMapOvr>
+    <a:masterClrMapping/>
+  </p:clrMapOvr>
+</p:sld>
+</file>
+
+<file path=ppt/slides/slide18.xml><?xml version="1.0" encoding="utf-8"?>
+<p:sld xmlns:a="http://schemas.openxmlformats.org/drawingml/2006/main" xmlns:r="http://schemas.openxmlformats.org/officeDocument/2006/relationships" xmlns:p="http://schemas.openxmlformats.org/presentationml/2006/main">
+  <p:cSld>
+    <p:spTree>
+      <p:nvGrpSpPr>
+        <p:cNvPr id="1" name=""/>
+        <p:cNvGrpSpPr/>
+        <p:nvPr/>
+      </p:nvGrpSpPr>
+      <p:grpSpPr>
+        <a:xfrm>
+          <a:off x="0" y="0"/>
+          <a:ext cx="0" cy="0"/>
+          <a:chOff x="0" y="0"/>
+          <a:chExt cx="0" cy="0"/>
+        </a:xfrm>
+      </p:grpSpPr>
+      <p:sp>
+        <p:nvSpPr>
+          <p:cNvPr id="2" name="標題 1">
+            <a:extLst>
+              <a:ext uri="{FF2B5EF4-FFF2-40B4-BE49-F238E27FC236}">
+                <a16:creationId xmlns:a16="http://schemas.microsoft.com/office/drawing/2014/main" id="{6A048964-4747-407A-A5CD-F05E2B8EDBA7}"/>
+              </a:ext>
+            </a:extLst>
+          </p:cNvPr>
+          <p:cNvSpPr>
+            <a:spLocks noGrp="1"/>
+          </p:cNvSpPr>
+          <p:nvPr>
+            <p:ph type="title"/>
+          </p:nvPr>
+        </p:nvSpPr>
+        <p:spPr/>
+        <p:txBody>
+          <a:bodyPr/>
+          <a:lstStyle/>
+          <a:p>
+            <a:endParaRPr lang="zh-TW" altLang="en-US"/>
+          </a:p>
+        </p:txBody>
+      </p:sp>
+      <p:pic>
+        <p:nvPicPr>
+          <p:cNvPr id="5" name="內容版面配置區 4">
+            <a:extLst>
+              <a:ext uri="{FF2B5EF4-FFF2-40B4-BE49-F238E27FC236}">
+                <a16:creationId xmlns:a16="http://schemas.microsoft.com/office/drawing/2014/main" id="{52DFCA13-7DC9-4D95-9AC3-87E342B0ABBA}"/>
+              </a:ext>
+            </a:extLst>
+          </p:cNvPr>
+          <p:cNvPicPr>
+            <a:picLocks noGrp="1" noChangeAspect="1"/>
+          </p:cNvPicPr>
+          <p:nvPr>
+            <p:ph idx="1"/>
+          </p:nvPr>
+        </p:nvPicPr>
+        <p:blipFill>
+          <a:blip r:embed="rId2">
+            <a:extLst>
+              <a:ext uri="{28A0092B-C50C-407E-A947-70E740481C1C}">
+                <a14:useLocalDpi xmlns:a14="http://schemas.microsoft.com/office/drawing/2010/main" val="0"/>
+              </a:ext>
+            </a:extLst>
+          </a:blip>
+          <a:stretch>
+            <a:fillRect/>
+          </a:stretch>
+        </p:blipFill>
+        <p:spPr>
+          <a:xfrm>
+            <a:off x="1520449" y="1027906"/>
+            <a:ext cx="9385481" cy="5250618"/>
+          </a:xfrm>
+        </p:spPr>
+      </p:pic>
+    </p:spTree>
+    <p:extLst>
+      <p:ext uri="{BB962C8B-B14F-4D97-AF65-F5344CB8AC3E}">
+        <p14:creationId xmlns:p14="http://schemas.microsoft.com/office/powerpoint/2010/main" val="95108974"/>
+      </p:ext>
+    </p:extLst>
+  </p:cSld>
+  <p:clrMapOvr>
+    <a:masterClrMapping/>
+  </p:clrMapOvr>
+</p:sld>
+</file>
+
 <file path=ppt/slides/slide2.xml><?xml version="1.0" encoding="utf-8"?>
 <p:sld xmlns:a="http://schemas.openxmlformats.org/drawingml/2006/main" xmlns:r="http://schemas.openxmlformats.org/officeDocument/2006/relationships" xmlns:p="http://schemas.openxmlformats.org/presentationml/2006/main">
   <p:cSld>
@@ -3814,6 +6788,77 @@
       </p:grpSpPr>
       <p:sp>
         <p:nvSpPr>
+          <p:cNvPr id="3" name="內容版面配置區 2">
+            <a:extLst>
+              <a:ext uri="{FF2B5EF4-FFF2-40B4-BE49-F238E27FC236}">
+                <a16:creationId xmlns:a16="http://schemas.microsoft.com/office/drawing/2014/main" id="{5787204F-BFBD-40C1-9026-41905278ED2B}"/>
+              </a:ext>
+            </a:extLst>
+          </p:cNvPr>
+          <p:cNvSpPr>
+            <a:spLocks noGrp="1"/>
+          </p:cNvSpPr>
+          <p:nvPr>
+            <p:ph idx="1"/>
+          </p:nvPr>
+        </p:nvSpPr>
+        <p:spPr>
+          <a:xfrm>
+            <a:off x="763555" y="2096212"/>
+            <a:ext cx="10515600" cy="1603375"/>
+          </a:xfrm>
+        </p:spPr>
+        <p:txBody>
+          <a:bodyPr>
+            <a:normAutofit/>
+          </a:bodyPr>
+          <a:lstStyle/>
+          <a:p>
+            <a:pPr algn="ctr"/>
+            <a:r>
+              <a:rPr lang="zh-TW" altLang="en-US" sz="9600" dirty="0"/>
+              <a:t>作業不要抄襲</a:t>
+            </a:r>
+            <a:r>
+              <a:rPr lang="en-US" altLang="zh-TW" sz="9600" dirty="0"/>
+              <a:t>!!!</a:t>
+            </a:r>
+            <a:endParaRPr lang="zh-TW" altLang="en-US" sz="9600" dirty="0"/>
+          </a:p>
+        </p:txBody>
+      </p:sp>
+    </p:spTree>
+    <p:extLst>
+      <p:ext uri="{BB962C8B-B14F-4D97-AF65-F5344CB8AC3E}">
+        <p14:creationId xmlns:p14="http://schemas.microsoft.com/office/powerpoint/2010/main" val="2069318121"/>
+      </p:ext>
+    </p:extLst>
+  </p:cSld>
+  <p:clrMapOvr>
+    <a:masterClrMapping/>
+  </p:clrMapOvr>
+</p:sld>
+</file>
+
+<file path=ppt/slides/slide3.xml><?xml version="1.0" encoding="utf-8"?>
+<p:sld xmlns:a="http://schemas.openxmlformats.org/drawingml/2006/main" xmlns:r="http://schemas.openxmlformats.org/officeDocument/2006/relationships" xmlns:p="http://schemas.openxmlformats.org/presentationml/2006/main">
+  <p:cSld>
+    <p:spTree>
+      <p:nvGrpSpPr>
+        <p:cNvPr id="1" name=""/>
+        <p:cNvGrpSpPr/>
+        <p:nvPr/>
+      </p:nvGrpSpPr>
+      <p:grpSpPr>
+        <a:xfrm>
+          <a:off x="0" y="0"/>
+          <a:ext cx="0" cy="0"/>
+          <a:chOff x="0" y="0"/>
+          <a:chExt cx="0" cy="0"/>
+        </a:xfrm>
+      </p:grpSpPr>
+      <p:sp>
+        <p:nvSpPr>
           <p:cNvPr id="2" name="標題 1">
             <a:extLst>
               <a:ext uri="{FF2B5EF4-FFF2-40B4-BE49-F238E27FC236}">
@@ -3836,7 +6881,7 @@
             <a:pPr algn="ctr"/>
             <a:r>
               <a:rPr lang="zh-TW" altLang="en-US" dirty="0"/>
-              <a:t>檔案</a:t>
+              <a:t>檔案命名規則</a:t>
             </a:r>
           </a:p>
         </p:txBody>
@@ -3857,12 +6902,169 @@
             <p:ph idx="1"/>
           </p:nvPr>
         </p:nvSpPr>
-        <p:spPr/>
-        <p:txBody>
-          <a:bodyPr/>
+        <p:spPr>
+          <a:xfrm>
+            <a:off x="838199" y="1825625"/>
+            <a:ext cx="11216951" cy="4351338"/>
+          </a:xfrm>
+        </p:spPr>
+        <p:txBody>
+          <a:bodyPr>
+            <a:normAutofit lnSpcReduction="10000"/>
+          </a:bodyPr>
           <a:lstStyle/>
           <a:p>
-            <a:endParaRPr lang="zh-TW" altLang="en-US" dirty="0"/>
+            <a:r>
+              <a:rPr lang="zh-TW" altLang="en-US" sz="3600" dirty="0"/>
+              <a:t>名稱中不可以含有</a:t>
+            </a:r>
+            <a:r>
+              <a:rPr lang="en-US" altLang="zh-TW" sz="3600" dirty="0"/>
+              <a:t>\*?</a:t>
+            </a:r>
+            <a:r>
+              <a:rPr lang="zh-TW" altLang="en-US" sz="3600" dirty="0"/>
+              <a:t>」</a:t>
+            </a:r>
+            <a:r>
+              <a:rPr lang="en-US" altLang="zh-TW" sz="3600" dirty="0"/>
+              <a:t>&lt;&gt;|</a:t>
+            </a:r>
+            <a:r>
+              <a:rPr lang="zh-TW" altLang="en-US" sz="3600" dirty="0"/>
+              <a:t>等字元</a:t>
+            </a:r>
+            <a:endParaRPr lang="en-US" altLang="zh-TW" sz="3600" dirty="0"/>
+          </a:p>
+          <a:p>
+            <a:endParaRPr lang="en-US" altLang="zh-TW" sz="3600" dirty="0"/>
+          </a:p>
+          <a:p>
+            <a:r>
+              <a:rPr lang="zh-TW" altLang="en-US" sz="3600" dirty="0"/>
+              <a:t>盡量不要有</a:t>
+            </a:r>
+            <a:r>
+              <a:rPr lang="zh-TW" altLang="en-US" sz="3600" dirty="0">
+                <a:solidFill>
+                  <a:schemeClr val="accent4">
+                    <a:lumMod val="60000"/>
+                    <a:lumOff val="40000"/>
+                  </a:schemeClr>
+                </a:solidFill>
+              </a:rPr>
+              <a:t>空格</a:t>
+            </a:r>
+            <a:r>
+              <a:rPr lang="en-US" altLang="zh-TW" sz="3600" dirty="0">
+                <a:solidFill>
+                  <a:schemeClr val="accent4">
+                    <a:lumMod val="60000"/>
+                    <a:lumOff val="40000"/>
+                  </a:schemeClr>
+                </a:solidFill>
+              </a:rPr>
+              <a:t>		</a:t>
+            </a:r>
+            <a:r>
+              <a:rPr lang="en-US" altLang="zh-TW" sz="3600" dirty="0">
+                <a:solidFill>
+                  <a:prstClr val="white"/>
+                </a:solidFill>
+              </a:rPr>
+              <a:t>(ex. 1091234  1.cpp)</a:t>
+            </a:r>
+            <a:endParaRPr lang="en-US" altLang="zh-TW" sz="3600" dirty="0">
+              <a:solidFill>
+                <a:schemeClr val="accent4">
+                  <a:lumMod val="60000"/>
+                  <a:lumOff val="40000"/>
+                </a:schemeClr>
+              </a:solidFill>
+            </a:endParaRPr>
+          </a:p>
+          <a:p>
+            <a:endParaRPr lang="en-US" altLang="zh-TW" sz="3600" dirty="0"/>
+          </a:p>
+          <a:p>
+            <a:r>
+              <a:rPr lang="zh-TW" altLang="en-US" sz="3600" dirty="0"/>
+              <a:t>副檔名之前盡量不要有</a:t>
+            </a:r>
+            <a:r>
+              <a:rPr lang="en-US" altLang="zh-TW" sz="5400" dirty="0">
+                <a:solidFill>
+                  <a:schemeClr val="accent4">
+                    <a:lumMod val="60000"/>
+                    <a:lumOff val="40000"/>
+                  </a:schemeClr>
+                </a:solidFill>
+              </a:rPr>
+              <a:t>.</a:t>
+            </a:r>
+            <a:r>
+              <a:rPr lang="zh-TW" altLang="en-US" sz="3600" dirty="0">
+                <a:solidFill>
+                  <a:prstClr val="white"/>
+                </a:solidFill>
+              </a:rPr>
+              <a:t> </a:t>
+            </a:r>
+            <a:r>
+              <a:rPr lang="en-US" altLang="zh-TW" sz="3600" dirty="0">
+                <a:solidFill>
+                  <a:prstClr val="white"/>
+                </a:solidFill>
+              </a:rPr>
+              <a:t>	(ex. 1091234.test1.cpp)</a:t>
+            </a:r>
+            <a:endParaRPr lang="en-US" altLang="zh-TW" sz="5400" dirty="0"/>
+          </a:p>
+          <a:p>
+            <a:endParaRPr lang="en-US" altLang="zh-TW" sz="3600" dirty="0"/>
+          </a:p>
+          <a:p>
+            <a:r>
+              <a:rPr lang="zh-TW" altLang="en-US" sz="3600" dirty="0"/>
+              <a:t>檔案總管 </a:t>
+            </a:r>
+            <a:r>
+              <a:rPr lang="en-US" altLang="zh-TW" sz="3600" dirty="0"/>
+              <a:t>&gt;</a:t>
+            </a:r>
+            <a:r>
+              <a:rPr lang="zh-TW" altLang="en-US" sz="3600" dirty="0"/>
+              <a:t> 檢視 </a:t>
+            </a:r>
+            <a:r>
+              <a:rPr lang="en-US" altLang="zh-TW" sz="3600" dirty="0"/>
+              <a:t>&gt;</a:t>
+            </a:r>
+            <a:r>
+              <a:rPr lang="zh-TW" altLang="en-US" sz="3600" dirty="0"/>
+              <a:t> 顯示 </a:t>
+            </a:r>
+            <a:r>
+              <a:rPr lang="en-US" altLang="zh-TW" sz="3600" dirty="0"/>
+              <a:t>&gt; </a:t>
+            </a:r>
+            <a:r>
+              <a:rPr lang="zh-TW" altLang="en-US" sz="3600" dirty="0"/>
+              <a:t>副檔名  </a:t>
+            </a:r>
+            <a:r>
+              <a:rPr lang="en-US" altLang="zh-TW" sz="3600" dirty="0"/>
+              <a:t>(</a:t>
+            </a:r>
+            <a:r>
+              <a:rPr lang="zh-TW" altLang="en-US" sz="3600" dirty="0"/>
+              <a:t>可避免雙重副檔名</a:t>
+            </a:r>
+            <a:r>
+              <a:rPr lang="en-US" altLang="zh-TW" sz="3600" dirty="0"/>
+              <a:t>)</a:t>
+            </a:r>
+            <a:endParaRPr lang="zh-TW" altLang="en-US" sz="3600" dirty="0"/>
           </a:p>
         </p:txBody>
       </p:sp>
@@ -3870,6 +7072,1956 @@
     <p:extLst>
       <p:ext uri="{BB962C8B-B14F-4D97-AF65-F5344CB8AC3E}">
         <p14:creationId xmlns:p14="http://schemas.microsoft.com/office/powerpoint/2010/main" val="3970520161"/>
+      </p:ext>
+    </p:extLst>
+  </p:cSld>
+  <p:clrMapOvr>
+    <a:masterClrMapping/>
+  </p:clrMapOvr>
+</p:sld>
+</file>
+
+<file path=ppt/slides/slide4.xml><?xml version="1.0" encoding="utf-8"?>
+<p:sld xmlns:a="http://schemas.openxmlformats.org/drawingml/2006/main" xmlns:r="http://schemas.openxmlformats.org/officeDocument/2006/relationships" xmlns:p="http://schemas.openxmlformats.org/presentationml/2006/main">
+  <p:cSld>
+    <p:spTree>
+      <p:nvGrpSpPr>
+        <p:cNvPr id="1" name=""/>
+        <p:cNvGrpSpPr/>
+        <p:nvPr/>
+      </p:nvGrpSpPr>
+      <p:grpSpPr>
+        <a:xfrm>
+          <a:off x="0" y="0"/>
+          <a:ext cx="0" cy="0"/>
+          <a:chOff x="0" y="0"/>
+          <a:chExt cx="0" cy="0"/>
+        </a:xfrm>
+      </p:grpSpPr>
+      <p:sp>
+        <p:nvSpPr>
+          <p:cNvPr id="2" name="標題 1">
+            <a:extLst>
+              <a:ext uri="{FF2B5EF4-FFF2-40B4-BE49-F238E27FC236}">
+                <a16:creationId xmlns:a16="http://schemas.microsoft.com/office/drawing/2014/main" id="{80CE0A19-4D38-4D5C-A8BD-71445D1E0A01}"/>
+              </a:ext>
+            </a:extLst>
+          </p:cNvPr>
+          <p:cNvSpPr>
+            <a:spLocks noGrp="1"/>
+          </p:cNvSpPr>
+          <p:nvPr>
+            <p:ph type="title"/>
+          </p:nvPr>
+        </p:nvSpPr>
+        <p:spPr/>
+        <p:txBody>
+          <a:bodyPr/>
+          <a:lstStyle/>
+          <a:p>
+            <a:endParaRPr lang="zh-TW" altLang="en-US"/>
+          </a:p>
+        </p:txBody>
+      </p:sp>
+      <p:sp>
+        <p:nvSpPr>
+          <p:cNvPr id="3" name="內容版面配置區 2">
+            <a:extLst>
+              <a:ext uri="{FF2B5EF4-FFF2-40B4-BE49-F238E27FC236}">
+                <a16:creationId xmlns:a16="http://schemas.microsoft.com/office/drawing/2014/main" id="{BF26688E-3C43-42B2-87E8-E2C148680952}"/>
+              </a:ext>
+            </a:extLst>
+          </p:cNvPr>
+          <p:cNvSpPr>
+            <a:spLocks noGrp="1"/>
+          </p:cNvSpPr>
+          <p:nvPr>
+            <p:ph idx="1"/>
+          </p:nvPr>
+        </p:nvSpPr>
+        <p:spPr/>
+        <p:txBody>
+          <a:bodyPr>
+            <a:normAutofit/>
+          </a:bodyPr>
+          <a:lstStyle/>
+          <a:p>
+            <a:pPr marL="0" indent="0">
+              <a:buNone/>
+            </a:pPr>
+            <a:r>
+              <a:rPr lang="zh-TW" altLang="en-US" sz="3600" dirty="0"/>
+              <a:t>如用</a:t>
+            </a:r>
+            <a:r>
+              <a:rPr lang="en-US" altLang="zh-TW" sz="3600" dirty="0"/>
+              <a:t>visual studio</a:t>
+            </a:r>
+            <a:r>
+              <a:rPr lang="zh-TW" altLang="en-US" sz="3600" dirty="0"/>
+              <a:t>專案 </a:t>
+            </a:r>
+            <a:r>
+              <a:rPr lang="en-US" altLang="zh-TW" sz="3600" dirty="0"/>
+              <a:t>-&gt; </a:t>
+            </a:r>
+            <a:r>
+              <a:rPr lang="zh-TW" altLang="en-US" sz="3600" dirty="0"/>
+              <a:t>從專案中找出</a:t>
+            </a:r>
+            <a:r>
+              <a:rPr lang="en-US" altLang="zh-TW" sz="3600" dirty="0"/>
+              <a:t>.</a:t>
+            </a:r>
+            <a:r>
+              <a:rPr lang="en-US" altLang="zh-TW" sz="3600" dirty="0" err="1"/>
+              <a:t>cpp</a:t>
+            </a:r>
+            <a:r>
+              <a:rPr lang="zh-TW" altLang="en-US" sz="3600" dirty="0"/>
+              <a:t>上傳</a:t>
+            </a:r>
+          </a:p>
+        </p:txBody>
+      </p:sp>
+    </p:spTree>
+    <p:extLst>
+      <p:ext uri="{BB962C8B-B14F-4D97-AF65-F5344CB8AC3E}">
+        <p14:creationId xmlns:p14="http://schemas.microsoft.com/office/powerpoint/2010/main" val="4283631129"/>
+      </p:ext>
+    </p:extLst>
+  </p:cSld>
+  <p:clrMapOvr>
+    <a:masterClrMapping/>
+  </p:clrMapOvr>
+</p:sld>
+</file>
+
+<file path=ppt/slides/slide5.xml><?xml version="1.0" encoding="utf-8"?>
+<p:sld xmlns:a="http://schemas.openxmlformats.org/drawingml/2006/main" xmlns:r="http://schemas.openxmlformats.org/officeDocument/2006/relationships" xmlns:p="http://schemas.openxmlformats.org/presentationml/2006/main">
+  <p:cSld>
+    <p:spTree>
+      <p:nvGrpSpPr>
+        <p:cNvPr id="1" name=""/>
+        <p:cNvGrpSpPr/>
+        <p:nvPr/>
+      </p:nvGrpSpPr>
+      <p:grpSpPr>
+        <a:xfrm>
+          <a:off x="0" y="0"/>
+          <a:ext cx="0" cy="0"/>
+          <a:chOff x="0" y="0"/>
+          <a:chExt cx="0" cy="0"/>
+        </a:xfrm>
+      </p:grpSpPr>
+      <p:sp>
+        <p:nvSpPr>
+          <p:cNvPr id="2" name="標題 1">
+            <a:extLst>
+              <a:ext uri="{FF2B5EF4-FFF2-40B4-BE49-F238E27FC236}">
+                <a16:creationId xmlns:a16="http://schemas.microsoft.com/office/drawing/2014/main" id="{99CAAECD-12D5-4F20-8B48-433982D37EDE}"/>
+              </a:ext>
+            </a:extLst>
+          </p:cNvPr>
+          <p:cNvSpPr>
+            <a:spLocks noGrp="1"/>
+          </p:cNvSpPr>
+          <p:nvPr>
+            <p:ph type="title"/>
+          </p:nvPr>
+        </p:nvSpPr>
+        <p:spPr/>
+        <p:txBody>
+          <a:bodyPr/>
+          <a:lstStyle/>
+          <a:p>
+            <a:endParaRPr lang="zh-TW" altLang="en-US"/>
+          </a:p>
+        </p:txBody>
+      </p:sp>
+      <p:pic>
+        <p:nvPicPr>
+          <p:cNvPr id="9" name="內容版面配置區 8">
+            <a:extLst>
+              <a:ext uri="{FF2B5EF4-FFF2-40B4-BE49-F238E27FC236}">
+                <a16:creationId xmlns:a16="http://schemas.microsoft.com/office/drawing/2014/main" id="{37C346D4-BCDB-4681-8532-FF7D6ADBC74E}"/>
+              </a:ext>
+            </a:extLst>
+          </p:cNvPr>
+          <p:cNvPicPr>
+            <a:picLocks noGrp="1" noChangeAspect="1"/>
+          </p:cNvPicPr>
+          <p:nvPr>
+            <p:ph idx="1"/>
+          </p:nvPr>
+        </p:nvPicPr>
+        <p:blipFill>
+          <a:blip r:embed="rId2">
+            <a:extLst>
+              <a:ext uri="{28A0092B-C50C-407E-A947-70E740481C1C}">
+                <a14:useLocalDpi xmlns:a14="http://schemas.microsoft.com/office/drawing/2010/main" val="0"/>
+              </a:ext>
+            </a:extLst>
+          </a:blip>
+          <a:stretch>
+            <a:fillRect/>
+          </a:stretch>
+        </p:blipFill>
+        <p:spPr>
+          <a:xfrm>
+            <a:off x="701069" y="365125"/>
+            <a:ext cx="10411689" cy="5875528"/>
+          </a:xfrm>
+        </p:spPr>
+      </p:pic>
+    </p:spTree>
+    <p:extLst>
+      <p:ext uri="{BB962C8B-B14F-4D97-AF65-F5344CB8AC3E}">
+        <p14:creationId xmlns:p14="http://schemas.microsoft.com/office/powerpoint/2010/main" val="1813698687"/>
+      </p:ext>
+    </p:extLst>
+  </p:cSld>
+  <p:clrMapOvr>
+    <a:masterClrMapping/>
+  </p:clrMapOvr>
+</p:sld>
+</file>
+
+<file path=ppt/slides/slide6.xml><?xml version="1.0" encoding="utf-8"?>
+<p:sld xmlns:a="http://schemas.openxmlformats.org/drawingml/2006/main" xmlns:r="http://schemas.openxmlformats.org/officeDocument/2006/relationships" xmlns:p="http://schemas.openxmlformats.org/presentationml/2006/main">
+  <p:cSld>
+    <p:spTree>
+      <p:nvGrpSpPr>
+        <p:cNvPr id="1" name=""/>
+        <p:cNvGrpSpPr/>
+        <p:nvPr/>
+      </p:nvGrpSpPr>
+      <p:grpSpPr>
+        <a:xfrm>
+          <a:off x="0" y="0"/>
+          <a:ext cx="0" cy="0"/>
+          <a:chOff x="0" y="0"/>
+          <a:chExt cx="0" cy="0"/>
+        </a:xfrm>
+      </p:grpSpPr>
+      <p:sp>
+        <p:nvSpPr>
+          <p:cNvPr id="2" name="標題 1">
+            <a:extLst>
+              <a:ext uri="{FF2B5EF4-FFF2-40B4-BE49-F238E27FC236}">
+                <a16:creationId xmlns:a16="http://schemas.microsoft.com/office/drawing/2014/main" id="{2783E7A3-D1B8-4DCE-AAC4-FB15CE6F9302}"/>
+              </a:ext>
+            </a:extLst>
+          </p:cNvPr>
+          <p:cNvSpPr>
+            <a:spLocks noGrp="1"/>
+          </p:cNvSpPr>
+          <p:nvPr>
+            <p:ph type="title"/>
+          </p:nvPr>
+        </p:nvSpPr>
+        <p:spPr>
+          <a:xfrm>
+            <a:off x="838200" y="28379"/>
+            <a:ext cx="10515600" cy="1325563"/>
+          </a:xfrm>
+        </p:spPr>
+        <p:txBody>
+          <a:bodyPr/>
+          <a:lstStyle/>
+          <a:p>
+            <a:pPr algn="ctr"/>
+            <a:r>
+              <a:rPr lang="zh-TW" altLang="en-US" dirty="0"/>
+              <a:t>函數 補充</a:t>
+            </a:r>
+          </a:p>
+        </p:txBody>
+      </p:sp>
+      <p:sp>
+        <p:nvSpPr>
+          <p:cNvPr id="3" name="內容版面配置區 2">
+            <a:extLst>
+              <a:ext uri="{FF2B5EF4-FFF2-40B4-BE49-F238E27FC236}">
+                <a16:creationId xmlns:a16="http://schemas.microsoft.com/office/drawing/2014/main" id="{103ACA36-07A9-4874-80FF-CA6563C00D2A}"/>
+              </a:ext>
+            </a:extLst>
+          </p:cNvPr>
+          <p:cNvSpPr>
+            <a:spLocks noGrp="1"/>
+          </p:cNvSpPr>
+          <p:nvPr>
+            <p:ph idx="1"/>
+          </p:nvPr>
+        </p:nvSpPr>
+        <p:spPr>
+          <a:xfrm>
+            <a:off x="838200" y="1172482"/>
+            <a:ext cx="10515600" cy="4351338"/>
+          </a:xfrm>
+        </p:spPr>
+        <p:txBody>
+          <a:bodyPr>
+            <a:normAutofit/>
+          </a:bodyPr>
+          <a:lstStyle/>
+          <a:p>
+            <a:r>
+              <a:rPr lang="zh-TW" altLang="en-US" sz="3600" dirty="0"/>
+              <a:t>在函數中，</a:t>
+            </a:r>
+            <a:r>
+              <a:rPr lang="en-US" altLang="zh-TW" sz="3600" dirty="0"/>
+              <a:t>return </a:t>
+            </a:r>
+            <a:r>
+              <a:rPr lang="zh-TW" altLang="en-US" sz="3600" dirty="0"/>
+              <a:t>可中斷函數</a:t>
+            </a:r>
+            <a:endParaRPr lang="en-US" altLang="zh-TW" sz="3600" dirty="0"/>
+          </a:p>
+          <a:p>
+            <a:r>
+              <a:rPr lang="zh-TW" altLang="en-US" sz="3600" dirty="0"/>
+              <a:t>函數可以沒有參數</a:t>
+            </a:r>
+          </a:p>
+        </p:txBody>
+      </p:sp>
+      <p:pic>
+        <p:nvPicPr>
+          <p:cNvPr id="5" name="圖片 4">
+            <a:extLst>
+              <a:ext uri="{FF2B5EF4-FFF2-40B4-BE49-F238E27FC236}">
+                <a16:creationId xmlns:a16="http://schemas.microsoft.com/office/drawing/2014/main" id="{885572B9-1A0F-459D-9675-EB420AD1119C}"/>
+              </a:ext>
+            </a:extLst>
+          </p:cNvPr>
+          <p:cNvPicPr>
+            <a:picLocks noChangeAspect="1"/>
+          </p:cNvPicPr>
+          <p:nvPr/>
+        </p:nvPicPr>
+        <p:blipFill>
+          <a:blip r:embed="rId2">
+            <a:extLst>
+              <a:ext uri="{28A0092B-C50C-407E-A947-70E740481C1C}">
+                <a14:useLocalDpi xmlns:a14="http://schemas.microsoft.com/office/drawing/2010/main" val="0"/>
+              </a:ext>
+            </a:extLst>
+          </a:blip>
+          <a:stretch>
+            <a:fillRect/>
+          </a:stretch>
+        </p:blipFill>
+        <p:spPr>
+          <a:xfrm>
+            <a:off x="2565721" y="2530834"/>
+            <a:ext cx="7884565" cy="4117812"/>
+          </a:xfrm>
+          <a:prstGeom prst="rect">
+            <a:avLst/>
+          </a:prstGeom>
+        </p:spPr>
+      </p:pic>
+    </p:spTree>
+    <p:extLst>
+      <p:ext uri="{BB962C8B-B14F-4D97-AF65-F5344CB8AC3E}">
+        <p14:creationId xmlns:p14="http://schemas.microsoft.com/office/powerpoint/2010/main" val="2497444721"/>
+      </p:ext>
+    </p:extLst>
+  </p:cSld>
+  <p:clrMapOvr>
+    <a:masterClrMapping/>
+  </p:clrMapOvr>
+</p:sld>
+</file>
+
+<file path=ppt/slides/slide7.xml><?xml version="1.0" encoding="utf-8"?>
+<p:sld xmlns:a="http://schemas.openxmlformats.org/drawingml/2006/main" xmlns:r="http://schemas.openxmlformats.org/officeDocument/2006/relationships" xmlns:p="http://schemas.openxmlformats.org/presentationml/2006/main">
+  <p:cSld>
+    <p:spTree>
+      <p:nvGrpSpPr>
+        <p:cNvPr id="1" name=""/>
+        <p:cNvGrpSpPr/>
+        <p:nvPr/>
+      </p:nvGrpSpPr>
+      <p:grpSpPr>
+        <a:xfrm>
+          <a:off x="0" y="0"/>
+          <a:ext cx="0" cy="0"/>
+          <a:chOff x="0" y="0"/>
+          <a:chExt cx="0" cy="0"/>
+        </a:xfrm>
+      </p:grpSpPr>
+      <p:sp>
+        <p:nvSpPr>
+          <p:cNvPr id="2" name="標題 1">
+            <a:extLst>
+              <a:ext uri="{FF2B5EF4-FFF2-40B4-BE49-F238E27FC236}">
+                <a16:creationId xmlns:a16="http://schemas.microsoft.com/office/drawing/2014/main" id="{B0318B39-41C4-4361-A978-7A0EC5F4B7C4}"/>
+              </a:ext>
+            </a:extLst>
+          </p:cNvPr>
+          <p:cNvSpPr>
+            <a:spLocks noGrp="1"/>
+          </p:cNvSpPr>
+          <p:nvPr>
+            <p:ph type="title"/>
+          </p:nvPr>
+        </p:nvSpPr>
+        <p:spPr>
+          <a:xfrm>
+            <a:off x="838200" y="18255"/>
+            <a:ext cx="10515600" cy="1325563"/>
+          </a:xfrm>
+        </p:spPr>
+        <p:txBody>
+          <a:bodyPr>
+            <a:normAutofit/>
+          </a:bodyPr>
+          <a:lstStyle/>
+          <a:p>
+            <a:pPr algn="ctr"/>
+            <a:r>
+              <a:rPr lang="zh-TW" altLang="en-US" sz="6600" dirty="0"/>
+              <a:t>遞迴</a:t>
+            </a:r>
+          </a:p>
+        </p:txBody>
+      </p:sp>
+      <p:sp>
+        <p:nvSpPr>
+          <p:cNvPr id="3" name="內容版面配置區 2">
+            <a:extLst>
+              <a:ext uri="{FF2B5EF4-FFF2-40B4-BE49-F238E27FC236}">
+                <a16:creationId xmlns:a16="http://schemas.microsoft.com/office/drawing/2014/main" id="{3D4C1940-8E06-4A31-9C52-8ED5BA18E70C}"/>
+              </a:ext>
+            </a:extLst>
+          </p:cNvPr>
+          <p:cNvSpPr>
+            <a:spLocks noGrp="1"/>
+          </p:cNvSpPr>
+          <p:nvPr>
+            <p:ph idx="1"/>
+          </p:nvPr>
+        </p:nvSpPr>
+        <p:spPr>
+          <a:xfrm>
+            <a:off x="838200" y="933061"/>
+            <a:ext cx="11254273" cy="5748063"/>
+          </a:xfrm>
+        </p:spPr>
+        <p:txBody>
+          <a:bodyPr>
+            <a:normAutofit fontScale="85000" lnSpcReduction="20000"/>
+          </a:bodyPr>
+          <a:lstStyle/>
+          <a:p>
+            <a:pPr marL="0" indent="0">
+              <a:buNone/>
+            </a:pPr>
+            <a:r>
+              <a:rPr lang="zh-TW" altLang="en-US" sz="3600" dirty="0"/>
+              <a:t>常用於</a:t>
+            </a:r>
+            <a:endParaRPr lang="en-US" altLang="zh-TW" sz="3600" dirty="0"/>
+          </a:p>
+          <a:p>
+            <a:pPr marL="0" indent="0">
+              <a:buNone/>
+            </a:pPr>
+            <a:r>
+              <a:rPr lang="en-US" altLang="zh-TW" sz="3600" dirty="0"/>
+              <a:t>	1.</a:t>
+            </a:r>
+            <a:r>
+              <a:rPr lang="zh-TW" altLang="en-US" sz="3600" dirty="0"/>
+              <a:t>未知長度的探索問題 </a:t>
+            </a:r>
+            <a:r>
+              <a:rPr lang="en-US" altLang="zh-TW" sz="3600" dirty="0"/>
+              <a:t>(</a:t>
+            </a:r>
+            <a:r>
+              <a:rPr lang="zh-TW" altLang="en-US" sz="3600" dirty="0"/>
+              <a:t>遍歷容器</a:t>
+            </a:r>
+            <a:r>
+              <a:rPr lang="en-US" altLang="zh-TW" sz="3600" dirty="0"/>
+              <a:t>)</a:t>
+            </a:r>
+          </a:p>
+          <a:p>
+            <a:pPr marL="0" indent="0">
+              <a:buNone/>
+            </a:pPr>
+            <a:r>
+              <a:rPr lang="en-US" altLang="zh-TW" sz="3600" dirty="0"/>
+              <a:t>	2.</a:t>
+            </a:r>
+            <a:r>
+              <a:rPr lang="zh-TW" altLang="en-US" sz="3600" dirty="0"/>
+              <a:t>最終解可由子問題解推得</a:t>
+            </a:r>
+            <a:endParaRPr lang="en-US" altLang="zh-TW" sz="3600" dirty="0"/>
+          </a:p>
+          <a:p>
+            <a:pPr marL="0" indent="0">
+              <a:buNone/>
+            </a:pPr>
+            <a:endParaRPr lang="en-US" altLang="zh-TW" sz="3600" b="1" dirty="0"/>
+          </a:p>
+          <a:p>
+            <a:pPr marL="0" indent="0">
+              <a:buNone/>
+            </a:pPr>
+            <a:r>
+              <a:rPr lang="zh-TW" altLang="en-US" sz="3600" b="1" dirty="0"/>
+              <a:t>設定條件</a:t>
+            </a:r>
+            <a:endParaRPr lang="en-US" altLang="zh-TW" sz="3600" b="1" dirty="0"/>
+          </a:p>
+          <a:p>
+            <a:r>
+              <a:rPr lang="zh-TW" altLang="en-US" sz="3600" dirty="0">
+                <a:solidFill>
+                  <a:schemeClr val="accent4">
+                    <a:lumMod val="60000"/>
+                    <a:lumOff val="40000"/>
+                  </a:schemeClr>
+                </a:solidFill>
+              </a:rPr>
+              <a:t>遞迴情況</a:t>
+            </a:r>
+            <a:r>
+              <a:rPr lang="en-US" altLang="zh-TW" sz="3600" dirty="0"/>
+              <a:t>(Recursive case):</a:t>
+            </a:r>
+            <a:r>
+              <a:rPr lang="zh-TW" altLang="en-US" sz="3600" dirty="0"/>
+              <a:t> 子問題仍需遞迴求解</a:t>
+            </a:r>
+            <a:endParaRPr lang="en-US" altLang="zh-TW" sz="3600" dirty="0"/>
+          </a:p>
+          <a:p>
+            <a:r>
+              <a:rPr lang="zh-TW" altLang="en-US" sz="3600" dirty="0">
+                <a:solidFill>
+                  <a:schemeClr val="accent4">
+                    <a:lumMod val="60000"/>
+                    <a:lumOff val="40000"/>
+                  </a:schemeClr>
+                </a:solidFill>
+              </a:rPr>
+              <a:t>基本情況</a:t>
+            </a:r>
+            <a:r>
+              <a:rPr lang="en-US" altLang="zh-TW" sz="3600" dirty="0"/>
+              <a:t>(Base case):</a:t>
+            </a:r>
+            <a:r>
+              <a:rPr lang="zh-TW" altLang="en-US" sz="3600" dirty="0"/>
+              <a:t> 觸底</a:t>
+            </a:r>
+            <a:r>
+              <a:rPr lang="en-US" altLang="zh-TW" sz="3600" dirty="0"/>
+              <a:t>		//</a:t>
+            </a:r>
+            <a:r>
+              <a:rPr lang="zh-TW" altLang="en-US" sz="3600" dirty="0"/>
+              <a:t>一定要記得寫，避免無限遞迴</a:t>
+            </a:r>
+            <a:endParaRPr lang="en-US" altLang="zh-TW" sz="3600" dirty="0"/>
+          </a:p>
+          <a:p>
+            <a:endParaRPr lang="en-US" altLang="zh-TW" sz="3600" dirty="0"/>
+          </a:p>
+          <a:p>
+            <a:pPr marL="0" indent="0">
+              <a:buNone/>
+            </a:pPr>
+            <a:r>
+              <a:rPr lang="zh-TW" altLang="en-US" sz="3600" b="1" dirty="0"/>
+              <a:t>分治法步驟 </a:t>
+            </a:r>
+            <a:r>
+              <a:rPr lang="en-US" altLang="zh-TW" sz="3600" b="1" dirty="0"/>
+              <a:t>(</a:t>
+            </a:r>
+            <a:r>
+              <a:rPr lang="zh-TW" altLang="en-US" sz="3600" b="1" dirty="0"/>
+              <a:t>運作過程</a:t>
+            </a:r>
+            <a:r>
+              <a:rPr lang="en-US" altLang="zh-TW" sz="3600" b="1" dirty="0"/>
+              <a:t>)</a:t>
+            </a:r>
+          </a:p>
+          <a:p>
+            <a:r>
+              <a:rPr lang="zh-TW" altLang="en-US" sz="3600" dirty="0">
+                <a:solidFill>
+                  <a:schemeClr val="accent4">
+                    <a:lumMod val="60000"/>
+                    <a:lumOff val="40000"/>
+                  </a:schemeClr>
+                </a:solidFill>
+              </a:rPr>
+              <a:t>分解</a:t>
+            </a:r>
+            <a:r>
+              <a:rPr lang="en-US" altLang="zh-TW" sz="3600" dirty="0"/>
+              <a:t>:</a:t>
+            </a:r>
+            <a:r>
+              <a:rPr lang="zh-TW" altLang="en-US" sz="3600" dirty="0"/>
+              <a:t> 將問題分解為子問題</a:t>
+            </a:r>
+            <a:endParaRPr lang="en-US" altLang="zh-TW" sz="3600" dirty="0"/>
+          </a:p>
+          <a:p>
+            <a:r>
+              <a:rPr lang="zh-TW" altLang="en-US" sz="3600" dirty="0">
+                <a:solidFill>
+                  <a:schemeClr val="accent4">
+                    <a:lumMod val="60000"/>
+                    <a:lumOff val="40000"/>
+                  </a:schemeClr>
+                </a:solidFill>
+              </a:rPr>
+              <a:t>解決</a:t>
+            </a:r>
+            <a:r>
+              <a:rPr lang="en-US" altLang="zh-TW" sz="3600" dirty="0"/>
+              <a:t>:</a:t>
+            </a:r>
+            <a:r>
+              <a:rPr lang="zh-TW" altLang="en-US" sz="3600" dirty="0"/>
+              <a:t> 求子問題的解</a:t>
+            </a:r>
+            <a:endParaRPr lang="en-US" altLang="zh-TW" sz="3600" dirty="0"/>
+          </a:p>
+          <a:p>
+            <a:r>
+              <a:rPr lang="zh-TW" altLang="en-US" sz="3600" dirty="0">
+                <a:solidFill>
+                  <a:schemeClr val="accent4">
+                    <a:lumMod val="60000"/>
+                    <a:lumOff val="40000"/>
+                  </a:schemeClr>
+                </a:solidFill>
+              </a:rPr>
+              <a:t>合併</a:t>
+            </a:r>
+            <a:r>
+              <a:rPr lang="en-US" altLang="zh-TW" sz="3600" dirty="0"/>
+              <a:t>:</a:t>
+            </a:r>
+            <a:r>
+              <a:rPr lang="zh-TW" altLang="en-US" sz="3600" dirty="0"/>
+              <a:t> 將子問題的解合併</a:t>
+            </a:r>
+          </a:p>
+        </p:txBody>
+      </p:sp>
+    </p:spTree>
+    <p:extLst>
+      <p:ext uri="{BB962C8B-B14F-4D97-AF65-F5344CB8AC3E}">
+        <p14:creationId xmlns:p14="http://schemas.microsoft.com/office/powerpoint/2010/main" val="3073864496"/>
+      </p:ext>
+    </p:extLst>
+  </p:cSld>
+  <p:clrMapOvr>
+    <a:masterClrMapping/>
+  </p:clrMapOvr>
+</p:sld>
+</file>
+
+<file path=ppt/slides/slide8.xml><?xml version="1.0" encoding="utf-8"?>
+<p:sld xmlns:a="http://schemas.openxmlformats.org/drawingml/2006/main" xmlns:r="http://schemas.openxmlformats.org/officeDocument/2006/relationships" xmlns:p="http://schemas.openxmlformats.org/presentationml/2006/main">
+  <p:cSld>
+    <p:spTree>
+      <p:nvGrpSpPr>
+        <p:cNvPr id="1" name=""/>
+        <p:cNvGrpSpPr/>
+        <p:nvPr/>
+      </p:nvGrpSpPr>
+      <p:grpSpPr>
+        <a:xfrm>
+          <a:off x="0" y="0"/>
+          <a:ext cx="0" cy="0"/>
+          <a:chOff x="0" y="0"/>
+          <a:chExt cx="0" cy="0"/>
+        </a:xfrm>
+      </p:grpSpPr>
+      <p:sp>
+        <p:nvSpPr>
+          <p:cNvPr id="2" name="標題 1">
+            <a:extLst>
+              <a:ext uri="{FF2B5EF4-FFF2-40B4-BE49-F238E27FC236}">
+                <a16:creationId xmlns:a16="http://schemas.microsoft.com/office/drawing/2014/main" id="{5A8E1B13-713C-4CD4-8C5D-4F532145A263}"/>
+              </a:ext>
+            </a:extLst>
+          </p:cNvPr>
+          <p:cNvSpPr>
+            <a:spLocks noGrp="1"/>
+          </p:cNvSpPr>
+          <p:nvPr>
+            <p:ph type="title"/>
+          </p:nvPr>
+        </p:nvSpPr>
+        <p:spPr>
+          <a:xfrm>
+            <a:off x="838200" y="365125"/>
+            <a:ext cx="10515600" cy="1325563"/>
+          </a:xfrm>
+        </p:spPr>
+        <p:txBody>
+          <a:bodyPr/>
+          <a:lstStyle/>
+          <a:p>
+            <a:pPr algn="ctr"/>
+            <a:r>
+              <a:rPr lang="zh-TW" altLang="en-US" dirty="0"/>
+              <a:t>練習一</a:t>
+            </a:r>
+          </a:p>
+        </p:txBody>
+      </p:sp>
+      <p:sp>
+        <p:nvSpPr>
+          <p:cNvPr id="3" name="內容版面配置區 2">
+            <a:extLst>
+              <a:ext uri="{FF2B5EF4-FFF2-40B4-BE49-F238E27FC236}">
+                <a16:creationId xmlns:a16="http://schemas.microsoft.com/office/drawing/2014/main" id="{A981B9B0-158D-4F5F-BB86-0FE6815B8125}"/>
+              </a:ext>
+            </a:extLst>
+          </p:cNvPr>
+          <p:cNvSpPr>
+            <a:spLocks noGrp="1"/>
+          </p:cNvSpPr>
+          <p:nvPr>
+            <p:ph idx="1"/>
+          </p:nvPr>
+        </p:nvSpPr>
+        <p:spPr>
+          <a:xfrm>
+            <a:off x="838199" y="1825624"/>
+            <a:ext cx="7041472" cy="2437719"/>
+          </a:xfrm>
+        </p:spPr>
+        <p:txBody>
+          <a:bodyPr>
+            <a:normAutofit fontScale="92500" lnSpcReduction="10000"/>
+          </a:bodyPr>
+          <a:lstStyle/>
+          <a:p>
+            <a:r>
+              <a:rPr lang="en-US" altLang="zh-TW" sz="3200" dirty="0"/>
+              <a:t>n! = n * (n-1) * (n-2) * … * 1	</a:t>
+            </a:r>
+            <a:r>
+              <a:rPr lang="zh-TW" altLang="en-US" sz="3200" dirty="0"/>
+              <a:t>       </a:t>
+            </a:r>
+            <a:r>
+              <a:rPr lang="en-US" altLang="zh-TW" sz="3200" dirty="0"/>
+              <a:t>//</a:t>
+            </a:r>
+            <a:r>
+              <a:rPr lang="zh-TW" altLang="en-US" sz="3200" dirty="0"/>
+              <a:t> </a:t>
+            </a:r>
+            <a:r>
+              <a:rPr lang="en-US" altLang="zh-TW" sz="3200" dirty="0"/>
+              <a:t>0!= 1</a:t>
+            </a:r>
+          </a:p>
+          <a:p>
+            <a:r>
+              <a:rPr lang="zh-TW" altLang="en-US" sz="3200" dirty="0"/>
+              <a:t>寫一函式，計算</a:t>
+            </a:r>
+            <a:r>
+              <a:rPr lang="en-US" altLang="zh-TW" sz="3200" dirty="0"/>
+              <a:t>n</a:t>
+            </a:r>
+            <a:r>
+              <a:rPr lang="zh-TW" altLang="en-US" sz="3200" dirty="0"/>
+              <a:t>階層。</a:t>
+            </a:r>
+            <a:endParaRPr lang="en-US" altLang="zh-TW" sz="3200" dirty="0"/>
+          </a:p>
+          <a:p>
+            <a:pPr marL="0" indent="0">
+              <a:buNone/>
+            </a:pPr>
+            <a:r>
+              <a:rPr lang="zh-TW" altLang="en-US" sz="3200" dirty="0"/>
+              <a:t>想想看，需要哪些情況或條件</a:t>
+            </a:r>
+            <a:r>
+              <a:rPr lang="en-US" altLang="zh-TW" sz="3200" dirty="0"/>
+              <a:t>?</a:t>
+            </a:r>
+          </a:p>
+          <a:p>
+            <a:pPr marL="0" indent="0">
+              <a:buNone/>
+            </a:pPr>
+            <a:endParaRPr lang="en-US" altLang="zh-TW" sz="3200" dirty="0"/>
+          </a:p>
+          <a:p>
+            <a:pPr marL="0" indent="0">
+              <a:buNone/>
+            </a:pPr>
+            <a:r>
+              <a:rPr lang="en-US" altLang="zh-TW" sz="3200" dirty="0"/>
+              <a:t>--&gt;</a:t>
+            </a:r>
+            <a:r>
+              <a:rPr lang="zh-TW" altLang="en-US" sz="3200" dirty="0"/>
+              <a:t>拆解成子問題</a:t>
+            </a:r>
+            <a:endParaRPr lang="en-US" altLang="zh-TW" sz="3200" dirty="0"/>
+          </a:p>
+          <a:p>
+            <a:pPr marL="0" indent="0">
+              <a:buNone/>
+            </a:pPr>
+            <a:endParaRPr lang="en-US" altLang="zh-TW" sz="3200" dirty="0"/>
+          </a:p>
+          <a:p>
+            <a:pPr marL="0" indent="0">
+              <a:buNone/>
+            </a:pPr>
+            <a:endParaRPr lang="en-US" altLang="zh-TW" sz="3200" dirty="0"/>
+          </a:p>
+        </p:txBody>
+      </p:sp>
+      <p:grpSp>
+        <p:nvGrpSpPr>
+          <p:cNvPr id="13" name="群組 12">
+            <a:extLst>
+              <a:ext uri="{FF2B5EF4-FFF2-40B4-BE49-F238E27FC236}">
+                <a16:creationId xmlns:a16="http://schemas.microsoft.com/office/drawing/2014/main" id="{BF732897-C018-45F9-947B-EC937BFF42DD}"/>
+              </a:ext>
+            </a:extLst>
+          </p:cNvPr>
+          <p:cNvGrpSpPr/>
+          <p:nvPr/>
+        </p:nvGrpSpPr>
+        <p:grpSpPr>
+          <a:xfrm>
+            <a:off x="7802926" y="2165647"/>
+            <a:ext cx="3490195" cy="2526705"/>
+            <a:chOff x="7476355" y="1825625"/>
+            <a:chExt cx="3490195" cy="2526705"/>
+          </a:xfrm>
+        </p:grpSpPr>
+        <p:sp>
+          <p:nvSpPr>
+            <p:cNvPr id="4" name="矩形 3">
+              <a:extLst>
+                <a:ext uri="{FF2B5EF4-FFF2-40B4-BE49-F238E27FC236}">
+                  <a16:creationId xmlns:a16="http://schemas.microsoft.com/office/drawing/2014/main" id="{AF481670-2A84-4376-9A51-C04608754DC5}"/>
+                </a:ext>
+              </a:extLst>
+            </p:cNvPr>
+            <p:cNvSpPr/>
+            <p:nvPr/>
+          </p:nvSpPr>
+          <p:spPr>
+            <a:xfrm>
+              <a:off x="8358608" y="1825625"/>
+              <a:ext cx="774572" cy="923330"/>
+            </a:xfrm>
+            <a:prstGeom prst="rect">
+              <a:avLst/>
+            </a:prstGeom>
+            <a:noFill/>
+          </p:spPr>
+          <p:txBody>
+            <a:bodyPr wrap="none" lIns="91440" tIns="45720" rIns="91440" bIns="45720">
+              <a:spAutoFit/>
+            </a:bodyPr>
+            <a:lstStyle/>
+            <a:p>
+              <a:pPr algn="ctr"/>
+              <a:r>
+                <a:rPr lang="en-US" altLang="zh-TW" sz="5400" dirty="0">
+                  <a:ln w="0"/>
+                  <a:solidFill>
+                    <a:schemeClr val="accent4">
+                      <a:lumMod val="60000"/>
+                      <a:lumOff val="40000"/>
+                    </a:schemeClr>
+                  </a:solidFill>
+                  <a:effectLst>
+                    <a:outerShdw blurRad="38100" dist="25400" dir="5400000" algn="ctr" rotWithShape="0">
+                      <a:srgbClr val="6E747A">
+                        <a:alpha val="43000"/>
+                      </a:srgbClr>
+                    </a:outerShdw>
+                  </a:effectLst>
+                </a:rPr>
+                <a:t>n</a:t>
+              </a:r>
+              <a:r>
+                <a:rPr lang="en-US" altLang="zh-TW" sz="5400" b="0" cap="none" spc="0" dirty="0">
+                  <a:ln w="0"/>
+                  <a:solidFill>
+                    <a:schemeClr val="accent4">
+                      <a:lumMod val="60000"/>
+                      <a:lumOff val="40000"/>
+                    </a:schemeClr>
+                  </a:solidFill>
+                  <a:effectLst>
+                    <a:outerShdw blurRad="38100" dist="25400" dir="5400000" algn="ctr" rotWithShape="0">
+                      <a:srgbClr val="6E747A">
+                        <a:alpha val="43000"/>
+                      </a:srgbClr>
+                    </a:outerShdw>
+                  </a:effectLst>
+                </a:rPr>
+                <a:t>!</a:t>
+              </a:r>
+              <a:endParaRPr lang="zh-TW" altLang="en-US" sz="5400" b="0" cap="none" spc="0" dirty="0">
+                <a:ln w="0"/>
+                <a:solidFill>
+                  <a:schemeClr val="accent4">
+                    <a:lumMod val="60000"/>
+                    <a:lumOff val="40000"/>
+                  </a:schemeClr>
+                </a:solidFill>
+                <a:effectLst>
+                  <a:outerShdw blurRad="38100" dist="25400" dir="5400000" algn="ctr" rotWithShape="0">
+                    <a:srgbClr val="6E747A">
+                      <a:alpha val="43000"/>
+                    </a:srgbClr>
+                  </a:outerShdw>
+                </a:effectLst>
+              </a:endParaRPr>
+            </a:p>
+          </p:txBody>
+        </p:sp>
+        <p:sp>
+          <p:nvSpPr>
+            <p:cNvPr id="5" name="矩形 4">
+              <a:extLst>
+                <a:ext uri="{FF2B5EF4-FFF2-40B4-BE49-F238E27FC236}">
+                  <a16:creationId xmlns:a16="http://schemas.microsoft.com/office/drawing/2014/main" id="{48A037CD-C17B-4B31-9278-B4A787434CE5}"/>
+                </a:ext>
+              </a:extLst>
+            </p:cNvPr>
+            <p:cNvSpPr/>
+            <p:nvPr/>
+          </p:nvSpPr>
+          <p:spPr>
+            <a:xfrm>
+              <a:off x="7476355" y="3429000"/>
+              <a:ext cx="548548" cy="923330"/>
+            </a:xfrm>
+            <a:prstGeom prst="rect">
+              <a:avLst/>
+            </a:prstGeom>
+            <a:noFill/>
+          </p:spPr>
+          <p:txBody>
+            <a:bodyPr wrap="none" lIns="91440" tIns="45720" rIns="91440" bIns="45720">
+              <a:spAutoFit/>
+            </a:bodyPr>
+            <a:lstStyle/>
+            <a:p>
+              <a:pPr algn="ctr"/>
+              <a:r>
+                <a:rPr lang="en-US" altLang="zh-TW" sz="5400" dirty="0">
+                  <a:ln w="0"/>
+                  <a:solidFill>
+                    <a:schemeClr val="accent4">
+                      <a:lumMod val="60000"/>
+                      <a:lumOff val="40000"/>
+                    </a:schemeClr>
+                  </a:solidFill>
+                  <a:effectLst>
+                    <a:outerShdw blurRad="38100" dist="25400" dir="5400000" algn="ctr" rotWithShape="0">
+                      <a:srgbClr val="6E747A">
+                        <a:alpha val="43000"/>
+                      </a:srgbClr>
+                    </a:outerShdw>
+                  </a:effectLst>
+                </a:rPr>
+                <a:t>n</a:t>
+              </a:r>
+              <a:endParaRPr lang="zh-TW" altLang="en-US" sz="5400" b="0" cap="none" spc="0" dirty="0">
+                <a:ln w="0"/>
+                <a:solidFill>
+                  <a:schemeClr val="accent4">
+                    <a:lumMod val="60000"/>
+                    <a:lumOff val="40000"/>
+                  </a:schemeClr>
+                </a:solidFill>
+                <a:effectLst>
+                  <a:outerShdw blurRad="38100" dist="25400" dir="5400000" algn="ctr" rotWithShape="0">
+                    <a:srgbClr val="6E747A">
+                      <a:alpha val="43000"/>
+                    </a:srgbClr>
+                  </a:outerShdw>
+                </a:effectLst>
+              </a:endParaRPr>
+            </a:p>
+          </p:txBody>
+        </p:sp>
+        <p:sp>
+          <p:nvSpPr>
+            <p:cNvPr id="6" name="矩形 5">
+              <a:extLst>
+                <a:ext uri="{FF2B5EF4-FFF2-40B4-BE49-F238E27FC236}">
+                  <a16:creationId xmlns:a16="http://schemas.microsoft.com/office/drawing/2014/main" id="{BD3AEA89-B2CE-4832-99DA-3B956D754615}"/>
+                </a:ext>
+              </a:extLst>
+            </p:cNvPr>
+            <p:cNvSpPr/>
+            <p:nvPr/>
+          </p:nvSpPr>
+          <p:spPr>
+            <a:xfrm>
+              <a:off x="8580961" y="3429000"/>
+              <a:ext cx="2385589" cy="923330"/>
+            </a:xfrm>
+            <a:prstGeom prst="rect">
+              <a:avLst/>
+            </a:prstGeom>
+            <a:noFill/>
+          </p:spPr>
+          <p:txBody>
+            <a:bodyPr wrap="none" lIns="91440" tIns="45720" rIns="91440" bIns="45720">
+              <a:spAutoFit/>
+            </a:bodyPr>
+            <a:lstStyle/>
+            <a:p>
+              <a:pPr algn="ctr"/>
+              <a:r>
+                <a:rPr lang="en-US" altLang="zh-TW" sz="5400" dirty="0">
+                  <a:ln w="0"/>
+                  <a:solidFill>
+                    <a:schemeClr val="accent4">
+                      <a:lumMod val="60000"/>
+                      <a:lumOff val="40000"/>
+                    </a:schemeClr>
+                  </a:solidFill>
+                  <a:effectLst>
+                    <a:outerShdw blurRad="38100" dist="25400" dir="5400000" algn="ctr" rotWithShape="0">
+                      <a:srgbClr val="6E747A">
+                        <a:alpha val="43000"/>
+                      </a:srgbClr>
+                    </a:outerShdw>
+                  </a:effectLst>
+                </a:rPr>
+                <a:t>    (n</a:t>
+              </a:r>
+              <a:r>
+                <a:rPr lang="en-US" altLang="zh-TW" sz="5400" b="0" cap="none" spc="0" dirty="0">
+                  <a:ln w="0"/>
+                  <a:solidFill>
+                    <a:schemeClr val="accent4">
+                      <a:lumMod val="60000"/>
+                      <a:lumOff val="40000"/>
+                    </a:schemeClr>
+                  </a:solidFill>
+                  <a:effectLst>
+                    <a:outerShdw blurRad="38100" dist="25400" dir="5400000" algn="ctr" rotWithShape="0">
+                      <a:srgbClr val="6E747A">
+                        <a:alpha val="43000"/>
+                      </a:srgbClr>
+                    </a:outerShdw>
+                  </a:effectLst>
+                </a:rPr>
+                <a:t>-1)!</a:t>
+              </a:r>
+              <a:endParaRPr lang="zh-TW" altLang="en-US" sz="5400" b="0" cap="none" spc="0" dirty="0">
+                <a:ln w="0"/>
+                <a:solidFill>
+                  <a:schemeClr val="accent4">
+                    <a:lumMod val="60000"/>
+                    <a:lumOff val="40000"/>
+                  </a:schemeClr>
+                </a:solidFill>
+                <a:effectLst>
+                  <a:outerShdw blurRad="38100" dist="25400" dir="5400000" algn="ctr" rotWithShape="0">
+                    <a:srgbClr val="6E747A">
+                      <a:alpha val="43000"/>
+                    </a:srgbClr>
+                  </a:outerShdw>
+                </a:effectLst>
+              </a:endParaRPr>
+            </a:p>
+          </p:txBody>
+        </p:sp>
+        <p:cxnSp>
+          <p:nvCxnSpPr>
+            <p:cNvPr id="8" name="直線接點 7">
+              <a:extLst>
+                <a:ext uri="{FF2B5EF4-FFF2-40B4-BE49-F238E27FC236}">
+                  <a16:creationId xmlns:a16="http://schemas.microsoft.com/office/drawing/2014/main" id="{D368FBA3-99BE-4001-888F-614F2960CA4A}"/>
+                </a:ext>
+              </a:extLst>
+            </p:cNvPr>
+            <p:cNvCxnSpPr>
+              <a:stCxn id="4" idx="2"/>
+              <a:endCxn id="5" idx="0"/>
+            </p:cNvCxnSpPr>
+            <p:nvPr/>
+          </p:nvCxnSpPr>
+          <p:spPr>
+            <a:xfrm flipH="1">
+              <a:off x="7750629" y="2748955"/>
+              <a:ext cx="995265" cy="680045"/>
+            </a:xfrm>
+            <a:prstGeom prst="line">
+              <a:avLst/>
+            </a:prstGeom>
+            <a:ln>
+              <a:solidFill>
+                <a:schemeClr val="accent2">
+                  <a:lumMod val="60000"/>
+                  <a:lumOff val="40000"/>
+                </a:schemeClr>
+              </a:solidFill>
+            </a:ln>
+          </p:spPr>
+          <p:style>
+            <a:lnRef idx="1">
+              <a:schemeClr val="accent1"/>
+            </a:lnRef>
+            <a:fillRef idx="0">
+              <a:schemeClr val="accent1"/>
+            </a:fillRef>
+            <a:effectRef idx="0">
+              <a:schemeClr val="accent1"/>
+            </a:effectRef>
+            <a:fontRef idx="minor">
+              <a:schemeClr val="tx1"/>
+            </a:fontRef>
+          </p:style>
+        </p:cxnSp>
+        <p:cxnSp>
+          <p:nvCxnSpPr>
+            <p:cNvPr id="10" name="直線接點 9">
+              <a:extLst>
+                <a:ext uri="{FF2B5EF4-FFF2-40B4-BE49-F238E27FC236}">
+                  <a16:creationId xmlns:a16="http://schemas.microsoft.com/office/drawing/2014/main" id="{C4590F06-5B15-48F0-A169-76DC062A6526}"/>
+                </a:ext>
+              </a:extLst>
+            </p:cNvPr>
+            <p:cNvCxnSpPr>
+              <a:stCxn id="4" idx="2"/>
+              <a:endCxn id="6" idx="0"/>
+            </p:cNvCxnSpPr>
+            <p:nvPr/>
+          </p:nvCxnSpPr>
+          <p:spPr>
+            <a:xfrm>
+              <a:off x="8745894" y="2748955"/>
+              <a:ext cx="1027862" cy="680045"/>
+            </a:xfrm>
+            <a:prstGeom prst="line">
+              <a:avLst/>
+            </a:prstGeom>
+            <a:ln>
+              <a:solidFill>
+                <a:schemeClr val="accent2">
+                  <a:lumMod val="60000"/>
+                  <a:lumOff val="40000"/>
+                </a:schemeClr>
+              </a:solidFill>
+            </a:ln>
+          </p:spPr>
+          <p:style>
+            <a:lnRef idx="1">
+              <a:schemeClr val="accent1"/>
+            </a:lnRef>
+            <a:fillRef idx="0">
+              <a:schemeClr val="accent1"/>
+            </a:fillRef>
+            <a:effectRef idx="0">
+              <a:schemeClr val="accent1"/>
+            </a:effectRef>
+            <a:fontRef idx="minor">
+              <a:schemeClr val="tx1"/>
+            </a:fontRef>
+          </p:style>
+        </p:cxnSp>
+        <p:sp>
+          <p:nvSpPr>
+            <p:cNvPr id="12" name="矩形 11">
+              <a:extLst>
+                <a:ext uri="{FF2B5EF4-FFF2-40B4-BE49-F238E27FC236}">
+                  <a16:creationId xmlns:a16="http://schemas.microsoft.com/office/drawing/2014/main" id="{B7A6F9E9-AD0F-43D7-87D5-98C57F2F91FA}"/>
+                </a:ext>
+              </a:extLst>
+            </p:cNvPr>
+            <p:cNvSpPr/>
+            <p:nvPr/>
+          </p:nvSpPr>
+          <p:spPr>
+            <a:xfrm>
+              <a:off x="8504500" y="3429000"/>
+              <a:ext cx="529312" cy="923330"/>
+            </a:xfrm>
+            <a:prstGeom prst="rect">
+              <a:avLst/>
+            </a:prstGeom>
+            <a:noFill/>
+          </p:spPr>
+          <p:txBody>
+            <a:bodyPr wrap="none" lIns="91440" tIns="45720" rIns="91440" bIns="45720">
+              <a:spAutoFit/>
+            </a:bodyPr>
+            <a:lstStyle/>
+            <a:p>
+              <a:pPr algn="ctr"/>
+              <a:r>
+                <a:rPr lang="en-US" altLang="zh-TW" sz="5400" dirty="0">
+                  <a:ln w="0"/>
+                  <a:solidFill>
+                    <a:schemeClr val="accent4">
+                      <a:lumMod val="60000"/>
+                      <a:lumOff val="40000"/>
+                    </a:schemeClr>
+                  </a:solidFill>
+                  <a:effectLst>
+                    <a:outerShdw blurRad="38100" dist="25400" dir="5400000" algn="ctr" rotWithShape="0">
+                      <a:srgbClr val="6E747A">
+                        <a:alpha val="43000"/>
+                      </a:srgbClr>
+                    </a:outerShdw>
+                  </a:effectLst>
+                </a:rPr>
+                <a:t>*</a:t>
+              </a:r>
+              <a:endParaRPr lang="zh-TW" altLang="en-US" sz="5400" b="0" cap="none" spc="0" dirty="0">
+                <a:ln w="0"/>
+                <a:solidFill>
+                  <a:schemeClr val="accent4">
+                    <a:lumMod val="60000"/>
+                    <a:lumOff val="40000"/>
+                  </a:schemeClr>
+                </a:solidFill>
+                <a:effectLst>
+                  <a:outerShdw blurRad="38100" dist="25400" dir="5400000" algn="ctr" rotWithShape="0">
+                    <a:srgbClr val="6E747A">
+                      <a:alpha val="43000"/>
+                    </a:srgbClr>
+                  </a:outerShdw>
+                </a:effectLst>
+              </a:endParaRPr>
+            </a:p>
+          </p:txBody>
+        </p:sp>
+      </p:grpSp>
+      <p:sp>
+        <p:nvSpPr>
+          <p:cNvPr id="14" name="內容版面配置區 2">
+            <a:extLst>
+              <a:ext uri="{FF2B5EF4-FFF2-40B4-BE49-F238E27FC236}">
+                <a16:creationId xmlns:a16="http://schemas.microsoft.com/office/drawing/2014/main" id="{4874BDC3-42FD-4116-B19B-75A5D43AD64E}"/>
+              </a:ext>
+            </a:extLst>
+          </p:cNvPr>
+          <p:cNvSpPr txBox="1">
+            <a:spLocks/>
+          </p:cNvSpPr>
+          <p:nvPr/>
+        </p:nvSpPr>
+        <p:spPr>
+          <a:xfrm>
+            <a:off x="838200" y="4263344"/>
+            <a:ext cx="5506616" cy="1943975"/>
+          </a:xfrm>
+          <a:prstGeom prst="rect">
+            <a:avLst/>
+          </a:prstGeom>
+        </p:spPr>
+        <p:txBody>
+          <a:bodyPr vert="horz" lIns="91440" tIns="45720" rIns="91440" bIns="45720" rtlCol="0">
+            <a:normAutofit/>
+          </a:bodyPr>
+          <a:lstStyle>
+            <a:lvl1pPr marL="228600" indent="-228600" algn="l" defTabSz="914400" rtl="0" eaLnBrk="1" latinLnBrk="0" hangingPunct="1">
+              <a:lnSpc>
+                <a:spcPct val="90000"/>
+              </a:lnSpc>
+              <a:spcBef>
+                <a:spcPts val="1000"/>
+              </a:spcBef>
+              <a:buFont typeface="Arial" panose="020B0604020202020204" pitchFamily="34" charset="0"/>
+              <a:buChar char="•"/>
+              <a:defRPr sz="2800" kern="1200">
+                <a:solidFill>
+                  <a:schemeClr val="tx1"/>
+                </a:solidFill>
+                <a:latin typeface="+mn-lt"/>
+                <a:ea typeface="+mn-ea"/>
+                <a:cs typeface="+mn-cs"/>
+              </a:defRPr>
+            </a:lvl1pPr>
+            <a:lvl2pPr marL="685800" indent="-228600" algn="l" defTabSz="914400" rtl="0" eaLnBrk="1" latinLnBrk="0" hangingPunct="1">
+              <a:lnSpc>
+                <a:spcPct val="90000"/>
+              </a:lnSpc>
+              <a:spcBef>
+                <a:spcPts val="500"/>
+              </a:spcBef>
+              <a:buFont typeface="Arial" panose="020B0604020202020204" pitchFamily="34" charset="0"/>
+              <a:buChar char="•"/>
+              <a:defRPr sz="2400" kern="1200">
+                <a:solidFill>
+                  <a:schemeClr val="tx1"/>
+                </a:solidFill>
+                <a:latin typeface="+mn-lt"/>
+                <a:ea typeface="+mn-ea"/>
+                <a:cs typeface="+mn-cs"/>
+              </a:defRPr>
+            </a:lvl2pPr>
+            <a:lvl3pPr marL="1143000" indent="-228600" algn="l" defTabSz="914400" rtl="0" eaLnBrk="1" latinLnBrk="0" hangingPunct="1">
+              <a:lnSpc>
+                <a:spcPct val="90000"/>
+              </a:lnSpc>
+              <a:spcBef>
+                <a:spcPts val="500"/>
+              </a:spcBef>
+              <a:buFont typeface="Arial" panose="020B0604020202020204" pitchFamily="34" charset="0"/>
+              <a:buChar char="•"/>
+              <a:defRPr sz="2000" kern="1200">
+                <a:solidFill>
+                  <a:schemeClr val="tx1"/>
+                </a:solidFill>
+                <a:latin typeface="+mn-lt"/>
+                <a:ea typeface="+mn-ea"/>
+                <a:cs typeface="+mn-cs"/>
+              </a:defRPr>
+            </a:lvl3pPr>
+            <a:lvl4pPr marL="1600200" indent="-228600" algn="l" defTabSz="914400" rtl="0" eaLnBrk="1" latinLnBrk="0" hangingPunct="1">
+              <a:lnSpc>
+                <a:spcPct val="90000"/>
+              </a:lnSpc>
+              <a:spcBef>
+                <a:spcPts val="500"/>
+              </a:spcBef>
+              <a:buFont typeface="Arial" panose="020B0604020202020204" pitchFamily="34" charset="0"/>
+              <a:buChar char="•"/>
+              <a:defRPr sz="1800" kern="1200">
+                <a:solidFill>
+                  <a:schemeClr val="tx1"/>
+                </a:solidFill>
+                <a:latin typeface="+mn-lt"/>
+                <a:ea typeface="+mn-ea"/>
+                <a:cs typeface="+mn-cs"/>
+              </a:defRPr>
+            </a:lvl4pPr>
+            <a:lvl5pPr marL="2057400" indent="-228600" algn="l" defTabSz="914400" rtl="0" eaLnBrk="1" latinLnBrk="0" hangingPunct="1">
+              <a:lnSpc>
+                <a:spcPct val="90000"/>
+              </a:lnSpc>
+              <a:spcBef>
+                <a:spcPts val="500"/>
+              </a:spcBef>
+              <a:buFont typeface="Arial" panose="020B0604020202020204" pitchFamily="34" charset="0"/>
+              <a:buChar char="•"/>
+              <a:defRPr sz="1800" kern="1200">
+                <a:solidFill>
+                  <a:schemeClr val="tx1"/>
+                </a:solidFill>
+                <a:latin typeface="+mn-lt"/>
+                <a:ea typeface="+mn-ea"/>
+                <a:cs typeface="+mn-cs"/>
+              </a:defRPr>
+            </a:lvl5pPr>
+            <a:lvl6pPr marL="2514600" indent="-228600" algn="l" defTabSz="914400" rtl="0" eaLnBrk="1" latinLnBrk="0" hangingPunct="1">
+              <a:lnSpc>
+                <a:spcPct val="90000"/>
+              </a:lnSpc>
+              <a:spcBef>
+                <a:spcPts val="500"/>
+              </a:spcBef>
+              <a:buFont typeface="Arial" panose="020B0604020202020204" pitchFamily="34" charset="0"/>
+              <a:buChar char="•"/>
+              <a:defRPr sz="1800" kern="1200">
+                <a:solidFill>
+                  <a:schemeClr val="tx1"/>
+                </a:solidFill>
+                <a:latin typeface="+mn-lt"/>
+                <a:ea typeface="+mn-ea"/>
+                <a:cs typeface="+mn-cs"/>
+              </a:defRPr>
+            </a:lvl6pPr>
+            <a:lvl7pPr marL="2971800" indent="-228600" algn="l" defTabSz="914400" rtl="0" eaLnBrk="1" latinLnBrk="0" hangingPunct="1">
+              <a:lnSpc>
+                <a:spcPct val="90000"/>
+              </a:lnSpc>
+              <a:spcBef>
+                <a:spcPts val="500"/>
+              </a:spcBef>
+              <a:buFont typeface="Arial" panose="020B0604020202020204" pitchFamily="34" charset="0"/>
+              <a:buChar char="•"/>
+              <a:defRPr sz="1800" kern="1200">
+                <a:solidFill>
+                  <a:schemeClr val="tx1"/>
+                </a:solidFill>
+                <a:latin typeface="+mn-lt"/>
+                <a:ea typeface="+mn-ea"/>
+                <a:cs typeface="+mn-cs"/>
+              </a:defRPr>
+            </a:lvl7pPr>
+            <a:lvl8pPr marL="3429000" indent="-228600" algn="l" defTabSz="914400" rtl="0" eaLnBrk="1" latinLnBrk="0" hangingPunct="1">
+              <a:lnSpc>
+                <a:spcPct val="90000"/>
+              </a:lnSpc>
+              <a:spcBef>
+                <a:spcPts val="500"/>
+              </a:spcBef>
+              <a:buFont typeface="Arial" panose="020B0604020202020204" pitchFamily="34" charset="0"/>
+              <a:buChar char="•"/>
+              <a:defRPr sz="1800" kern="1200">
+                <a:solidFill>
+                  <a:schemeClr val="tx1"/>
+                </a:solidFill>
+                <a:latin typeface="+mn-lt"/>
+                <a:ea typeface="+mn-ea"/>
+                <a:cs typeface="+mn-cs"/>
+              </a:defRPr>
+            </a:lvl8pPr>
+            <a:lvl9pPr marL="3886200" indent="-228600" algn="l" defTabSz="914400" rtl="0" eaLnBrk="1" latinLnBrk="0" hangingPunct="1">
+              <a:lnSpc>
+                <a:spcPct val="90000"/>
+              </a:lnSpc>
+              <a:spcBef>
+                <a:spcPts val="500"/>
+              </a:spcBef>
+              <a:buFont typeface="Arial" panose="020B0604020202020204" pitchFamily="34" charset="0"/>
+              <a:buChar char="•"/>
+              <a:defRPr sz="1800" kern="1200">
+                <a:solidFill>
+                  <a:schemeClr val="tx1"/>
+                </a:solidFill>
+                <a:latin typeface="+mn-lt"/>
+                <a:ea typeface="+mn-ea"/>
+                <a:cs typeface="+mn-cs"/>
+              </a:defRPr>
+            </a:lvl9pPr>
+          </a:lstStyle>
+          <a:p>
+            <a:pPr marL="0" indent="0">
+              <a:buFont typeface="Arial" panose="020B0604020202020204" pitchFamily="34" charset="0"/>
+              <a:buNone/>
+            </a:pPr>
+            <a:r>
+              <a:rPr lang="en-US" altLang="zh-TW" sz="3200" dirty="0"/>
+              <a:t>1.</a:t>
+            </a:r>
+            <a:r>
+              <a:rPr lang="zh-TW" altLang="en-US" sz="3200" dirty="0"/>
+              <a:t>遞迴情況</a:t>
+            </a:r>
+            <a:r>
+              <a:rPr lang="en-US" altLang="zh-TW" sz="3200" dirty="0"/>
+              <a:t>:</a:t>
+            </a:r>
+            <a:r>
+              <a:rPr lang="zh-TW" altLang="en-US" sz="3200" dirty="0"/>
+              <a:t> 當</a:t>
+            </a:r>
+            <a:r>
+              <a:rPr lang="en-US" altLang="zh-TW" sz="3200" dirty="0"/>
+              <a:t>f(n)</a:t>
+            </a:r>
+            <a:r>
+              <a:rPr lang="zh-TW" altLang="en-US" sz="3200" dirty="0"/>
+              <a:t> </a:t>
+            </a:r>
+            <a:r>
+              <a:rPr lang="en-US" altLang="zh-TW" sz="3200" dirty="0"/>
+              <a:t>&gt; 0</a:t>
+            </a:r>
+          </a:p>
+          <a:p>
+            <a:pPr marL="0" indent="0">
+              <a:buFont typeface="Arial" panose="020B0604020202020204" pitchFamily="34" charset="0"/>
+              <a:buNone/>
+            </a:pPr>
+            <a:r>
+              <a:rPr lang="en-US" altLang="zh-TW" sz="3200" dirty="0"/>
+              <a:t>2.</a:t>
+            </a:r>
+            <a:r>
+              <a:rPr lang="zh-TW" altLang="en-US" sz="3200" dirty="0"/>
+              <a:t>基本情況</a:t>
+            </a:r>
+            <a:r>
+              <a:rPr lang="en-US" altLang="zh-TW" sz="3200" dirty="0"/>
+              <a:t>:</a:t>
+            </a:r>
+            <a:r>
+              <a:rPr lang="zh-TW" altLang="en-US" sz="3200" dirty="0"/>
+              <a:t> 當</a:t>
+            </a:r>
+            <a:r>
+              <a:rPr lang="en-US" altLang="zh-TW" sz="3200" dirty="0"/>
+              <a:t>f(n) == 0</a:t>
+            </a:r>
+            <a:endParaRPr lang="zh-TW" altLang="en-US" sz="3200" dirty="0"/>
+          </a:p>
+        </p:txBody>
+      </p:sp>
+    </p:spTree>
+    <p:extLst>
+      <p:ext uri="{BB962C8B-B14F-4D97-AF65-F5344CB8AC3E}">
+        <p14:creationId xmlns:p14="http://schemas.microsoft.com/office/powerpoint/2010/main" val="1826171073"/>
+      </p:ext>
+    </p:extLst>
+  </p:cSld>
+  <p:clrMapOvr>
+    <a:masterClrMapping/>
+  </p:clrMapOvr>
+  <p:timing>
+    <p:tnLst>
+      <p:par>
+        <p:cTn id="1" dur="indefinite" restart="never" nodeType="tmRoot">
+          <p:childTnLst>
+            <p:seq concurrent="1" nextAc="seek">
+              <p:cTn id="2" dur="indefinite" nodeType="mainSeq">
+                <p:childTnLst>
+                  <p:par>
+                    <p:cTn id="3" fill="hold">
+                      <p:stCondLst>
+                        <p:cond delay="indefinite"/>
+                      </p:stCondLst>
+                      <p:childTnLst>
+                        <p:par>
+                          <p:cTn id="4" fill="hold">
+                            <p:stCondLst>
+                              <p:cond delay="0"/>
+                            </p:stCondLst>
+                            <p:childTnLst>
+                              <p:par>
+                                <p:cTn id="5" presetID="1" presetClass="entr" presetSubtype="0" fill="hold" grpId="0" nodeType="clickEffect">
+                                  <p:stCondLst>
+                                    <p:cond delay="0"/>
+                                  </p:stCondLst>
+                                  <p:childTnLst>
+                                    <p:set>
+                                      <p:cBhvr>
+                                        <p:cTn id="6" dur="1" fill="hold">
+                                          <p:stCondLst>
+                                            <p:cond delay="0"/>
+                                          </p:stCondLst>
+                                        </p:cTn>
+                                        <p:tgtEl>
+                                          <p:spTgt spid="14"/>
+                                        </p:tgtEl>
+                                        <p:attrNameLst>
+                                          <p:attrName>style.visibility</p:attrName>
+                                        </p:attrNameLst>
+                                      </p:cBhvr>
+                                      <p:to>
+                                        <p:strVal val="visible"/>
+                                      </p:to>
+                                    </p:set>
+                                  </p:childTnLst>
+                                </p:cTn>
+                              </p:par>
+                              <p:par>
+                                <p:cTn id="7" presetID="1" presetClass="entr" presetSubtype="0" fill="hold" nodeType="withEffect">
+                                  <p:stCondLst>
+                                    <p:cond delay="0"/>
+                                  </p:stCondLst>
+                                  <p:childTnLst>
+                                    <p:set>
+                                      <p:cBhvr>
+                                        <p:cTn id="8" dur="1" fill="hold">
+                                          <p:stCondLst>
+                                            <p:cond delay="0"/>
+                                          </p:stCondLst>
+                                        </p:cTn>
+                                        <p:tgtEl>
+                                          <p:spTgt spid="13"/>
+                                        </p:tgtEl>
+                                        <p:attrNameLst>
+                                          <p:attrName>style.visibility</p:attrName>
+                                        </p:attrNameLst>
+                                      </p:cBhvr>
+                                      <p:to>
+                                        <p:strVal val="visible"/>
+                                      </p:to>
+                                    </p:set>
+                                  </p:childTnLst>
+                                </p:cTn>
+                              </p:par>
+                            </p:childTnLst>
+                          </p:cTn>
+                        </p:par>
+                      </p:childTnLst>
+                    </p:cTn>
+                  </p:par>
+                </p:childTnLst>
+              </p:cTn>
+              <p:prevCondLst>
+                <p:cond evt="onPrev" delay="0">
+                  <p:tgtEl>
+                    <p:sldTgt/>
+                  </p:tgtEl>
+                </p:cond>
+              </p:prevCondLst>
+              <p:nextCondLst>
+                <p:cond evt="onNext" delay="0">
+                  <p:tgtEl>
+                    <p:sldTgt/>
+                  </p:tgtEl>
+                </p:cond>
+              </p:nextCondLst>
+            </p:seq>
+          </p:childTnLst>
+        </p:cTn>
+      </p:par>
+    </p:tnLst>
+    <p:bldLst>
+      <p:bldP spid="14" grpId="0"/>
+    </p:bldLst>
+  </p:timing>
+</p:sld>
+</file>
+
+<file path=ppt/slides/slide9.xml><?xml version="1.0" encoding="utf-8"?>
+<p:sld xmlns:a="http://schemas.openxmlformats.org/drawingml/2006/main" xmlns:r="http://schemas.openxmlformats.org/officeDocument/2006/relationships" xmlns:p="http://schemas.openxmlformats.org/presentationml/2006/main">
+  <p:cSld>
+    <p:spTree>
+      <p:nvGrpSpPr>
+        <p:cNvPr id="1" name=""/>
+        <p:cNvGrpSpPr/>
+        <p:nvPr/>
+      </p:nvGrpSpPr>
+      <p:grpSpPr>
+        <a:xfrm>
+          <a:off x="0" y="0"/>
+          <a:ext cx="0" cy="0"/>
+          <a:chOff x="0" y="0"/>
+          <a:chExt cx="0" cy="0"/>
+        </a:xfrm>
+      </p:grpSpPr>
+      <p:sp>
+        <p:nvSpPr>
+          <p:cNvPr id="3" name="內容版面配置區 2">
+            <a:extLst>
+              <a:ext uri="{FF2B5EF4-FFF2-40B4-BE49-F238E27FC236}">
+                <a16:creationId xmlns:a16="http://schemas.microsoft.com/office/drawing/2014/main" id="{AC77449E-B8F3-4AFA-B251-023B94709035}"/>
+              </a:ext>
+            </a:extLst>
+          </p:cNvPr>
+          <p:cNvSpPr>
+            <a:spLocks noGrp="1"/>
+          </p:cNvSpPr>
+          <p:nvPr>
+            <p:ph idx="1"/>
+          </p:nvPr>
+        </p:nvSpPr>
+        <p:spPr>
+          <a:xfrm>
+            <a:off x="2752531" y="1331103"/>
+            <a:ext cx="9237305" cy="4351338"/>
+          </a:xfrm>
+        </p:spPr>
+        <p:txBody>
+          <a:bodyPr>
+            <a:noAutofit/>
+          </a:bodyPr>
+          <a:lstStyle/>
+          <a:p>
+            <a:pPr marL="0" indent="0">
+              <a:buNone/>
+            </a:pPr>
+            <a:r>
+              <a:rPr lang="en-US" altLang="zh-TW" sz="4000" dirty="0"/>
+              <a:t>0! = 1</a:t>
+            </a:r>
+          </a:p>
+          <a:p>
+            <a:pPr marL="0" indent="0">
+              <a:buNone/>
+            </a:pPr>
+            <a:r>
+              <a:rPr lang="en-US" altLang="zh-TW" sz="4000" dirty="0"/>
+              <a:t>1! = 1 * </a:t>
+            </a:r>
+            <a:r>
+              <a:rPr lang="en-US" altLang="zh-TW" sz="4000" dirty="0">
+                <a:solidFill>
+                  <a:schemeClr val="accent4">
+                    <a:lumMod val="60000"/>
+                    <a:lumOff val="40000"/>
+                  </a:schemeClr>
+                </a:solidFill>
+              </a:rPr>
+              <a:t>0! </a:t>
+            </a:r>
+            <a:r>
+              <a:rPr lang="en-US" altLang="zh-TW" sz="4000" dirty="0"/>
+              <a:t>= 1</a:t>
+            </a:r>
+          </a:p>
+          <a:p>
+            <a:pPr marL="0" indent="0">
+              <a:buNone/>
+            </a:pPr>
+            <a:r>
+              <a:rPr lang="en-US" altLang="zh-TW" sz="4000" dirty="0"/>
+              <a:t>2! = 2 * </a:t>
+            </a:r>
+            <a:r>
+              <a:rPr lang="en-US" altLang="zh-TW" sz="4000" dirty="0">
+                <a:solidFill>
+                  <a:schemeClr val="accent4">
+                    <a:lumMod val="60000"/>
+                    <a:lumOff val="40000"/>
+                  </a:schemeClr>
+                </a:solidFill>
+              </a:rPr>
+              <a:t>1! </a:t>
+            </a:r>
+            <a:r>
+              <a:rPr lang="en-US" altLang="zh-TW" sz="4000" dirty="0"/>
+              <a:t>= 2 * 1 * </a:t>
+            </a:r>
+            <a:r>
+              <a:rPr lang="en-US" altLang="zh-TW" sz="4000" dirty="0">
+                <a:solidFill>
+                  <a:schemeClr val="accent4">
+                    <a:lumMod val="60000"/>
+                    <a:lumOff val="40000"/>
+                  </a:schemeClr>
+                </a:solidFill>
+              </a:rPr>
+              <a:t>0!</a:t>
+            </a:r>
+            <a:r>
+              <a:rPr lang="zh-TW" altLang="en-US" sz="4000" dirty="0">
+                <a:solidFill>
+                  <a:schemeClr val="accent4">
+                    <a:lumMod val="60000"/>
+                    <a:lumOff val="40000"/>
+                  </a:schemeClr>
+                </a:solidFill>
+              </a:rPr>
+              <a:t> </a:t>
+            </a:r>
+            <a:r>
+              <a:rPr lang="en-US" altLang="zh-TW" sz="4000" dirty="0"/>
+              <a:t>=</a:t>
+            </a:r>
+            <a:r>
+              <a:rPr lang="zh-TW" altLang="en-US" sz="4000" dirty="0"/>
+              <a:t> </a:t>
+            </a:r>
+            <a:r>
+              <a:rPr lang="en-US" altLang="zh-TW" sz="4000" dirty="0"/>
+              <a:t>2</a:t>
+            </a:r>
+          </a:p>
+          <a:p>
+            <a:pPr marL="0" indent="0">
+              <a:buNone/>
+            </a:pPr>
+            <a:r>
+              <a:rPr lang="en-US" altLang="zh-TW" sz="4000" dirty="0"/>
+              <a:t>3! = 3 * </a:t>
+            </a:r>
+            <a:r>
+              <a:rPr lang="en-US" altLang="zh-TW" sz="4000" dirty="0">
+                <a:solidFill>
+                  <a:schemeClr val="accent4">
+                    <a:lumMod val="60000"/>
+                    <a:lumOff val="40000"/>
+                  </a:schemeClr>
+                </a:solidFill>
+              </a:rPr>
+              <a:t>2! </a:t>
+            </a:r>
+            <a:r>
+              <a:rPr lang="en-US" altLang="zh-TW" sz="4000" dirty="0"/>
+              <a:t>= 3 * 2 * </a:t>
+            </a:r>
+            <a:r>
+              <a:rPr lang="en-US" altLang="zh-TW" sz="4000" dirty="0">
+                <a:solidFill>
+                  <a:schemeClr val="accent4">
+                    <a:lumMod val="60000"/>
+                    <a:lumOff val="40000"/>
+                  </a:schemeClr>
+                </a:solidFill>
+              </a:rPr>
+              <a:t>1! </a:t>
+            </a:r>
+            <a:r>
+              <a:rPr lang="en-US" altLang="zh-TW" sz="4000" dirty="0"/>
+              <a:t>= 3 * 2 * 1 *</a:t>
+            </a:r>
+            <a:r>
+              <a:rPr lang="en-US" altLang="zh-TW" sz="4000" dirty="0">
+                <a:solidFill>
+                  <a:schemeClr val="accent4">
+                    <a:lumMod val="60000"/>
+                    <a:lumOff val="40000"/>
+                  </a:schemeClr>
+                </a:solidFill>
+              </a:rPr>
+              <a:t> 0! </a:t>
+            </a:r>
+            <a:r>
+              <a:rPr lang="en-US" altLang="zh-TW" sz="4000" dirty="0"/>
+              <a:t>= 6</a:t>
+            </a:r>
+          </a:p>
+          <a:p>
+            <a:pPr marL="0" indent="0">
+              <a:buNone/>
+            </a:pPr>
+            <a:r>
+              <a:rPr lang="en-US" altLang="zh-TW" sz="4000" dirty="0"/>
+              <a:t>.</a:t>
+            </a:r>
+          </a:p>
+          <a:p>
+            <a:pPr marL="0" indent="0">
+              <a:buNone/>
+            </a:pPr>
+            <a:r>
+              <a:rPr lang="en-US" altLang="zh-TW" sz="4000" dirty="0"/>
+              <a:t>.</a:t>
+            </a:r>
+          </a:p>
+          <a:p>
+            <a:pPr marL="0" indent="0">
+              <a:buNone/>
+            </a:pPr>
+            <a:r>
+              <a:rPr lang="en-US" altLang="zh-TW" sz="4000" dirty="0"/>
+              <a:t>.</a:t>
+            </a:r>
+            <a:endParaRPr lang="zh-TW" altLang="en-US" sz="4000" dirty="0"/>
+          </a:p>
+        </p:txBody>
+      </p:sp>
+      <p:sp>
+        <p:nvSpPr>
+          <p:cNvPr id="4" name="矩形 3">
+            <a:extLst>
+              <a:ext uri="{FF2B5EF4-FFF2-40B4-BE49-F238E27FC236}">
+                <a16:creationId xmlns:a16="http://schemas.microsoft.com/office/drawing/2014/main" id="{52C94B68-F4BE-4096-B3AF-344F2971C6E4}"/>
+              </a:ext>
+            </a:extLst>
+          </p:cNvPr>
+          <p:cNvSpPr/>
+          <p:nvPr/>
+        </p:nvSpPr>
+        <p:spPr>
+          <a:xfrm>
+            <a:off x="6513806" y="407773"/>
+            <a:ext cx="2262158" cy="923330"/>
+          </a:xfrm>
+          <a:prstGeom prst="rect">
+            <a:avLst/>
+          </a:prstGeom>
+          <a:noFill/>
+        </p:spPr>
+        <p:txBody>
+          <a:bodyPr wrap="none" lIns="91440" tIns="45720" rIns="91440" bIns="45720">
+            <a:spAutoFit/>
+          </a:bodyPr>
+          <a:lstStyle/>
+          <a:p>
+            <a:pPr algn="ctr"/>
+            <a:r>
+              <a:rPr lang="zh-TW" altLang="en-US" sz="5400" b="1" cap="none" spc="0" dirty="0">
+                <a:ln w="12700" cmpd="sng">
+                  <a:solidFill>
+                    <a:schemeClr val="accent4"/>
+                  </a:solidFill>
+                  <a:prstDash val="solid"/>
+                </a:ln>
+                <a:gradFill>
+                  <a:gsLst>
+                    <a:gs pos="0">
+                      <a:schemeClr val="accent4"/>
+                    </a:gs>
+                    <a:gs pos="4000">
+                      <a:schemeClr val="accent4">
+                        <a:lumMod val="60000"/>
+                        <a:lumOff val="40000"/>
+                      </a:schemeClr>
+                    </a:gs>
+                    <a:gs pos="87000">
+                      <a:schemeClr val="accent4">
+                        <a:lumMod val="20000"/>
+                        <a:lumOff val="80000"/>
+                      </a:schemeClr>
+                    </a:gs>
+                  </a:gsLst>
+                  <a:lin ang="5400000"/>
+                </a:gradFill>
+                <a:effectLst/>
+              </a:rPr>
+              <a:t>子問題</a:t>
+            </a:r>
+          </a:p>
+        </p:txBody>
+      </p:sp>
+      <p:cxnSp>
+        <p:nvCxnSpPr>
+          <p:cNvPr id="7" name="直線單箭頭接點 6">
+            <a:extLst>
+              <a:ext uri="{FF2B5EF4-FFF2-40B4-BE49-F238E27FC236}">
+                <a16:creationId xmlns:a16="http://schemas.microsoft.com/office/drawing/2014/main" id="{11318744-B5E5-4234-BFAA-F2BACEC94C02}"/>
+              </a:ext>
+            </a:extLst>
+          </p:cNvPr>
+          <p:cNvCxnSpPr>
+            <a:cxnSpLocks/>
+            <a:stCxn id="3" idx="0"/>
+          </p:cNvCxnSpPr>
+          <p:nvPr/>
+        </p:nvCxnSpPr>
+        <p:spPr>
+          <a:xfrm flipH="1">
+            <a:off x="5001208" y="1331103"/>
+            <a:ext cx="2369976" cy="702970"/>
+          </a:xfrm>
+          <a:prstGeom prst="straightConnector1">
+            <a:avLst/>
+          </a:prstGeom>
+          <a:ln w="57150">
+            <a:tailEnd type="triangle"/>
+          </a:ln>
+        </p:spPr>
+        <p:style>
+          <a:lnRef idx="1">
+            <a:schemeClr val="accent1"/>
+          </a:lnRef>
+          <a:fillRef idx="0">
+            <a:schemeClr val="accent1"/>
+          </a:fillRef>
+          <a:effectRef idx="0">
+            <a:schemeClr val="accent1"/>
+          </a:effectRef>
+          <a:fontRef idx="minor">
+            <a:schemeClr val="tx1"/>
+          </a:fontRef>
+        </p:style>
+      </p:cxnSp>
+    </p:spTree>
+    <p:extLst>
+      <p:ext uri="{BB962C8B-B14F-4D97-AF65-F5344CB8AC3E}">
+        <p14:creationId xmlns:p14="http://schemas.microsoft.com/office/powerpoint/2010/main" val="141311046"/>
       </p:ext>
     </p:extLst>
   </p:cSld>

--- a/practical_class/class_ppt/0421程一實習.pptx
+++ b/practical_class/class_ppt/0421程一實習.pptx
@@ -226,7 +226,7 @@
           <a:p>
             <a:fld id="{4A026C94-271D-49A1-BABA-212293D723B7}" type="datetimeFigureOut">
               <a:rPr lang="zh-TW" altLang="en-US" smtClean="0"/>
-              <a:t>2022/4/20</a:t>
+              <a:t>2022/4/21</a:t>
             </a:fld>
             <a:endParaRPr lang="zh-TW" altLang="en-US"/>
           </a:p>
@@ -1022,7 +1022,7 @@
           <a:p>
             <a:fld id="{EC09F29B-51DF-41BF-B9C1-3A09295E2F91}" type="datetimeFigureOut">
               <a:rPr lang="zh-TW" altLang="en-US" smtClean="0"/>
-              <a:t>2022/4/20</a:t>
+              <a:t>2022/4/21</a:t>
             </a:fld>
             <a:endParaRPr lang="zh-TW" altLang="en-US"/>
           </a:p>
@@ -1220,7 +1220,7 @@
           <a:p>
             <a:fld id="{EC09F29B-51DF-41BF-B9C1-3A09295E2F91}" type="datetimeFigureOut">
               <a:rPr lang="zh-TW" altLang="en-US" smtClean="0"/>
-              <a:t>2022/4/20</a:t>
+              <a:t>2022/4/21</a:t>
             </a:fld>
             <a:endParaRPr lang="zh-TW" altLang="en-US"/>
           </a:p>
@@ -1428,7 +1428,7 @@
           <a:p>
             <a:fld id="{EC09F29B-51DF-41BF-B9C1-3A09295E2F91}" type="datetimeFigureOut">
               <a:rPr lang="zh-TW" altLang="en-US" smtClean="0"/>
-              <a:t>2022/4/20</a:t>
+              <a:t>2022/4/21</a:t>
             </a:fld>
             <a:endParaRPr lang="zh-TW" altLang="en-US"/>
           </a:p>
@@ -1626,7 +1626,7 @@
           <a:p>
             <a:fld id="{EC09F29B-51DF-41BF-B9C1-3A09295E2F91}" type="datetimeFigureOut">
               <a:rPr lang="zh-TW" altLang="en-US" smtClean="0"/>
-              <a:t>2022/4/20</a:t>
+              <a:t>2022/4/21</a:t>
             </a:fld>
             <a:endParaRPr lang="zh-TW" altLang="en-US"/>
           </a:p>
@@ -1901,7 +1901,7 @@
           <a:p>
             <a:fld id="{EC09F29B-51DF-41BF-B9C1-3A09295E2F91}" type="datetimeFigureOut">
               <a:rPr lang="zh-TW" altLang="en-US" smtClean="0"/>
-              <a:t>2022/4/20</a:t>
+              <a:t>2022/4/21</a:t>
             </a:fld>
             <a:endParaRPr lang="zh-TW" altLang="en-US"/>
           </a:p>
@@ -2166,7 +2166,7 @@
           <a:p>
             <a:fld id="{EC09F29B-51DF-41BF-B9C1-3A09295E2F91}" type="datetimeFigureOut">
               <a:rPr lang="zh-TW" altLang="en-US" smtClean="0"/>
-              <a:t>2022/4/20</a:t>
+              <a:t>2022/4/21</a:t>
             </a:fld>
             <a:endParaRPr lang="zh-TW" altLang="en-US"/>
           </a:p>
@@ -2578,7 +2578,7 @@
           <a:p>
             <a:fld id="{EC09F29B-51DF-41BF-B9C1-3A09295E2F91}" type="datetimeFigureOut">
               <a:rPr lang="zh-TW" altLang="en-US" smtClean="0"/>
-              <a:t>2022/4/20</a:t>
+              <a:t>2022/4/21</a:t>
             </a:fld>
             <a:endParaRPr lang="zh-TW" altLang="en-US"/>
           </a:p>
@@ -2719,7 +2719,7 @@
           <a:p>
             <a:fld id="{EC09F29B-51DF-41BF-B9C1-3A09295E2F91}" type="datetimeFigureOut">
               <a:rPr lang="zh-TW" altLang="en-US" smtClean="0"/>
-              <a:t>2022/4/20</a:t>
+              <a:t>2022/4/21</a:t>
             </a:fld>
             <a:endParaRPr lang="zh-TW" altLang="en-US"/>
           </a:p>
@@ -2832,7 +2832,7 @@
           <a:p>
             <a:fld id="{EC09F29B-51DF-41BF-B9C1-3A09295E2F91}" type="datetimeFigureOut">
               <a:rPr lang="zh-TW" altLang="en-US" smtClean="0"/>
-              <a:t>2022/4/20</a:t>
+              <a:t>2022/4/21</a:t>
             </a:fld>
             <a:endParaRPr lang="zh-TW" altLang="en-US"/>
           </a:p>
@@ -3143,7 +3143,7 @@
           <a:p>
             <a:fld id="{EC09F29B-51DF-41BF-B9C1-3A09295E2F91}" type="datetimeFigureOut">
               <a:rPr lang="zh-TW" altLang="en-US" smtClean="0"/>
-              <a:t>2022/4/20</a:t>
+              <a:t>2022/4/21</a:t>
             </a:fld>
             <a:endParaRPr lang="zh-TW" altLang="en-US"/>
           </a:p>
@@ -3431,7 +3431,7 @@
           <a:p>
             <a:fld id="{EC09F29B-51DF-41BF-B9C1-3A09295E2F91}" type="datetimeFigureOut">
               <a:rPr lang="zh-TW" altLang="en-US" smtClean="0"/>
-              <a:t>2022/4/20</a:t>
+              <a:t>2022/4/21</a:t>
             </a:fld>
             <a:endParaRPr lang="zh-TW" altLang="en-US"/>
           </a:p>
@@ -3672,7 +3672,7 @@
           <a:p>
             <a:fld id="{EC09F29B-51DF-41BF-B9C1-3A09295E2F91}" type="datetimeFigureOut">
               <a:rPr lang="zh-TW" altLang="en-US" smtClean="0"/>
-              <a:t>2022/4/20</a:t>
+              <a:t>2022/4/21</a:t>
             </a:fld>
             <a:endParaRPr lang="zh-TW" altLang="en-US"/>
           </a:p>
@@ -4111,8 +4111,8 @@
           <a:lstStyle/>
           <a:p>
             <a:r>
-              <a:rPr lang="en-US" altLang="zh-TW" dirty="0"/>
-              <a:t>03/31 </a:t>
+              <a:rPr lang="en-US" altLang="zh-TW"/>
+              <a:t>04/21 </a:t>
             </a:r>
             <a:r>
               <a:rPr lang="zh-TW" altLang="en-US" dirty="0"/>
@@ -7487,6 +7487,19 @@
               <a:rPr lang="zh-TW" altLang="en-US" sz="6600" dirty="0"/>
               <a:t>遞迴</a:t>
             </a:r>
+            <a:r>
+              <a:rPr lang="en-US" altLang="zh-TW" sz="6600" dirty="0"/>
+              <a:t>(</a:t>
+            </a:r>
+            <a:r>
+              <a:rPr lang="zh-TW" altLang="en-US" sz="6600" dirty="0"/>
+              <a:t>函數呼叫自己</a:t>
+            </a:r>
+            <a:r>
+              <a:rPr lang="en-US" altLang="zh-TW" sz="6600" dirty="0"/>
+              <a:t>)</a:t>
+            </a:r>
+            <a:endParaRPr lang="zh-TW" altLang="en-US" sz="6600" dirty="0"/>
           </a:p>
         </p:txBody>
       </p:sp>
@@ -7508,8 +7521,8 @@
         </p:nvSpPr>
         <p:spPr>
           <a:xfrm>
-            <a:off x="838200" y="933061"/>
-            <a:ext cx="11254273" cy="5748063"/>
+            <a:off x="455645" y="1091682"/>
+            <a:ext cx="12317963" cy="5748063"/>
           </a:xfrm>
         </p:spPr>
         <p:txBody>
@@ -7626,11 +7639,19 @@
             </a:r>
             <a:r>
               <a:rPr lang="en-US" altLang="zh-TW" sz="3600" dirty="0"/>
-              <a:t>		//</a:t>
+              <a:t>(</a:t>
             </a:r>
             <a:r>
               <a:rPr lang="zh-TW" altLang="en-US" sz="3600" dirty="0"/>
-              <a:t>一定要記得寫，避免無限遞迴</a:t>
+              <a:t>截止條件</a:t>
+            </a:r>
+            <a:r>
+              <a:rPr lang="en-US" altLang="zh-TW" sz="3600" dirty="0"/>
+              <a:t>)		//</a:t>
+            </a:r>
+            <a:r>
+              <a:rPr lang="zh-TW" altLang="en-US" sz="3600" dirty="0"/>
+              <a:t>記得寫，避免無限遞迴</a:t>
             </a:r>
             <a:endParaRPr lang="en-US" altLang="zh-TW" sz="3600" dirty="0"/>
           </a:p>
